--- a/LogStash/Slide_Logstash.pptx
+++ b/LogStash/Slide_Logstash.pptx
@@ -5,7 +5,7 @@
     <p:sldMasterId id="2147483648" r:id="rId1"/>
   </p:sldMasterIdLst>
   <p:notesMasterIdLst>
-    <p:notesMasterId r:id="rId8"/>
+    <p:notesMasterId r:id="rId11"/>
   </p:notesMasterIdLst>
   <p:sldIdLst>
     <p:sldId id="256" r:id="rId2"/>
@@ -14,6 +14,9 @@
     <p:sldId id="259" r:id="rId5"/>
     <p:sldId id="258" r:id="rId6"/>
     <p:sldId id="260" r:id="rId7"/>
+    <p:sldId id="262" r:id="rId8"/>
+    <p:sldId id="263" r:id="rId9"/>
+    <p:sldId id="264" r:id="rId10"/>
   </p:sldIdLst>
   <p:sldSz cx="9144000" cy="5143500" type="screen16x9"/>
   <p:notesSz cx="6858000" cy="9144000"/>
@@ -217,7 +220,7 @@
           <a:p>
             <a:fld id="{859492AF-9EFD-41CD-8A16-D895FB4BB63B}" type="datetimeFigureOut">
               <a:rPr lang="en-US" smtClean="0"/>
-              <a:t>10/18/2017</a:t>
+              <a:t>10/19/2017</a:t>
             </a:fld>
             <a:endParaRPr lang="en-US"/>
           </a:p>
@@ -780,7 +783,7 @@
             <a:fld id="{53074F12-AA26-4AC8-9962-C36BB8F32554}" type="datetimeFigureOut">
               <a:rPr lang="en-US" smtClean="0"/>
               <a:pPr/>
-              <a:t>10/18/2017</a:t>
+              <a:t>10/19/2017</a:t>
             </a:fld>
             <a:endParaRPr lang="en-US"/>
           </a:p>
@@ -1034,7 +1037,7 @@
             <a:fld id="{53074F12-AA26-4AC8-9962-C36BB8F32554}" type="datetimeFigureOut">
               <a:rPr lang="en-US" smtClean="0"/>
               <a:pPr/>
-              <a:t>10/18/2017</a:t>
+              <a:t>10/19/2017</a:t>
             </a:fld>
             <a:endParaRPr lang="en-US"/>
           </a:p>
@@ -1204,7 +1207,7 @@
             <a:fld id="{53074F12-AA26-4AC8-9962-C36BB8F32554}" type="datetimeFigureOut">
               <a:rPr lang="en-US" smtClean="0"/>
               <a:pPr/>
-              <a:t>10/18/2017</a:t>
+              <a:t>10/19/2017</a:t>
             </a:fld>
             <a:endParaRPr lang="en-US"/>
           </a:p>
@@ -1384,7 +1387,7 @@
             <a:fld id="{53074F12-AA26-4AC8-9962-C36BB8F32554}" type="datetimeFigureOut">
               <a:rPr lang="en-US" smtClean="0"/>
               <a:pPr/>
-              <a:t>10/18/2017</a:t>
+              <a:t>10/19/2017</a:t>
             </a:fld>
             <a:endParaRPr lang="en-US"/>
           </a:p>
@@ -1438,7 +1441,7 @@
           <p:cNvPr id="7" name="Picture 6" descr="E:\websites\free-power-point-templates\2012\logos.png">
             <a:extLst>
               <a:ext uri="{FF2B5EF4-FFF2-40B4-BE49-F238E27FC236}">
-                <a16:creationId xmlns:a16="http://schemas.microsoft.com/office/drawing/2014/main" xmlns="" id="{87F581DD-0858-4A9E-9DA3-538B9FD40F4C}"/>
+                <a16:creationId xmlns:a16="http://schemas.microsoft.com/office/drawing/2014/main" id="{87F581DD-0858-4A9E-9DA3-538B9FD40F4C}"/>
               </a:ext>
             </a:extLst>
           </p:cNvPr>
@@ -1666,7 +1669,7 @@
             <a:fld id="{53074F12-AA26-4AC8-9962-C36BB8F32554}" type="datetimeFigureOut">
               <a:rPr lang="en-US" smtClean="0"/>
               <a:pPr/>
-              <a:t>10/18/2017</a:t>
+              <a:t>10/19/2017</a:t>
             </a:fld>
             <a:endParaRPr lang="en-US"/>
           </a:p>
@@ -1913,7 +1916,7 @@
             <a:fld id="{53074F12-AA26-4AC8-9962-C36BB8F32554}" type="datetimeFigureOut">
               <a:rPr lang="en-US" smtClean="0"/>
               <a:pPr/>
-              <a:t>10/18/2017</a:t>
+              <a:t>10/19/2017</a:t>
             </a:fld>
             <a:endParaRPr lang="en-US"/>
           </a:p>
@@ -2160,7 +2163,7 @@
             <a:fld id="{53074F12-AA26-4AC8-9962-C36BB8F32554}" type="datetimeFigureOut">
               <a:rPr lang="en-US" smtClean="0"/>
               <a:pPr/>
-              <a:t>10/18/2017</a:t>
+              <a:t>10/19/2017</a:t>
             </a:fld>
             <a:endParaRPr lang="en-US"/>
           </a:p>
@@ -2447,7 +2450,7 @@
             <a:fld id="{53074F12-AA26-4AC8-9962-C36BB8F32554}" type="datetimeFigureOut">
               <a:rPr lang="en-US" smtClean="0"/>
               <a:pPr/>
-              <a:t>10/18/2017</a:t>
+              <a:t>10/19/2017</a:t>
             </a:fld>
             <a:endParaRPr lang="en-US"/>
           </a:p>
@@ -2934,7 +2937,7 @@
             <a:fld id="{53074F12-AA26-4AC8-9962-C36BB8F32554}" type="datetimeFigureOut">
               <a:rPr lang="en-US" smtClean="0"/>
               <a:pPr/>
-              <a:t>10/18/2017</a:t>
+              <a:t>10/19/2017</a:t>
             </a:fld>
             <a:endParaRPr lang="en-US"/>
           </a:p>
@@ -3053,7 +3056,7 @@
             <a:fld id="{53074F12-AA26-4AC8-9962-C36BB8F32554}" type="datetimeFigureOut">
               <a:rPr lang="en-US" smtClean="0"/>
               <a:pPr/>
-              <a:t>10/18/2017</a:t>
+              <a:t>10/19/2017</a:t>
             </a:fld>
             <a:endParaRPr lang="en-US"/>
           </a:p>
@@ -3150,7 +3153,7 @@
             <a:fld id="{53074F12-AA26-4AC8-9962-C36BB8F32554}" type="datetimeFigureOut">
               <a:rPr lang="en-US" smtClean="0"/>
               <a:pPr/>
-              <a:t>10/18/2017</a:t>
+              <a:t>10/19/2017</a:t>
             </a:fld>
             <a:endParaRPr lang="en-US"/>
           </a:p>
@@ -3427,7 +3430,7 @@
             <a:fld id="{53074F12-AA26-4AC8-9962-C36BB8F32554}" type="datetimeFigureOut">
               <a:rPr lang="en-US" smtClean="0"/>
               <a:pPr/>
-              <a:t>10/18/2017</a:t>
+              <a:t>10/19/2017</a:t>
             </a:fld>
             <a:endParaRPr lang="en-US"/>
           </a:p>
@@ -3649,7 +3652,7 @@
             <a:fld id="{53074F12-AA26-4AC8-9962-C36BB8F32554}" type="datetimeFigureOut">
               <a:rPr lang="en-US" smtClean="0"/>
               <a:pPr/>
-              <a:t>10/18/2017</a:t>
+              <a:t>10/19/2017</a:t>
             </a:fld>
             <a:endParaRPr lang="en-US"/>
           </a:p>
@@ -4049,39 +4052,39 @@
           <a:lstStyle/>
           <a:p>
             <a:r>
-              <a:rPr lang="en-US" dirty="0" err="1" smtClean="0"/>
+              <a:rPr lang="en-US" dirty="0" err="1"/>
               <a:t>Chủ</a:t>
             </a:r>
             <a:r>
-              <a:rPr lang="en-US" dirty="0" smtClean="0"/>
+              <a:rPr lang="en-US" dirty="0"/>
               <a:t> </a:t>
             </a:r>
             <a:r>
-              <a:rPr lang="en-US" dirty="0" err="1" smtClean="0"/>
+              <a:rPr lang="en-US" dirty="0" err="1"/>
               <a:t>đề</a:t>
             </a:r>
             <a:r>
-              <a:rPr lang="en-US" dirty="0" smtClean="0"/>
+              <a:rPr lang="en-US" dirty="0"/>
               <a:t> </a:t>
             </a:r>
             <a:r>
-              <a:rPr lang="en-US" dirty="0" err="1" smtClean="0"/>
+              <a:rPr lang="en-US" dirty="0" err="1"/>
               <a:t>công</a:t>
             </a:r>
             <a:r>
-              <a:rPr lang="en-US" dirty="0" smtClean="0"/>
+              <a:rPr lang="en-US" dirty="0"/>
               <a:t> </a:t>
             </a:r>
             <a:r>
-              <a:rPr lang="en-US" dirty="0" err="1" smtClean="0"/>
+              <a:rPr lang="en-US" dirty="0" err="1"/>
               <a:t>nghệ</a:t>
             </a:r>
             <a:r>
-              <a:rPr lang="en-US" dirty="0" smtClean="0"/>
+              <a:rPr lang="en-US" dirty="0"/>
               <a:t>: </a:t>
             </a:r>
             <a:r>
-              <a:rPr lang="en-US" sz="4000" b="1" dirty="0" err="1" smtClean="0"/>
+              <a:rPr lang="en-US" sz="4000" b="1" dirty="0" err="1"/>
               <a:t>Logstash</a:t>
             </a:r>
             <a:endParaRPr lang="en-US" sz="4000" b="1" dirty="0"/>
@@ -4111,34 +4114,29 @@
           <a:lstStyle/>
           <a:p>
             <a:r>
-              <a:rPr lang="en-US" dirty="0" err="1" smtClean="0"/>
+              <a:rPr lang="en-US" dirty="0" err="1"/>
               <a:t>Nhóm</a:t>
             </a:r>
             <a:r>
-              <a:rPr lang="en-US" dirty="0" smtClean="0"/>
+              <a:rPr lang="en-US" dirty="0"/>
               <a:t> </a:t>
             </a:r>
             <a:r>
-              <a:rPr lang="en-US" dirty="0" err="1" smtClean="0"/>
+              <a:rPr lang="en-US" dirty="0" err="1"/>
               <a:t>thực</a:t>
             </a:r>
             <a:r>
-              <a:rPr lang="en-US" dirty="0" smtClean="0"/>
+              <a:rPr lang="en-US" dirty="0"/>
               <a:t> </a:t>
             </a:r>
             <a:r>
-              <a:rPr lang="en-US" dirty="0" err="1" smtClean="0"/>
+              <a:rPr lang="en-US" dirty="0" err="1"/>
               <a:t>hiện</a:t>
             </a:r>
             <a:r>
-              <a:rPr lang="en-US" dirty="0" smtClean="0"/>
-              <a:t>: </a:t>
-            </a:r>
-            <a:r>
-              <a:rPr lang="en-US" dirty="0" smtClean="0"/>
-              <a:t>Tomorrow</a:t>
-            </a:r>
-            <a:endParaRPr lang="en-US" dirty="0"/>
+              <a:rPr lang="en-US" dirty="0"/>
+              <a:t>: Tomorrow</a:t>
+            </a:r>
           </a:p>
         </p:txBody>
       </p:sp>
@@ -4152,13 +4150,6 @@
   <p:clrMapOvr>
     <a:masterClrMapping/>
   </p:clrMapOvr>
-  <p:timing>
-    <p:tnLst>
-      <p:par>
-        <p:cTn id="1" dur="indefinite" restart="never" nodeType="tmRoot"/>
-      </p:par>
-    </p:tnLst>
-  </p:timing>
 </p:sld>
 </file>
 
@@ -4202,10 +4193,9 @@
           <a:lstStyle/>
           <a:p>
             <a:r>
-              <a:rPr lang="en-US" dirty="0" smtClean="0"/>
+              <a:rPr lang="en-US" dirty="0"/>
               <a:t>NỘI DUNG</a:t>
             </a:r>
-            <a:endParaRPr lang="en-US" dirty="0"/>
           </a:p>
         </p:txBody>
       </p:sp>
@@ -4230,151 +4220,147 @@
           <a:lstStyle/>
           <a:p>
             <a:r>
-              <a:rPr lang="en-US" dirty="0" err="1" smtClean="0"/>
+              <a:rPr lang="en-US" dirty="0" err="1"/>
               <a:t>Giới</a:t>
             </a:r>
             <a:r>
-              <a:rPr lang="en-US" dirty="0" smtClean="0"/>
+              <a:rPr lang="en-US" dirty="0"/>
               <a:t> </a:t>
             </a:r>
             <a:r>
-              <a:rPr lang="en-US" dirty="0" err="1" smtClean="0"/>
+              <a:rPr lang="en-US" dirty="0" err="1"/>
               <a:t>thiệu</a:t>
             </a:r>
             <a:r>
-              <a:rPr lang="en-US" dirty="0" smtClean="0"/>
+              <a:rPr lang="en-US" dirty="0"/>
               <a:t> </a:t>
             </a:r>
             <a:r>
-              <a:rPr lang="en-US" dirty="0" err="1" smtClean="0"/>
+              <a:rPr lang="en-US" dirty="0" err="1"/>
               <a:t>về</a:t>
             </a:r>
             <a:r>
-              <a:rPr lang="en-US" dirty="0" smtClean="0"/>
+              <a:rPr lang="en-US" dirty="0"/>
               <a:t> </a:t>
             </a:r>
             <a:r>
-              <a:rPr lang="en-US" dirty="0" err="1" smtClean="0"/>
+              <a:rPr lang="en-US" dirty="0" err="1"/>
               <a:t>Logstash</a:t>
             </a:r>
             <a:endParaRPr lang="en-US" dirty="0"/>
           </a:p>
           <a:p>
             <a:r>
-              <a:rPr lang="en-US" dirty="0" err="1" smtClean="0"/>
+              <a:rPr lang="en-US" dirty="0" err="1"/>
               <a:t>Nguyên</a:t>
             </a:r>
             <a:r>
-              <a:rPr lang="en-US" dirty="0" smtClean="0"/>
+              <a:rPr lang="en-US" dirty="0"/>
               <a:t> </a:t>
             </a:r>
             <a:r>
-              <a:rPr lang="en-US" dirty="0" err="1" smtClean="0"/>
+              <a:rPr lang="en-US" dirty="0" err="1"/>
               <a:t>lý</a:t>
             </a:r>
             <a:r>
-              <a:rPr lang="en-US" dirty="0" smtClean="0"/>
+              <a:rPr lang="en-US" dirty="0"/>
               <a:t>, </a:t>
             </a:r>
             <a:r>
-              <a:rPr lang="en-US" dirty="0" err="1" smtClean="0"/>
+              <a:rPr lang="en-US" dirty="0" err="1"/>
               <a:t>cơ</a:t>
             </a:r>
             <a:r>
-              <a:rPr lang="en-US" dirty="0" smtClean="0"/>
+              <a:rPr lang="en-US" dirty="0"/>
               <a:t> </a:t>
             </a:r>
             <a:r>
-              <a:rPr lang="en-US" dirty="0" err="1" smtClean="0"/>
+              <a:rPr lang="en-US" dirty="0" err="1"/>
               <a:t>chế</a:t>
             </a:r>
             <a:endParaRPr lang="en-US" dirty="0"/>
           </a:p>
           <a:p>
             <a:r>
-              <a:rPr lang="en-US" dirty="0" err="1" smtClean="0"/>
+              <a:rPr lang="en-US" dirty="0" err="1"/>
               <a:t>Thành</a:t>
             </a:r>
             <a:r>
-              <a:rPr lang="en-US" dirty="0" smtClean="0"/>
+              <a:rPr lang="en-US" dirty="0"/>
               <a:t> </a:t>
             </a:r>
             <a:r>
-              <a:rPr lang="en-US" dirty="0" err="1" smtClean="0"/>
+              <a:rPr lang="en-US" dirty="0" err="1"/>
               <a:t>phần</a:t>
             </a:r>
             <a:r>
-              <a:rPr lang="en-US" dirty="0" smtClean="0"/>
+              <a:rPr lang="en-US" dirty="0"/>
               <a:t>, </a:t>
             </a:r>
             <a:r>
-              <a:rPr lang="en-US" dirty="0" err="1" smtClean="0"/>
+              <a:rPr lang="en-US" dirty="0" err="1"/>
               <a:t>kiến</a:t>
             </a:r>
             <a:r>
-              <a:rPr lang="en-US" dirty="0" smtClean="0"/>
+              <a:rPr lang="en-US" dirty="0"/>
               <a:t> </a:t>
             </a:r>
             <a:r>
-              <a:rPr lang="en-US" dirty="0" err="1" smtClean="0"/>
+              <a:rPr lang="en-US" dirty="0" err="1"/>
               <a:t>trúc</a:t>
             </a:r>
-            <a:endParaRPr lang="en-US" dirty="0" smtClean="0"/>
-          </a:p>
-          <a:p>
-            <a:r>
-              <a:rPr lang="en-US" dirty="0" err="1" smtClean="0"/>
+            <a:endParaRPr lang="en-US" dirty="0"/>
+          </a:p>
+          <a:p>
+            <a:r>
+              <a:rPr lang="en-US" dirty="0" err="1"/>
               <a:t>Cài</a:t>
             </a:r>
             <a:r>
-              <a:rPr lang="en-US" dirty="0" smtClean="0"/>
+              <a:rPr lang="en-US" dirty="0"/>
               <a:t> </a:t>
             </a:r>
             <a:r>
-              <a:rPr lang="en-US" dirty="0" err="1" smtClean="0"/>
+              <a:rPr lang="en-US" dirty="0" err="1"/>
               <a:t>đặt</a:t>
             </a:r>
             <a:r>
               <a:rPr lang="en-US" dirty="0"/>
-              <a:t>,</a:t>
-            </a:r>
-            <a:r>
-              <a:rPr lang="en-US" dirty="0" smtClean="0"/>
+              <a:t>, </a:t>
+            </a:r>
+            <a:r>
+              <a:rPr lang="en-US" dirty="0" err="1"/>
+              <a:t>sử</a:t>
+            </a:r>
+            <a:r>
+              <a:rPr lang="en-US" dirty="0"/>
               <a:t> </a:t>
             </a:r>
             <a:r>
-              <a:rPr lang="en-US" dirty="0" err="1" smtClean="0"/>
-              <a:t>sử</a:t>
-            </a:r>
-            <a:r>
-              <a:rPr lang="en-US" dirty="0" smtClean="0"/>
+              <a:rPr lang="en-US" dirty="0" err="1"/>
+              <a:t>dụng</a:t>
+            </a:r>
+            <a:endParaRPr lang="en-US" dirty="0"/>
+          </a:p>
+          <a:p>
+            <a:r>
+              <a:rPr lang="en-US" dirty="0" err="1"/>
+              <a:t>Ứng</a:t>
+            </a:r>
+            <a:r>
+              <a:rPr lang="en-US" dirty="0"/>
               <a:t> </a:t>
             </a:r>
             <a:r>
-              <a:rPr lang="en-US" dirty="0" err="1" smtClean="0"/>
+              <a:rPr lang="en-US" dirty="0" err="1"/>
               <a:t>dụng</a:t>
             </a:r>
-            <a:endParaRPr lang="en-US" dirty="0"/>
-          </a:p>
-          <a:p>
-            <a:r>
-              <a:rPr lang="en-US" dirty="0" err="1" smtClean="0"/>
-              <a:t>Ứng</a:t>
-            </a:r>
-            <a:r>
-              <a:rPr lang="en-US" dirty="0" smtClean="0"/>
-              <a:t> </a:t>
-            </a:r>
-            <a:r>
-              <a:rPr lang="en-US" dirty="0" err="1" smtClean="0"/>
-              <a:t>dụng</a:t>
-            </a:r>
-            <a:r>
-              <a:rPr lang="en-US" dirty="0" smtClean="0"/>
+            <a:r>
+              <a:rPr lang="en-US" dirty="0"/>
               <a:t> minh </a:t>
             </a:r>
             <a:r>
-              <a:rPr lang="en-US" dirty="0" err="1" smtClean="0"/>
+              <a:rPr lang="en-US" dirty="0" err="1"/>
               <a:t>họa</a:t>
             </a:r>
             <a:endParaRPr lang="en-US" dirty="0"/>
@@ -4397,13 +4383,6 @@
   <p:clrMapOvr>
     <a:masterClrMapping/>
   </p:clrMapOvr>
-  <p:timing>
-    <p:tnLst>
-      <p:par>
-        <p:cTn id="1" dur="indefinite" restart="never" nodeType="tmRoot"/>
-      </p:par>
-    </p:tnLst>
-  </p:timing>
 </p:sld>
 </file>
 
@@ -4448,31 +4427,31 @@
           <a:p>
             <a:pPr algn="l"/>
             <a:r>
-              <a:rPr lang="en-US" dirty="0" err="1" smtClean="0"/>
+              <a:rPr lang="en-US" dirty="0" err="1"/>
               <a:t>Giới</a:t>
             </a:r>
             <a:r>
-              <a:rPr lang="en-US" dirty="0" smtClean="0"/>
+              <a:rPr lang="en-US" dirty="0"/>
               <a:t> </a:t>
             </a:r>
             <a:r>
-              <a:rPr lang="en-US" dirty="0" err="1" smtClean="0"/>
+              <a:rPr lang="en-US" dirty="0" err="1"/>
               <a:t>thiệu</a:t>
             </a:r>
             <a:r>
-              <a:rPr lang="en-US" dirty="0" smtClean="0"/>
+              <a:rPr lang="en-US" dirty="0"/>
               <a:t> </a:t>
             </a:r>
             <a:r>
-              <a:rPr lang="en-US" dirty="0" err="1" smtClean="0"/>
+              <a:rPr lang="en-US" dirty="0" err="1"/>
               <a:t>về</a:t>
             </a:r>
             <a:r>
-              <a:rPr lang="en-US" dirty="0" smtClean="0"/>
+              <a:rPr lang="en-US" dirty="0"/>
               <a:t> </a:t>
             </a:r>
             <a:r>
-              <a:rPr lang="en-US" dirty="0" err="1" smtClean="0"/>
+              <a:rPr lang="en-US" dirty="0" err="1"/>
               <a:t>Logstash</a:t>
             </a:r>
             <a:endParaRPr lang="en-US" dirty="0"/>
@@ -4500,24 +4479,24 @@
           <a:lstStyle/>
           <a:p>
             <a:r>
-              <a:rPr lang="en-US" dirty="0" err="1" smtClean="0"/>
+              <a:rPr lang="en-US" dirty="0" err="1"/>
               <a:t>Giới</a:t>
             </a:r>
             <a:r>
-              <a:rPr lang="en-US" dirty="0" smtClean="0"/>
+              <a:rPr lang="en-US" dirty="0"/>
               <a:t> </a:t>
             </a:r>
             <a:r>
-              <a:rPr lang="en-US" dirty="0" err="1" smtClean="0"/>
+              <a:rPr lang="en-US" dirty="0" err="1"/>
               <a:t>thiệu</a:t>
             </a:r>
             <a:r>
-              <a:rPr lang="en-US" dirty="0" smtClean="0"/>
+              <a:rPr lang="en-US" dirty="0"/>
               <a:t>…</a:t>
             </a:r>
           </a:p>
           <a:p>
-            <a:endParaRPr lang="en-US" dirty="0" smtClean="0"/>
+            <a:endParaRPr lang="en-US" dirty="0"/>
           </a:p>
           <a:p>
             <a:endParaRPr lang="en-US" dirty="0"/>
@@ -4534,13 +4513,6 @@
   <p:clrMapOvr>
     <a:masterClrMapping/>
   </p:clrMapOvr>
-  <p:timing>
-    <p:tnLst>
-      <p:par>
-        <p:cTn id="1" dur="indefinite" restart="never" nodeType="tmRoot"/>
-      </p:par>
-    </p:tnLst>
-  </p:timing>
 </p:sld>
 </file>
 
@@ -4585,31 +4557,31 @@
           <a:p>
             <a:pPr algn="l"/>
             <a:r>
-              <a:rPr lang="en-US" dirty="0" err="1" smtClean="0"/>
+              <a:rPr lang="en-US" dirty="0" err="1"/>
               <a:t>Nguyên</a:t>
             </a:r>
             <a:r>
-              <a:rPr lang="en-US" dirty="0" smtClean="0"/>
+              <a:rPr lang="en-US" dirty="0"/>
               <a:t> </a:t>
             </a:r>
             <a:r>
-              <a:rPr lang="en-US" dirty="0" err="1" smtClean="0"/>
+              <a:rPr lang="en-US" dirty="0" err="1"/>
               <a:t>lý</a:t>
             </a:r>
             <a:r>
-              <a:rPr lang="en-US" dirty="0" smtClean="0"/>
+              <a:rPr lang="en-US" dirty="0"/>
               <a:t>, </a:t>
             </a:r>
             <a:r>
-              <a:rPr lang="en-US" dirty="0" err="1" smtClean="0"/>
+              <a:rPr lang="en-US" dirty="0" err="1"/>
               <a:t>cơ</a:t>
             </a:r>
             <a:r>
-              <a:rPr lang="en-US" dirty="0" smtClean="0"/>
+              <a:rPr lang="en-US" dirty="0"/>
               <a:t> </a:t>
             </a:r>
             <a:r>
-              <a:rPr lang="en-US" dirty="0" err="1" smtClean="0"/>
+              <a:rPr lang="en-US" dirty="0" err="1"/>
               <a:t>chế</a:t>
             </a:r>
             <a:endParaRPr lang="en-US" dirty="0"/>
@@ -4671,13 +4643,6 @@
   <p:clrMapOvr>
     <a:masterClrMapping/>
   </p:clrMapOvr>
-  <p:timing>
-    <p:tnLst>
-      <p:par>
-        <p:cTn id="1" dur="indefinite" restart="never" nodeType="tmRoot"/>
-      </p:par>
-    </p:tnLst>
-  </p:timing>
 </p:sld>
 </file>
 
@@ -4942,6 +4907,941 @@
   <p:clrMapOvr>
     <a:masterClrMapping/>
   </p:clrMapOvr>
+</p:sld>
+</file>
+
+<file path=ppt/slides/slide7.xml><?xml version="1.0" encoding="utf-8"?>
+<p:sld xmlns:a="http://schemas.openxmlformats.org/drawingml/2006/main" xmlns:r="http://schemas.openxmlformats.org/officeDocument/2006/relationships" xmlns:p="http://schemas.openxmlformats.org/presentationml/2006/main">
+  <p:cSld>
+    <p:bg>
+      <p:bgPr>
+        <a:solidFill>
+          <a:schemeClr val="bg1"/>
+        </a:solidFill>
+        <a:effectLst/>
+      </p:bgPr>
+    </p:bg>
+    <p:spTree>
+      <p:nvGrpSpPr>
+        <p:cNvPr id="1" name=""/>
+        <p:cNvGrpSpPr/>
+        <p:nvPr/>
+      </p:nvGrpSpPr>
+      <p:grpSpPr>
+        <a:xfrm>
+          <a:off x="0" y="0"/>
+          <a:ext cx="0" cy="0"/>
+          <a:chOff x="0" y="0"/>
+          <a:chExt cx="0" cy="0"/>
+        </a:xfrm>
+      </p:grpSpPr>
+      <p:pic>
+        <p:nvPicPr>
+          <p:cNvPr id="10" name="Picture 9">
+            <a:extLst>
+              <a:ext uri="{FF2B5EF4-FFF2-40B4-BE49-F238E27FC236}">
+                <a16:creationId xmlns:a16="http://schemas.microsoft.com/office/drawing/2014/main" id="{7F39020D-C7D2-485D-B018-746A60C66729}"/>
+              </a:ext>
+            </a:extLst>
+          </p:cNvPr>
+          <p:cNvPicPr>
+            <a:picLocks noChangeAspect="1"/>
+          </p:cNvPicPr>
+          <p:nvPr/>
+        </p:nvPicPr>
+        <p:blipFill>
+          <a:blip r:embed="rId2">
+            <a:extLst>
+              <a:ext uri="{28A0092B-C50C-407E-A947-70E740481C1C}">
+                <a14:useLocalDpi xmlns:a14="http://schemas.microsoft.com/office/drawing/2010/main" val="0"/>
+              </a:ext>
+            </a:extLst>
+          </a:blip>
+          <a:stretch>
+            <a:fillRect/>
+          </a:stretch>
+        </p:blipFill>
+        <p:spPr>
+          <a:xfrm>
+            <a:off x="1400175" y="561975"/>
+            <a:ext cx="6343650" cy="4019550"/>
+          </a:xfrm>
+          <a:prstGeom prst="rect">
+            <a:avLst/>
+          </a:prstGeom>
+        </p:spPr>
+      </p:pic>
+      <p:pic>
+        <p:nvPicPr>
+          <p:cNvPr id="12" name="Picture 11">
+            <a:extLst>
+              <a:ext uri="{FF2B5EF4-FFF2-40B4-BE49-F238E27FC236}">
+                <a16:creationId xmlns:a16="http://schemas.microsoft.com/office/drawing/2014/main" id="{39449F7E-0E2F-4BCC-96C6-B20232BD304E}"/>
+              </a:ext>
+            </a:extLst>
+          </p:cNvPr>
+          <p:cNvPicPr>
+            <a:picLocks noChangeAspect="1"/>
+          </p:cNvPicPr>
+          <p:nvPr/>
+        </p:nvPicPr>
+        <p:blipFill>
+          <a:blip r:embed="rId3">
+            <a:extLst>
+              <a:ext uri="{28A0092B-C50C-407E-A947-70E740481C1C}">
+                <a14:useLocalDpi xmlns:a14="http://schemas.microsoft.com/office/drawing/2010/main" val="0"/>
+              </a:ext>
+            </a:extLst>
+          </a:blip>
+          <a:stretch>
+            <a:fillRect/>
+          </a:stretch>
+        </p:blipFill>
+        <p:spPr>
+          <a:xfrm>
+            <a:off x="1400175" y="561975"/>
+            <a:ext cx="6343650" cy="4019550"/>
+          </a:xfrm>
+          <a:prstGeom prst="rect">
+            <a:avLst/>
+          </a:prstGeom>
+        </p:spPr>
+      </p:pic>
+    </p:spTree>
+    <p:extLst>
+      <p:ext uri="{BB962C8B-B14F-4D97-AF65-F5344CB8AC3E}">
+        <p14:creationId xmlns:p14="http://schemas.microsoft.com/office/powerpoint/2010/main" val="2444902669"/>
+      </p:ext>
+    </p:extLst>
+  </p:cSld>
+  <p:clrMapOvr>
+    <a:masterClrMapping/>
+  </p:clrMapOvr>
+  <mc:AlternateContent xmlns:mc="http://schemas.openxmlformats.org/markup-compatibility/2006" xmlns:p159="http://schemas.microsoft.com/office/powerpoint/2015/09/main">
+    <mc:Choice Requires="p159">
+      <p:transition xmlns:p14="http://schemas.microsoft.com/office/powerpoint/2010/main" spd="slow" p14:dur="2000">
+        <p159:morph option="byObject"/>
+      </p:transition>
+    </mc:Choice>
+    <mc:Fallback xmlns="">
+      <p:transition spd="slow">
+        <p:fade/>
+      </p:transition>
+    </mc:Fallback>
+  </mc:AlternateContent>
+  <p:timing>
+    <p:tnLst>
+      <p:par>
+        <p:cTn id="1" dur="indefinite" restart="never" nodeType="tmRoot">
+          <p:childTnLst>
+            <p:seq concurrent="1" nextAc="seek">
+              <p:cTn id="2" dur="indefinite" nodeType="mainSeq">
+                <p:childTnLst>
+                  <p:par>
+                    <p:cTn id="3" fill="hold">
+                      <p:stCondLst>
+                        <p:cond delay="indefinite"/>
+                      </p:stCondLst>
+                      <p:childTnLst>
+                        <p:par>
+                          <p:cTn id="4" fill="hold">
+                            <p:stCondLst>
+                              <p:cond delay="0"/>
+                            </p:stCondLst>
+                            <p:childTnLst>
+                              <p:par>
+                                <p:cTn id="5" presetID="10" presetClass="entr" presetSubtype="0" fill="hold" nodeType="clickEffect">
+                                  <p:stCondLst>
+                                    <p:cond delay="0"/>
+                                  </p:stCondLst>
+                                  <p:childTnLst>
+                                    <p:set>
+                                      <p:cBhvr>
+                                        <p:cTn id="6" dur="1" fill="hold">
+                                          <p:stCondLst>
+                                            <p:cond delay="0"/>
+                                          </p:stCondLst>
+                                        </p:cTn>
+                                        <p:tgtEl>
+                                          <p:spTgt spid="10"/>
+                                        </p:tgtEl>
+                                        <p:attrNameLst>
+                                          <p:attrName>style.visibility</p:attrName>
+                                        </p:attrNameLst>
+                                      </p:cBhvr>
+                                      <p:to>
+                                        <p:strVal val="visible"/>
+                                      </p:to>
+                                    </p:set>
+                                    <p:animEffect transition="in" filter="fade">
+                                      <p:cBhvr>
+                                        <p:cTn id="7" dur="500"/>
+                                        <p:tgtEl>
+                                          <p:spTgt spid="10"/>
+                                        </p:tgtEl>
+                                      </p:cBhvr>
+                                    </p:animEffect>
+                                  </p:childTnLst>
+                                </p:cTn>
+                              </p:par>
+                            </p:childTnLst>
+                          </p:cTn>
+                        </p:par>
+                      </p:childTnLst>
+                    </p:cTn>
+                  </p:par>
+                  <p:par>
+                    <p:cTn id="8" fill="hold">
+                      <p:stCondLst>
+                        <p:cond delay="indefinite"/>
+                      </p:stCondLst>
+                      <p:childTnLst>
+                        <p:par>
+                          <p:cTn id="9" fill="hold">
+                            <p:stCondLst>
+                              <p:cond delay="0"/>
+                            </p:stCondLst>
+                            <p:childTnLst>
+                              <p:par>
+                                <p:cTn id="10" presetID="10" presetClass="entr" presetSubtype="0" fill="hold" nodeType="clickEffect">
+                                  <p:stCondLst>
+                                    <p:cond delay="0"/>
+                                  </p:stCondLst>
+                                  <p:childTnLst>
+                                    <p:set>
+                                      <p:cBhvr>
+                                        <p:cTn id="11" dur="1" fill="hold">
+                                          <p:stCondLst>
+                                            <p:cond delay="0"/>
+                                          </p:stCondLst>
+                                        </p:cTn>
+                                        <p:tgtEl>
+                                          <p:spTgt spid="12"/>
+                                        </p:tgtEl>
+                                        <p:attrNameLst>
+                                          <p:attrName>style.visibility</p:attrName>
+                                        </p:attrNameLst>
+                                      </p:cBhvr>
+                                      <p:to>
+                                        <p:strVal val="visible"/>
+                                      </p:to>
+                                    </p:set>
+                                    <p:animEffect transition="in" filter="fade">
+                                      <p:cBhvr>
+                                        <p:cTn id="12" dur="500"/>
+                                        <p:tgtEl>
+                                          <p:spTgt spid="12"/>
+                                        </p:tgtEl>
+                                      </p:cBhvr>
+                                    </p:animEffect>
+                                  </p:childTnLst>
+                                </p:cTn>
+                              </p:par>
+                            </p:childTnLst>
+                          </p:cTn>
+                        </p:par>
+                      </p:childTnLst>
+                    </p:cTn>
+                  </p:par>
+                </p:childTnLst>
+              </p:cTn>
+              <p:prevCondLst>
+                <p:cond evt="onPrev" delay="0">
+                  <p:tgtEl>
+                    <p:sldTgt/>
+                  </p:tgtEl>
+                </p:cond>
+              </p:prevCondLst>
+              <p:nextCondLst>
+                <p:cond evt="onNext" delay="0">
+                  <p:tgtEl>
+                    <p:sldTgt/>
+                  </p:tgtEl>
+                </p:cond>
+              </p:nextCondLst>
+            </p:seq>
+          </p:childTnLst>
+        </p:cTn>
+      </p:par>
+    </p:tnLst>
+  </p:timing>
+</p:sld>
+</file>
+
+<file path=ppt/slides/slide8.xml><?xml version="1.0" encoding="utf-8"?>
+<p:sld xmlns:a="http://schemas.openxmlformats.org/drawingml/2006/main" xmlns:r="http://schemas.openxmlformats.org/officeDocument/2006/relationships" xmlns:p="http://schemas.openxmlformats.org/presentationml/2006/main">
+  <p:cSld>
+    <p:bg>
+      <p:bgPr>
+        <a:solidFill>
+          <a:schemeClr val="bg1"/>
+        </a:solidFill>
+        <a:effectLst/>
+      </p:bgPr>
+    </p:bg>
+    <p:spTree>
+      <p:nvGrpSpPr>
+        <p:cNvPr id="1" name=""/>
+        <p:cNvGrpSpPr/>
+        <p:nvPr/>
+      </p:nvGrpSpPr>
+      <p:grpSpPr>
+        <a:xfrm>
+          <a:off x="0" y="0"/>
+          <a:ext cx="0" cy="0"/>
+          <a:chOff x="0" y="0"/>
+          <a:chExt cx="0" cy="0"/>
+        </a:xfrm>
+      </p:grpSpPr>
+      <p:pic>
+        <p:nvPicPr>
+          <p:cNvPr id="6" name="Picture 5">
+            <a:extLst>
+              <a:ext uri="{FF2B5EF4-FFF2-40B4-BE49-F238E27FC236}">
+                <a16:creationId xmlns:a16="http://schemas.microsoft.com/office/drawing/2014/main" id="{AF1E8148-0324-4F3C-A702-BDA474DA65D9}"/>
+              </a:ext>
+            </a:extLst>
+          </p:cNvPr>
+          <p:cNvPicPr>
+            <a:picLocks noChangeAspect="1"/>
+          </p:cNvPicPr>
+          <p:nvPr/>
+        </p:nvPicPr>
+        <p:blipFill>
+          <a:blip r:embed="rId2">
+            <a:extLst>
+              <a:ext uri="{28A0092B-C50C-407E-A947-70E740481C1C}">
+                <a14:useLocalDpi xmlns:a14="http://schemas.microsoft.com/office/drawing/2010/main" val="0"/>
+              </a:ext>
+            </a:extLst>
+          </a:blip>
+          <a:stretch>
+            <a:fillRect/>
+          </a:stretch>
+        </p:blipFill>
+        <p:spPr>
+          <a:xfrm>
+            <a:off x="1951726" y="0"/>
+            <a:ext cx="5240547" cy="5143500"/>
+          </a:xfrm>
+          <a:prstGeom prst="rect">
+            <a:avLst/>
+          </a:prstGeom>
+        </p:spPr>
+      </p:pic>
+      <p:pic>
+        <p:nvPicPr>
+          <p:cNvPr id="8" name="Picture 7">
+            <a:extLst>
+              <a:ext uri="{FF2B5EF4-FFF2-40B4-BE49-F238E27FC236}">
+                <a16:creationId xmlns:a16="http://schemas.microsoft.com/office/drawing/2014/main" id="{1408544E-99B3-47FD-8886-D39897453999}"/>
+              </a:ext>
+            </a:extLst>
+          </p:cNvPr>
+          <p:cNvPicPr>
+            <a:picLocks noChangeAspect="1"/>
+          </p:cNvPicPr>
+          <p:nvPr/>
+        </p:nvPicPr>
+        <p:blipFill>
+          <a:blip r:embed="rId3">
+            <a:extLst>
+              <a:ext uri="{28A0092B-C50C-407E-A947-70E740481C1C}">
+                <a14:useLocalDpi xmlns:a14="http://schemas.microsoft.com/office/drawing/2010/main" val="0"/>
+              </a:ext>
+            </a:extLst>
+          </a:blip>
+          <a:stretch>
+            <a:fillRect/>
+          </a:stretch>
+        </p:blipFill>
+        <p:spPr>
+          <a:xfrm>
+            <a:off x="2078397" y="0"/>
+            <a:ext cx="4987206" cy="5143500"/>
+          </a:xfrm>
+          <a:prstGeom prst="rect">
+            <a:avLst/>
+          </a:prstGeom>
+        </p:spPr>
+      </p:pic>
+      <p:pic>
+        <p:nvPicPr>
+          <p:cNvPr id="10" name="Picture 9">
+            <a:extLst>
+              <a:ext uri="{FF2B5EF4-FFF2-40B4-BE49-F238E27FC236}">
+                <a16:creationId xmlns:a16="http://schemas.microsoft.com/office/drawing/2014/main" id="{035D9FB2-90DB-4D82-9226-9BCDE0E3709C}"/>
+              </a:ext>
+            </a:extLst>
+          </p:cNvPr>
+          <p:cNvPicPr>
+            <a:picLocks noChangeAspect="1"/>
+          </p:cNvPicPr>
+          <p:nvPr/>
+        </p:nvPicPr>
+        <p:blipFill>
+          <a:blip r:embed="rId4">
+            <a:extLst>
+              <a:ext uri="{28A0092B-C50C-407E-A947-70E740481C1C}">
+                <a14:useLocalDpi xmlns:a14="http://schemas.microsoft.com/office/drawing/2010/main" val="0"/>
+              </a:ext>
+            </a:extLst>
+          </a:blip>
+          <a:stretch>
+            <a:fillRect/>
+          </a:stretch>
+        </p:blipFill>
+        <p:spPr>
+          <a:xfrm>
+            <a:off x="1951726" y="0"/>
+            <a:ext cx="5240547" cy="5143500"/>
+          </a:xfrm>
+          <a:prstGeom prst="rect">
+            <a:avLst/>
+          </a:prstGeom>
+        </p:spPr>
+      </p:pic>
+      <p:pic>
+        <p:nvPicPr>
+          <p:cNvPr id="12" name="Picture 11">
+            <a:extLst>
+              <a:ext uri="{FF2B5EF4-FFF2-40B4-BE49-F238E27FC236}">
+                <a16:creationId xmlns:a16="http://schemas.microsoft.com/office/drawing/2014/main" id="{2A1D945B-4927-4AB0-80B4-8490EC728FB3}"/>
+              </a:ext>
+            </a:extLst>
+          </p:cNvPr>
+          <p:cNvPicPr>
+            <a:picLocks noChangeAspect="1"/>
+          </p:cNvPicPr>
+          <p:nvPr/>
+        </p:nvPicPr>
+        <p:blipFill>
+          <a:blip r:embed="rId5">
+            <a:extLst>
+              <a:ext uri="{28A0092B-C50C-407E-A947-70E740481C1C}">
+                <a14:useLocalDpi xmlns:a14="http://schemas.microsoft.com/office/drawing/2010/main" val="0"/>
+              </a:ext>
+            </a:extLst>
+          </a:blip>
+          <a:stretch>
+            <a:fillRect/>
+          </a:stretch>
+        </p:blipFill>
+        <p:spPr>
+          <a:xfrm>
+            <a:off x="1951726" y="0"/>
+            <a:ext cx="5240547" cy="5143500"/>
+          </a:xfrm>
+          <a:prstGeom prst="rect">
+            <a:avLst/>
+          </a:prstGeom>
+        </p:spPr>
+      </p:pic>
+    </p:spTree>
+    <p:extLst>
+      <p:ext uri="{BB962C8B-B14F-4D97-AF65-F5344CB8AC3E}">
+        <p14:creationId xmlns:p14="http://schemas.microsoft.com/office/powerpoint/2010/main" val="2017727271"/>
+      </p:ext>
+    </p:extLst>
+  </p:cSld>
+  <p:clrMapOvr>
+    <a:masterClrMapping/>
+  </p:clrMapOvr>
+  <mc:AlternateContent xmlns:mc="http://schemas.openxmlformats.org/markup-compatibility/2006" xmlns:p159="http://schemas.microsoft.com/office/powerpoint/2015/09/main">
+    <mc:Choice Requires="p159">
+      <p:transition xmlns:p14="http://schemas.microsoft.com/office/powerpoint/2010/main" spd="slow" p14:dur="2000">
+        <p159:morph option="byObject"/>
+      </p:transition>
+    </mc:Choice>
+    <mc:Fallback xmlns="">
+      <p:transition spd="slow">
+        <p:fade/>
+      </p:transition>
+    </mc:Fallback>
+  </mc:AlternateContent>
+  <p:timing>
+    <p:tnLst>
+      <p:par>
+        <p:cTn id="1" dur="indefinite" restart="never" nodeType="tmRoot">
+          <p:childTnLst>
+            <p:seq concurrent="1" nextAc="seek">
+              <p:cTn id="2" dur="indefinite" nodeType="mainSeq">
+                <p:childTnLst>
+                  <p:par>
+                    <p:cTn id="3" fill="hold">
+                      <p:stCondLst>
+                        <p:cond delay="indefinite"/>
+                      </p:stCondLst>
+                      <p:childTnLst>
+                        <p:par>
+                          <p:cTn id="4" fill="hold">
+                            <p:stCondLst>
+                              <p:cond delay="0"/>
+                            </p:stCondLst>
+                            <p:childTnLst>
+                              <p:par>
+                                <p:cTn id="5" presetID="10" presetClass="entr" presetSubtype="0" fill="hold" nodeType="clickEffect">
+                                  <p:stCondLst>
+                                    <p:cond delay="0"/>
+                                  </p:stCondLst>
+                                  <p:childTnLst>
+                                    <p:set>
+                                      <p:cBhvr>
+                                        <p:cTn id="6" dur="1" fill="hold">
+                                          <p:stCondLst>
+                                            <p:cond delay="0"/>
+                                          </p:stCondLst>
+                                        </p:cTn>
+                                        <p:tgtEl>
+                                          <p:spTgt spid="8"/>
+                                        </p:tgtEl>
+                                        <p:attrNameLst>
+                                          <p:attrName>style.visibility</p:attrName>
+                                        </p:attrNameLst>
+                                      </p:cBhvr>
+                                      <p:to>
+                                        <p:strVal val="visible"/>
+                                      </p:to>
+                                    </p:set>
+                                    <p:animEffect transition="in" filter="fade">
+                                      <p:cBhvr>
+                                        <p:cTn id="7" dur="500"/>
+                                        <p:tgtEl>
+                                          <p:spTgt spid="8"/>
+                                        </p:tgtEl>
+                                      </p:cBhvr>
+                                    </p:animEffect>
+                                  </p:childTnLst>
+                                </p:cTn>
+                              </p:par>
+                            </p:childTnLst>
+                          </p:cTn>
+                        </p:par>
+                      </p:childTnLst>
+                    </p:cTn>
+                  </p:par>
+                  <p:par>
+                    <p:cTn id="8" fill="hold">
+                      <p:stCondLst>
+                        <p:cond delay="indefinite"/>
+                      </p:stCondLst>
+                      <p:childTnLst>
+                        <p:par>
+                          <p:cTn id="9" fill="hold">
+                            <p:stCondLst>
+                              <p:cond delay="0"/>
+                            </p:stCondLst>
+                            <p:childTnLst>
+                              <p:par>
+                                <p:cTn id="10" presetID="10" presetClass="entr" presetSubtype="0" fill="hold" nodeType="clickEffect">
+                                  <p:stCondLst>
+                                    <p:cond delay="0"/>
+                                  </p:stCondLst>
+                                  <p:childTnLst>
+                                    <p:set>
+                                      <p:cBhvr>
+                                        <p:cTn id="11" dur="1" fill="hold">
+                                          <p:stCondLst>
+                                            <p:cond delay="0"/>
+                                          </p:stCondLst>
+                                        </p:cTn>
+                                        <p:tgtEl>
+                                          <p:spTgt spid="10"/>
+                                        </p:tgtEl>
+                                        <p:attrNameLst>
+                                          <p:attrName>style.visibility</p:attrName>
+                                        </p:attrNameLst>
+                                      </p:cBhvr>
+                                      <p:to>
+                                        <p:strVal val="visible"/>
+                                      </p:to>
+                                    </p:set>
+                                    <p:animEffect transition="in" filter="fade">
+                                      <p:cBhvr>
+                                        <p:cTn id="12" dur="500"/>
+                                        <p:tgtEl>
+                                          <p:spTgt spid="10"/>
+                                        </p:tgtEl>
+                                      </p:cBhvr>
+                                    </p:animEffect>
+                                  </p:childTnLst>
+                                </p:cTn>
+                              </p:par>
+                            </p:childTnLst>
+                          </p:cTn>
+                        </p:par>
+                      </p:childTnLst>
+                    </p:cTn>
+                  </p:par>
+                  <p:par>
+                    <p:cTn id="13" fill="hold">
+                      <p:stCondLst>
+                        <p:cond delay="indefinite"/>
+                      </p:stCondLst>
+                      <p:childTnLst>
+                        <p:par>
+                          <p:cTn id="14" fill="hold">
+                            <p:stCondLst>
+                              <p:cond delay="0"/>
+                            </p:stCondLst>
+                            <p:childTnLst>
+                              <p:par>
+                                <p:cTn id="15" presetID="10" presetClass="entr" presetSubtype="0" fill="hold" nodeType="clickEffect">
+                                  <p:stCondLst>
+                                    <p:cond delay="0"/>
+                                  </p:stCondLst>
+                                  <p:childTnLst>
+                                    <p:set>
+                                      <p:cBhvr>
+                                        <p:cTn id="16" dur="1" fill="hold">
+                                          <p:stCondLst>
+                                            <p:cond delay="0"/>
+                                          </p:stCondLst>
+                                        </p:cTn>
+                                        <p:tgtEl>
+                                          <p:spTgt spid="12"/>
+                                        </p:tgtEl>
+                                        <p:attrNameLst>
+                                          <p:attrName>style.visibility</p:attrName>
+                                        </p:attrNameLst>
+                                      </p:cBhvr>
+                                      <p:to>
+                                        <p:strVal val="visible"/>
+                                      </p:to>
+                                    </p:set>
+                                    <p:animEffect transition="in" filter="fade">
+                                      <p:cBhvr>
+                                        <p:cTn id="17" dur="500"/>
+                                        <p:tgtEl>
+                                          <p:spTgt spid="12"/>
+                                        </p:tgtEl>
+                                      </p:cBhvr>
+                                    </p:animEffect>
+                                  </p:childTnLst>
+                                </p:cTn>
+                              </p:par>
+                            </p:childTnLst>
+                          </p:cTn>
+                        </p:par>
+                      </p:childTnLst>
+                    </p:cTn>
+                  </p:par>
+                </p:childTnLst>
+              </p:cTn>
+              <p:prevCondLst>
+                <p:cond evt="onPrev" delay="0">
+                  <p:tgtEl>
+                    <p:sldTgt/>
+                  </p:tgtEl>
+                </p:cond>
+              </p:prevCondLst>
+              <p:nextCondLst>
+                <p:cond evt="onNext" delay="0">
+                  <p:tgtEl>
+                    <p:sldTgt/>
+                  </p:tgtEl>
+                </p:cond>
+              </p:nextCondLst>
+            </p:seq>
+          </p:childTnLst>
+        </p:cTn>
+      </p:par>
+    </p:tnLst>
+  </p:timing>
+</p:sld>
+</file>
+
+<file path=ppt/slides/slide9.xml><?xml version="1.0" encoding="utf-8"?>
+<p:sld xmlns:a="http://schemas.openxmlformats.org/drawingml/2006/main" xmlns:r="http://schemas.openxmlformats.org/officeDocument/2006/relationships" xmlns:p="http://schemas.openxmlformats.org/presentationml/2006/main">
+  <p:cSld>
+    <p:bg>
+      <p:bgPr>
+        <a:solidFill>
+          <a:schemeClr val="bg1"/>
+        </a:solidFill>
+        <a:effectLst/>
+      </p:bgPr>
+    </p:bg>
+    <p:spTree>
+      <p:nvGrpSpPr>
+        <p:cNvPr id="1" name=""/>
+        <p:cNvGrpSpPr/>
+        <p:nvPr/>
+      </p:nvGrpSpPr>
+      <p:grpSpPr>
+        <a:xfrm>
+          <a:off x="0" y="0"/>
+          <a:ext cx="0" cy="0"/>
+          <a:chOff x="0" y="0"/>
+          <a:chExt cx="0" cy="0"/>
+        </a:xfrm>
+      </p:grpSpPr>
+      <p:pic>
+        <p:nvPicPr>
+          <p:cNvPr id="5" name="Picture 4">
+            <a:extLst>
+              <a:ext uri="{FF2B5EF4-FFF2-40B4-BE49-F238E27FC236}">
+                <a16:creationId xmlns:a16="http://schemas.microsoft.com/office/drawing/2014/main" id="{A765E5BE-583B-4858-B69C-B8517BA51A3B}"/>
+              </a:ext>
+            </a:extLst>
+          </p:cNvPr>
+          <p:cNvPicPr>
+            <a:picLocks noChangeAspect="1"/>
+          </p:cNvPicPr>
+          <p:nvPr/>
+        </p:nvPicPr>
+        <p:blipFill>
+          <a:blip r:embed="rId2">
+            <a:extLst>
+              <a:ext uri="{28A0092B-C50C-407E-A947-70E740481C1C}">
+                <a14:useLocalDpi xmlns:a14="http://schemas.microsoft.com/office/drawing/2010/main" val="0"/>
+              </a:ext>
+            </a:extLst>
+          </a:blip>
+          <a:stretch>
+            <a:fillRect/>
+          </a:stretch>
+        </p:blipFill>
+        <p:spPr>
+          <a:xfrm>
+            <a:off x="1400175" y="561975"/>
+            <a:ext cx="6343650" cy="4019550"/>
+          </a:xfrm>
+          <a:prstGeom prst="rect">
+            <a:avLst/>
+          </a:prstGeom>
+        </p:spPr>
+      </p:pic>
+      <p:pic>
+        <p:nvPicPr>
+          <p:cNvPr id="7" name="Picture 6">
+            <a:extLst>
+              <a:ext uri="{FF2B5EF4-FFF2-40B4-BE49-F238E27FC236}">
+                <a16:creationId xmlns:a16="http://schemas.microsoft.com/office/drawing/2014/main" id="{37C2DB10-1AA5-4FB6-BEF0-A435242A227F}"/>
+              </a:ext>
+            </a:extLst>
+          </p:cNvPr>
+          <p:cNvPicPr>
+            <a:picLocks noChangeAspect="1"/>
+          </p:cNvPicPr>
+          <p:nvPr/>
+        </p:nvPicPr>
+        <p:blipFill>
+          <a:blip r:embed="rId3">
+            <a:extLst>
+              <a:ext uri="{28A0092B-C50C-407E-A947-70E740481C1C}">
+                <a14:useLocalDpi xmlns:a14="http://schemas.microsoft.com/office/drawing/2010/main" val="0"/>
+              </a:ext>
+            </a:extLst>
+          </a:blip>
+          <a:stretch>
+            <a:fillRect/>
+          </a:stretch>
+        </p:blipFill>
+        <p:spPr>
+          <a:xfrm>
+            <a:off x="1400175" y="561975"/>
+            <a:ext cx="6343650" cy="4019550"/>
+          </a:xfrm>
+          <a:prstGeom prst="rect">
+            <a:avLst/>
+          </a:prstGeom>
+        </p:spPr>
+      </p:pic>
+      <p:pic>
+        <p:nvPicPr>
+          <p:cNvPr id="9" name="Picture 8">
+            <a:extLst>
+              <a:ext uri="{FF2B5EF4-FFF2-40B4-BE49-F238E27FC236}">
+                <a16:creationId xmlns:a16="http://schemas.microsoft.com/office/drawing/2014/main" id="{D54281B1-A50E-4CD3-932D-8052D2382E98}"/>
+              </a:ext>
+            </a:extLst>
+          </p:cNvPr>
+          <p:cNvPicPr>
+            <a:picLocks noChangeAspect="1"/>
+          </p:cNvPicPr>
+          <p:nvPr/>
+        </p:nvPicPr>
+        <p:blipFill>
+          <a:blip r:embed="rId4">
+            <a:extLst>
+              <a:ext uri="{28A0092B-C50C-407E-A947-70E740481C1C}">
+                <a14:useLocalDpi xmlns:a14="http://schemas.microsoft.com/office/drawing/2010/main" val="0"/>
+              </a:ext>
+            </a:extLst>
+          </a:blip>
+          <a:stretch>
+            <a:fillRect/>
+          </a:stretch>
+        </p:blipFill>
+        <p:spPr>
+          <a:xfrm>
+            <a:off x="1400175" y="561975"/>
+            <a:ext cx="6343650" cy="4019550"/>
+          </a:xfrm>
+          <a:prstGeom prst="rect">
+            <a:avLst/>
+          </a:prstGeom>
+        </p:spPr>
+      </p:pic>
+    </p:spTree>
+    <p:extLst>
+      <p:ext uri="{BB962C8B-B14F-4D97-AF65-F5344CB8AC3E}">
+        <p14:creationId xmlns:p14="http://schemas.microsoft.com/office/powerpoint/2010/main" val="1790160083"/>
+      </p:ext>
+    </p:extLst>
+  </p:cSld>
+  <p:clrMapOvr>
+    <a:masterClrMapping/>
+  </p:clrMapOvr>
+  <mc:AlternateContent xmlns:mc="http://schemas.openxmlformats.org/markup-compatibility/2006" xmlns:p159="http://schemas.microsoft.com/office/powerpoint/2015/09/main">
+    <mc:Choice Requires="p159">
+      <p:transition xmlns:p14="http://schemas.microsoft.com/office/powerpoint/2010/main" spd="slow" p14:dur="2000">
+        <p159:morph option="byObject"/>
+      </p:transition>
+    </mc:Choice>
+    <mc:Fallback xmlns="">
+      <p:transition spd="slow">
+        <p:fade/>
+      </p:transition>
+    </mc:Fallback>
+  </mc:AlternateContent>
+  <p:timing>
+    <p:tnLst>
+      <p:par>
+        <p:cTn id="1" dur="indefinite" restart="never" nodeType="tmRoot">
+          <p:childTnLst>
+            <p:seq concurrent="1" nextAc="seek">
+              <p:cTn id="2" dur="indefinite" nodeType="mainSeq">
+                <p:childTnLst>
+                  <p:par>
+                    <p:cTn id="3" fill="hold">
+                      <p:stCondLst>
+                        <p:cond delay="indefinite"/>
+                      </p:stCondLst>
+                      <p:childTnLst>
+                        <p:par>
+                          <p:cTn id="4" fill="hold">
+                            <p:stCondLst>
+                              <p:cond delay="0"/>
+                            </p:stCondLst>
+                            <p:childTnLst>
+                              <p:par>
+                                <p:cTn id="5" presetID="10" presetClass="entr" presetSubtype="0" fill="hold" nodeType="clickEffect">
+                                  <p:stCondLst>
+                                    <p:cond delay="0"/>
+                                  </p:stCondLst>
+                                  <p:childTnLst>
+                                    <p:set>
+                                      <p:cBhvr>
+                                        <p:cTn id="6" dur="1" fill="hold">
+                                          <p:stCondLst>
+                                            <p:cond delay="0"/>
+                                          </p:stCondLst>
+                                        </p:cTn>
+                                        <p:tgtEl>
+                                          <p:spTgt spid="7"/>
+                                        </p:tgtEl>
+                                        <p:attrNameLst>
+                                          <p:attrName>style.visibility</p:attrName>
+                                        </p:attrNameLst>
+                                      </p:cBhvr>
+                                      <p:to>
+                                        <p:strVal val="visible"/>
+                                      </p:to>
+                                    </p:set>
+                                    <p:animEffect transition="in" filter="fade">
+                                      <p:cBhvr>
+                                        <p:cTn id="7" dur="500"/>
+                                        <p:tgtEl>
+                                          <p:spTgt spid="7"/>
+                                        </p:tgtEl>
+                                      </p:cBhvr>
+                                    </p:animEffect>
+                                  </p:childTnLst>
+                                </p:cTn>
+                              </p:par>
+                            </p:childTnLst>
+                          </p:cTn>
+                        </p:par>
+                      </p:childTnLst>
+                    </p:cTn>
+                  </p:par>
+                  <p:par>
+                    <p:cTn id="8" fill="hold">
+                      <p:stCondLst>
+                        <p:cond delay="indefinite"/>
+                      </p:stCondLst>
+                      <p:childTnLst>
+                        <p:par>
+                          <p:cTn id="9" fill="hold">
+                            <p:stCondLst>
+                              <p:cond delay="0"/>
+                            </p:stCondLst>
+                            <p:childTnLst>
+                              <p:par>
+                                <p:cTn id="10" presetID="10" presetClass="entr" presetSubtype="0" fill="hold" nodeType="clickEffect">
+                                  <p:stCondLst>
+                                    <p:cond delay="0"/>
+                                  </p:stCondLst>
+                                  <p:childTnLst>
+                                    <p:set>
+                                      <p:cBhvr>
+                                        <p:cTn id="11" dur="1" fill="hold">
+                                          <p:stCondLst>
+                                            <p:cond delay="0"/>
+                                          </p:stCondLst>
+                                        </p:cTn>
+                                        <p:tgtEl>
+                                          <p:spTgt spid="9"/>
+                                        </p:tgtEl>
+                                        <p:attrNameLst>
+                                          <p:attrName>style.visibility</p:attrName>
+                                        </p:attrNameLst>
+                                      </p:cBhvr>
+                                      <p:to>
+                                        <p:strVal val="visible"/>
+                                      </p:to>
+                                    </p:set>
+                                    <p:animEffect transition="in" filter="fade">
+                                      <p:cBhvr>
+                                        <p:cTn id="12" dur="500"/>
+                                        <p:tgtEl>
+                                          <p:spTgt spid="9"/>
+                                        </p:tgtEl>
+                                      </p:cBhvr>
+                                    </p:animEffect>
+                                  </p:childTnLst>
+                                </p:cTn>
+                              </p:par>
+                            </p:childTnLst>
+                          </p:cTn>
+                        </p:par>
+                      </p:childTnLst>
+                    </p:cTn>
+                  </p:par>
+                </p:childTnLst>
+              </p:cTn>
+              <p:prevCondLst>
+                <p:cond evt="onPrev" delay="0">
+                  <p:tgtEl>
+                    <p:sldTgt/>
+                  </p:tgtEl>
+                </p:cond>
+              </p:prevCondLst>
+              <p:nextCondLst>
+                <p:cond evt="onNext" delay="0">
+                  <p:tgtEl>
+                    <p:sldTgt/>
+                  </p:tgtEl>
+                </p:cond>
+              </p:nextCondLst>
+            </p:seq>
+          </p:childTnLst>
+        </p:cTn>
+      </p:par>
+    </p:tnLst>
+  </p:timing>
 </p:sld>
 </file>
 

--- a/LogStash/Slide_Logstash.pptx
+++ b/LogStash/Slide_Logstash.pptx
@@ -5,18 +5,24 @@
     <p:sldMasterId id="2147483648" r:id="rId1"/>
   </p:sldMasterIdLst>
   <p:notesMasterIdLst>
-    <p:notesMasterId r:id="rId11"/>
+    <p:notesMasterId r:id="rId17"/>
   </p:notesMasterIdLst>
   <p:sldIdLst>
     <p:sldId id="256" r:id="rId2"/>
     <p:sldId id="257" r:id="rId3"/>
     <p:sldId id="261" r:id="rId4"/>
-    <p:sldId id="259" r:id="rId5"/>
-    <p:sldId id="258" r:id="rId6"/>
-    <p:sldId id="260" r:id="rId7"/>
-    <p:sldId id="262" r:id="rId8"/>
-    <p:sldId id="263" r:id="rId9"/>
-    <p:sldId id="264" r:id="rId10"/>
+    <p:sldId id="265" r:id="rId5"/>
+    <p:sldId id="268" r:id="rId6"/>
+    <p:sldId id="269" r:id="rId7"/>
+    <p:sldId id="270" r:id="rId8"/>
+    <p:sldId id="271" r:id="rId9"/>
+    <p:sldId id="272" r:id="rId10"/>
+    <p:sldId id="273" r:id="rId11"/>
+    <p:sldId id="274" r:id="rId12"/>
+    <p:sldId id="278" r:id="rId13"/>
+    <p:sldId id="275" r:id="rId14"/>
+    <p:sldId id="279" r:id="rId15"/>
+    <p:sldId id="260" r:id="rId16"/>
   </p:sldIdLst>
   <p:sldSz cx="9144000" cy="5143500" type="screen16x9"/>
   <p:notesSz cx="6858000" cy="9144000"/>
@@ -531,7 +537,7 @@
           <a:bodyPr/>
           <a:lstStyle/>
           <a:p>
-            <a:endParaRPr lang="en-US"/>
+            <a:endParaRPr lang="en-US" dirty="0"/>
           </a:p>
         </p:txBody>
       </p:sp>
@@ -552,7 +558,7 @@
           <a:p>
             <a:fld id="{87350B06-B074-48FC-8CFD-53D2CD8FB95F}" type="slidenum">
               <a:rPr lang="en-US" smtClean="0"/>
-              <a:t>6</a:t>
+              <a:t>15</a:t>
             </a:fld>
             <a:endParaRPr lang="en-US"/>
           </a:p>
@@ -1441,7 +1447,7 @@
           <p:cNvPr id="7" name="Picture 6" descr="E:\websites\free-power-point-templates\2012\logos.png">
             <a:extLst>
               <a:ext uri="{FF2B5EF4-FFF2-40B4-BE49-F238E27FC236}">
-                <a16:creationId xmlns:a16="http://schemas.microsoft.com/office/drawing/2014/main" id="{87F581DD-0858-4A9E-9DA3-538B9FD40F4C}"/>
+                <a16:creationId xmlns="" xmlns:a16="http://schemas.microsoft.com/office/drawing/2014/main" id="{87F581DD-0858-4A9E-9DA3-538B9FD40F4C}"/>
               </a:ext>
             </a:extLst>
           </p:cNvPr>
@@ -4150,6 +4156,1255 @@
   <p:clrMapOvr>
     <a:masterClrMapping/>
   </p:clrMapOvr>
+  <p:timing>
+    <p:tnLst>
+      <p:par>
+        <p:cTn id="1" dur="indefinite" restart="never" nodeType="tmRoot"/>
+      </p:par>
+    </p:tnLst>
+  </p:timing>
+</p:sld>
+</file>
+
+<file path=ppt/slides/slide10.xml><?xml version="1.0" encoding="utf-8"?>
+<p:sld xmlns:a="http://schemas.openxmlformats.org/drawingml/2006/main" xmlns:r="http://schemas.openxmlformats.org/officeDocument/2006/relationships" xmlns:p="http://schemas.openxmlformats.org/presentationml/2006/main">
+  <p:cSld>
+    <p:spTree>
+      <p:nvGrpSpPr>
+        <p:cNvPr id="1" name=""/>
+        <p:cNvGrpSpPr/>
+        <p:nvPr/>
+      </p:nvGrpSpPr>
+      <p:grpSpPr>
+        <a:xfrm>
+          <a:off x="0" y="0"/>
+          <a:ext cx="0" cy="0"/>
+          <a:chOff x="0" y="0"/>
+          <a:chExt cx="0" cy="0"/>
+        </a:xfrm>
+      </p:grpSpPr>
+      <p:sp>
+        <p:nvSpPr>
+          <p:cNvPr id="4" name="Title 3"/>
+          <p:cNvSpPr>
+            <a:spLocks noGrp="1"/>
+          </p:cNvSpPr>
+          <p:nvPr>
+            <p:ph type="title"/>
+          </p:nvPr>
+        </p:nvSpPr>
+        <p:spPr>
+          <a:xfrm>
+            <a:off x="448964" y="281175"/>
+            <a:ext cx="6566316" cy="763525"/>
+          </a:xfrm>
+        </p:spPr>
+        <p:txBody>
+          <a:bodyPr>
+            <a:normAutofit/>
+          </a:bodyPr>
+          <a:lstStyle/>
+          <a:p>
+            <a:pPr algn="l"/>
+            <a:r>
+              <a:rPr lang="en-US" dirty="0" err="1" smtClean="0"/>
+              <a:t>Nguyên</a:t>
+            </a:r>
+            <a:r>
+              <a:rPr lang="en-US" dirty="0" smtClean="0"/>
+              <a:t> </a:t>
+            </a:r>
+            <a:r>
+              <a:rPr lang="en-US" dirty="0" err="1" smtClean="0"/>
+              <a:t>lý</a:t>
+            </a:r>
+            <a:r>
+              <a:rPr lang="en-US" dirty="0" smtClean="0"/>
+              <a:t>, </a:t>
+            </a:r>
+            <a:r>
+              <a:rPr lang="en-US" dirty="0" err="1" smtClean="0"/>
+              <a:t>cơ</a:t>
+            </a:r>
+            <a:r>
+              <a:rPr lang="en-US" dirty="0" smtClean="0"/>
+              <a:t> </a:t>
+            </a:r>
+            <a:r>
+              <a:rPr lang="en-US" dirty="0" err="1" smtClean="0"/>
+              <a:t>chế</a:t>
+            </a:r>
+            <a:endParaRPr lang="en-US" dirty="0"/>
+          </a:p>
+        </p:txBody>
+      </p:sp>
+      <p:sp>
+        <p:nvSpPr>
+          <p:cNvPr id="5" name="Content Placeholder 4"/>
+          <p:cNvSpPr>
+            <a:spLocks noGrp="1"/>
+          </p:cNvSpPr>
+          <p:nvPr>
+            <p:ph idx="1"/>
+          </p:nvPr>
+        </p:nvSpPr>
+        <p:spPr>
+          <a:xfrm>
+            <a:off x="448965" y="1044699"/>
+            <a:ext cx="6566315" cy="3970331"/>
+          </a:xfrm>
+        </p:spPr>
+        <p:txBody>
+          <a:bodyPr>
+            <a:normAutofit/>
+          </a:bodyPr>
+          <a:lstStyle/>
+          <a:p>
+            <a:pPr>
+              <a:buFontTx/>
+              <a:buChar char="-"/>
+            </a:pPr>
+            <a:r>
+              <a:rPr lang="en-US" sz="3200" b="1" dirty="0"/>
+              <a:t>Broker – </a:t>
+            </a:r>
+            <a:r>
+              <a:rPr lang="en-US" sz="3200" b="1" dirty="0" err="1"/>
+              <a:t>Logstash</a:t>
+            </a:r>
+            <a:r>
+              <a:rPr lang="en-US" dirty="0"/>
+              <a:t>: </a:t>
+            </a:r>
+            <a:r>
+              <a:rPr lang="en-US" dirty="0" err="1" smtClean="0"/>
+              <a:t>nơi</a:t>
+            </a:r>
+            <a:r>
+              <a:rPr lang="en-US" dirty="0" smtClean="0"/>
+              <a:t> </a:t>
+            </a:r>
+            <a:r>
+              <a:rPr lang="en-US" dirty="0" err="1"/>
+              <a:t>tập</a:t>
+            </a:r>
+            <a:r>
+              <a:rPr lang="en-US" dirty="0"/>
+              <a:t> </a:t>
+            </a:r>
+            <a:r>
+              <a:rPr lang="en-US" dirty="0" err="1"/>
+              <a:t>trung</a:t>
+            </a:r>
+            <a:r>
+              <a:rPr lang="en-US" dirty="0"/>
+              <a:t> log </a:t>
+            </a:r>
+            <a:r>
+              <a:rPr lang="en-US" dirty="0" err="1"/>
+              <a:t>và</a:t>
+            </a:r>
+            <a:r>
+              <a:rPr lang="en-US" dirty="0"/>
+              <a:t> </a:t>
+            </a:r>
+            <a:r>
+              <a:rPr lang="en-US" dirty="0" err="1"/>
+              <a:t>phân</a:t>
+            </a:r>
+            <a:r>
+              <a:rPr lang="en-US" dirty="0"/>
+              <a:t> </a:t>
+            </a:r>
+            <a:r>
+              <a:rPr lang="en-US" dirty="0" err="1"/>
+              <a:t>tích</a:t>
+            </a:r>
+            <a:r>
+              <a:rPr lang="en-US" dirty="0"/>
+              <a:t> </a:t>
+            </a:r>
+            <a:r>
+              <a:rPr lang="en-US" dirty="0" err="1"/>
+              <a:t>dữ</a:t>
+            </a:r>
+            <a:r>
+              <a:rPr lang="en-US" dirty="0"/>
+              <a:t> </a:t>
+            </a:r>
+            <a:r>
+              <a:rPr lang="en-US" dirty="0" err="1" smtClean="0"/>
+              <a:t>liệu</a:t>
+            </a:r>
+            <a:endParaRPr lang="en-US" dirty="0" smtClean="0"/>
+          </a:p>
+          <a:p>
+            <a:r>
+              <a:rPr lang="en-US" dirty="0" err="1" smtClean="0"/>
+              <a:t>Sử</a:t>
+            </a:r>
+            <a:r>
+              <a:rPr lang="en-US" dirty="0" smtClean="0"/>
+              <a:t> </a:t>
+            </a:r>
+            <a:r>
+              <a:rPr lang="en-US" dirty="0" err="1" smtClean="0"/>
+              <a:t>dụng</a:t>
+            </a:r>
+            <a:r>
+              <a:rPr lang="en-US" dirty="0" smtClean="0"/>
+              <a:t> </a:t>
+            </a:r>
+            <a:r>
+              <a:rPr lang="en-US" dirty="0" err="1" smtClean="0"/>
+              <a:t>Grok</a:t>
+            </a:r>
+            <a:r>
+              <a:rPr lang="en-US" dirty="0" smtClean="0"/>
+              <a:t> (Regular expression)</a:t>
+            </a:r>
+          </a:p>
+          <a:p>
+            <a:r>
+              <a:rPr lang="en-US" dirty="0" err="1"/>
+              <a:t>C</a:t>
+            </a:r>
+            <a:r>
+              <a:rPr lang="en-US" dirty="0" err="1" smtClean="0"/>
+              <a:t>ấu</a:t>
+            </a:r>
+            <a:r>
+              <a:rPr lang="en-US" dirty="0" smtClean="0"/>
+              <a:t> </a:t>
+            </a:r>
+            <a:r>
+              <a:rPr lang="en-US" dirty="0" err="1"/>
+              <a:t>hình</a:t>
+            </a:r>
+            <a:r>
+              <a:rPr lang="en-US" dirty="0"/>
+              <a:t> </a:t>
+            </a:r>
+            <a:r>
+              <a:rPr lang="en-US" dirty="0" err="1"/>
+              <a:t>Logstash</a:t>
+            </a:r>
+            <a:r>
+              <a:rPr lang="en-US" dirty="0"/>
+              <a:t> </a:t>
+            </a:r>
+            <a:r>
+              <a:rPr lang="en-US" dirty="0" err="1"/>
+              <a:t>luôn</a:t>
+            </a:r>
+            <a:r>
+              <a:rPr lang="en-US" dirty="0"/>
+              <a:t> </a:t>
+            </a:r>
+            <a:r>
+              <a:rPr lang="en-US" dirty="0" err="1"/>
+              <a:t>có</a:t>
+            </a:r>
+            <a:r>
+              <a:rPr lang="en-US" dirty="0"/>
+              <a:t> 3 </a:t>
+            </a:r>
+            <a:r>
+              <a:rPr lang="en-US" dirty="0" err="1"/>
+              <a:t>phần</a:t>
+            </a:r>
+            <a:r>
+              <a:rPr lang="en-US" dirty="0"/>
+              <a:t>: Input, Filter, Output</a:t>
+            </a:r>
+          </a:p>
+        </p:txBody>
+      </p:sp>
+    </p:spTree>
+    <p:extLst>
+      <p:ext uri="{BB962C8B-B14F-4D97-AF65-F5344CB8AC3E}">
+        <p14:creationId xmlns:p14="http://schemas.microsoft.com/office/powerpoint/2010/main" val="1026470604"/>
+      </p:ext>
+    </p:extLst>
+  </p:cSld>
+  <p:clrMapOvr>
+    <a:masterClrMapping/>
+  </p:clrMapOvr>
+  <p:timing>
+    <p:tnLst>
+      <p:par>
+        <p:cTn id="1" dur="indefinite" restart="never" nodeType="tmRoot"/>
+      </p:par>
+    </p:tnLst>
+  </p:timing>
+</p:sld>
+</file>
+
+<file path=ppt/slides/slide11.xml><?xml version="1.0" encoding="utf-8"?>
+<p:sld xmlns:a="http://schemas.openxmlformats.org/drawingml/2006/main" xmlns:r="http://schemas.openxmlformats.org/officeDocument/2006/relationships" xmlns:p="http://schemas.openxmlformats.org/presentationml/2006/main">
+  <p:cSld>
+    <p:spTree>
+      <p:nvGrpSpPr>
+        <p:cNvPr id="1" name=""/>
+        <p:cNvGrpSpPr/>
+        <p:nvPr/>
+      </p:nvGrpSpPr>
+      <p:grpSpPr>
+        <a:xfrm>
+          <a:off x="0" y="0"/>
+          <a:ext cx="0" cy="0"/>
+          <a:chOff x="0" y="0"/>
+          <a:chExt cx="0" cy="0"/>
+        </a:xfrm>
+      </p:grpSpPr>
+      <p:sp>
+        <p:nvSpPr>
+          <p:cNvPr id="4" name="Title 3"/>
+          <p:cNvSpPr>
+            <a:spLocks noGrp="1"/>
+          </p:cNvSpPr>
+          <p:nvPr>
+            <p:ph type="title"/>
+          </p:nvPr>
+        </p:nvSpPr>
+        <p:spPr>
+          <a:xfrm>
+            <a:off x="448964" y="281175"/>
+            <a:ext cx="6566316" cy="763525"/>
+          </a:xfrm>
+        </p:spPr>
+        <p:txBody>
+          <a:bodyPr>
+            <a:normAutofit/>
+          </a:bodyPr>
+          <a:lstStyle/>
+          <a:p>
+            <a:pPr algn="l"/>
+            <a:r>
+              <a:rPr lang="en-US" dirty="0" err="1" smtClean="0"/>
+              <a:t>Nguyên</a:t>
+            </a:r>
+            <a:r>
+              <a:rPr lang="en-US" dirty="0" smtClean="0"/>
+              <a:t> </a:t>
+            </a:r>
+            <a:r>
+              <a:rPr lang="en-US" dirty="0" err="1" smtClean="0"/>
+              <a:t>lý</a:t>
+            </a:r>
+            <a:r>
+              <a:rPr lang="en-US" dirty="0" smtClean="0"/>
+              <a:t>, </a:t>
+            </a:r>
+            <a:r>
+              <a:rPr lang="en-US" dirty="0" err="1" smtClean="0"/>
+              <a:t>cơ</a:t>
+            </a:r>
+            <a:r>
+              <a:rPr lang="en-US" dirty="0" smtClean="0"/>
+              <a:t> </a:t>
+            </a:r>
+            <a:r>
+              <a:rPr lang="en-US" dirty="0" err="1" smtClean="0"/>
+              <a:t>chế</a:t>
+            </a:r>
+            <a:endParaRPr lang="en-US" dirty="0"/>
+          </a:p>
+        </p:txBody>
+      </p:sp>
+      <p:sp>
+        <p:nvSpPr>
+          <p:cNvPr id="5" name="Content Placeholder 4"/>
+          <p:cNvSpPr>
+            <a:spLocks noGrp="1"/>
+          </p:cNvSpPr>
+          <p:nvPr>
+            <p:ph idx="1"/>
+          </p:nvPr>
+        </p:nvSpPr>
+        <p:spPr>
+          <a:xfrm>
+            <a:off x="448965" y="1044699"/>
+            <a:ext cx="6566315" cy="3970331"/>
+          </a:xfrm>
+        </p:spPr>
+        <p:txBody>
+          <a:bodyPr>
+            <a:normAutofit lnSpcReduction="10000"/>
+          </a:bodyPr>
+          <a:lstStyle/>
+          <a:p>
+            <a:pPr>
+              <a:buFontTx/>
+              <a:buChar char="-"/>
+            </a:pPr>
+            <a:r>
+              <a:rPr lang="en-US" sz="3200" b="1" dirty="0"/>
+              <a:t>Indexer – </a:t>
+            </a:r>
+            <a:r>
+              <a:rPr lang="en-US" sz="3200" b="1" dirty="0" err="1"/>
+              <a:t>Elasticsearch</a:t>
+            </a:r>
+            <a:r>
+              <a:rPr lang="en-US" dirty="0"/>
+              <a:t>: </a:t>
+            </a:r>
+            <a:r>
+              <a:rPr lang="en-US" dirty="0" err="1"/>
+              <a:t>đánh</a:t>
+            </a:r>
+            <a:r>
+              <a:rPr lang="en-US" dirty="0"/>
+              <a:t> </a:t>
+            </a:r>
+            <a:r>
+              <a:rPr lang="en-US" dirty="0" err="1"/>
+              <a:t>chỉ</a:t>
+            </a:r>
+            <a:r>
+              <a:rPr lang="en-US" dirty="0"/>
+              <a:t> </a:t>
+            </a:r>
+            <a:r>
+              <a:rPr lang="en-US" dirty="0" err="1"/>
+              <a:t>mục</a:t>
+            </a:r>
+            <a:r>
+              <a:rPr lang="en-US" dirty="0"/>
+              <a:t> </a:t>
+            </a:r>
+            <a:r>
+              <a:rPr lang="en-US" dirty="0" err="1"/>
+              <a:t>dữ</a:t>
+            </a:r>
+            <a:r>
+              <a:rPr lang="en-US" dirty="0"/>
+              <a:t> </a:t>
+            </a:r>
+            <a:r>
+              <a:rPr lang="en-US" dirty="0" err="1"/>
+              <a:t>liệu</a:t>
+            </a:r>
+            <a:r>
+              <a:rPr lang="en-US" dirty="0" smtClean="0"/>
+              <a:t>.</a:t>
+            </a:r>
+          </a:p>
+          <a:p>
+            <a:r>
+              <a:rPr lang="en-US" dirty="0" err="1"/>
+              <a:t>Là</a:t>
+            </a:r>
+            <a:r>
+              <a:rPr lang="en-US" dirty="0"/>
+              <a:t> </a:t>
+            </a:r>
+            <a:r>
+              <a:rPr lang="en-US" dirty="0" err="1"/>
+              <a:t>phần</a:t>
+            </a:r>
+            <a:r>
+              <a:rPr lang="en-US" dirty="0"/>
+              <a:t> </a:t>
+            </a:r>
+            <a:r>
+              <a:rPr lang="en-US" dirty="0" err="1"/>
+              <a:t>mềm</a:t>
+            </a:r>
+            <a:r>
+              <a:rPr lang="en-US" dirty="0"/>
+              <a:t> open-source, </a:t>
+            </a:r>
+            <a:r>
+              <a:rPr lang="en-US" dirty="0" err="1"/>
+              <a:t>dựa</a:t>
+            </a:r>
+            <a:r>
+              <a:rPr lang="en-US" dirty="0"/>
+              <a:t> </a:t>
+            </a:r>
+            <a:r>
+              <a:rPr lang="en-US" dirty="0" err="1"/>
+              <a:t>trên</a:t>
+            </a:r>
+            <a:r>
+              <a:rPr lang="en-US" dirty="0"/>
+              <a:t> Apache </a:t>
+            </a:r>
+            <a:r>
+              <a:rPr lang="en-US" dirty="0" err="1"/>
+              <a:t>Lucene</a:t>
+            </a:r>
+            <a:r>
+              <a:rPr lang="en-US" dirty="0"/>
+              <a:t> (Java)</a:t>
+            </a:r>
+          </a:p>
+          <a:p>
+            <a:r>
+              <a:rPr lang="en-US" dirty="0" err="1"/>
+              <a:t>Sử</a:t>
+            </a:r>
+            <a:r>
+              <a:rPr lang="en-US" dirty="0"/>
+              <a:t> </a:t>
+            </a:r>
+            <a:r>
+              <a:rPr lang="en-US" dirty="0" err="1"/>
+              <a:t>dụng</a:t>
+            </a:r>
+            <a:r>
+              <a:rPr lang="en-US" dirty="0"/>
+              <a:t> </a:t>
+            </a:r>
+            <a:r>
+              <a:rPr lang="en-US" dirty="0" err="1"/>
+              <a:t>Json</a:t>
+            </a:r>
+            <a:r>
+              <a:rPr lang="en-US" dirty="0"/>
+              <a:t> </a:t>
+            </a:r>
+            <a:r>
+              <a:rPr lang="en-US" dirty="0" err="1"/>
+              <a:t>cho</a:t>
+            </a:r>
+            <a:r>
+              <a:rPr lang="en-US" dirty="0"/>
+              <a:t> </a:t>
+            </a:r>
+            <a:r>
+              <a:rPr lang="en-US" dirty="0" err="1"/>
+              <a:t>việc</a:t>
+            </a:r>
+            <a:r>
+              <a:rPr lang="en-US" dirty="0"/>
+              <a:t> </a:t>
+            </a:r>
+            <a:r>
+              <a:rPr lang="en-US" dirty="0" err="1"/>
+              <a:t>truy</a:t>
+            </a:r>
+            <a:r>
+              <a:rPr lang="en-US" dirty="0"/>
+              <a:t> </a:t>
+            </a:r>
+            <a:r>
+              <a:rPr lang="en-US" dirty="0" err="1"/>
+              <a:t>xuất</a:t>
+            </a:r>
+            <a:r>
+              <a:rPr lang="en-US" dirty="0"/>
+              <a:t> </a:t>
+            </a:r>
+            <a:r>
+              <a:rPr lang="en-US" dirty="0" err="1"/>
+              <a:t>dữ</a:t>
+            </a:r>
+            <a:r>
+              <a:rPr lang="en-US" dirty="0"/>
+              <a:t> </a:t>
+            </a:r>
+            <a:r>
+              <a:rPr lang="en-US" dirty="0" err="1"/>
+              <a:t>liệu</a:t>
+            </a:r>
+            <a:endParaRPr lang="en-US" dirty="0"/>
+          </a:p>
+          <a:p>
+            <a:r>
+              <a:rPr lang="en-US" dirty="0" err="1"/>
+              <a:t>Lưu</a:t>
+            </a:r>
+            <a:r>
+              <a:rPr lang="en-US" dirty="0"/>
+              <a:t> </a:t>
+            </a:r>
+            <a:r>
+              <a:rPr lang="en-US" dirty="0" err="1"/>
+              <a:t>trữ</a:t>
+            </a:r>
+            <a:r>
+              <a:rPr lang="en-US" dirty="0"/>
+              <a:t> </a:t>
+            </a:r>
+            <a:r>
+              <a:rPr lang="en-US" dirty="0" err="1"/>
+              <a:t>thành</a:t>
+            </a:r>
+            <a:r>
+              <a:rPr lang="en-US" dirty="0"/>
+              <a:t> </a:t>
+            </a:r>
+            <a:r>
+              <a:rPr lang="en-US" dirty="0" err="1"/>
+              <a:t>cụm</a:t>
+            </a:r>
+            <a:r>
+              <a:rPr lang="en-US" dirty="0"/>
+              <a:t>, </a:t>
+            </a:r>
+            <a:r>
+              <a:rPr lang="en-US" dirty="0" err="1"/>
+              <a:t>phân</a:t>
+            </a:r>
+            <a:r>
+              <a:rPr lang="en-US" dirty="0"/>
+              <a:t> </a:t>
+            </a:r>
+            <a:r>
+              <a:rPr lang="en-US" dirty="0" err="1"/>
+              <a:t>tán</a:t>
+            </a:r>
+            <a:r>
+              <a:rPr lang="en-US" dirty="0"/>
+              <a:t> – cluster, shard &amp; replica</a:t>
+            </a:r>
+          </a:p>
+          <a:p>
+            <a:r>
+              <a:rPr lang="en-US" dirty="0" err="1"/>
+              <a:t>Đánh</a:t>
+            </a:r>
+            <a:r>
+              <a:rPr lang="en-US" dirty="0"/>
+              <a:t> </a:t>
+            </a:r>
+            <a:r>
+              <a:rPr lang="en-US" dirty="0" err="1"/>
+              <a:t>chỉ</a:t>
+            </a:r>
+            <a:r>
+              <a:rPr lang="en-US" dirty="0"/>
+              <a:t> </a:t>
+            </a:r>
+            <a:r>
+              <a:rPr lang="en-US" dirty="0" err="1"/>
+              <a:t>mục</a:t>
+            </a:r>
+            <a:r>
+              <a:rPr lang="en-US" dirty="0"/>
+              <a:t>, </a:t>
+            </a:r>
+            <a:r>
+              <a:rPr lang="en-US" dirty="0" err="1"/>
+              <a:t>lưu</a:t>
+            </a:r>
+            <a:r>
+              <a:rPr lang="en-US" dirty="0"/>
+              <a:t> </a:t>
+            </a:r>
+            <a:r>
+              <a:rPr lang="en-US" dirty="0" err="1"/>
+              <a:t>trữ</a:t>
+            </a:r>
+            <a:r>
+              <a:rPr lang="en-US" dirty="0"/>
+              <a:t> </a:t>
+            </a:r>
+            <a:r>
+              <a:rPr lang="en-US" dirty="0" err="1"/>
+              <a:t>và</a:t>
+            </a:r>
+            <a:r>
+              <a:rPr lang="en-US" dirty="0"/>
+              <a:t> </a:t>
+            </a:r>
+            <a:r>
+              <a:rPr lang="en-US" dirty="0" err="1"/>
+              <a:t>tìm</a:t>
+            </a:r>
+            <a:r>
+              <a:rPr lang="en-US" dirty="0"/>
+              <a:t> </a:t>
+            </a:r>
+            <a:r>
+              <a:rPr lang="en-US" dirty="0" err="1"/>
+              <a:t>kiếm</a:t>
+            </a:r>
+            <a:r>
+              <a:rPr lang="en-US" dirty="0"/>
+              <a:t> </a:t>
+            </a:r>
+            <a:r>
+              <a:rPr lang="en-US" dirty="0" err="1"/>
+              <a:t>mạnh</a:t>
+            </a:r>
+            <a:r>
+              <a:rPr lang="en-US" dirty="0"/>
+              <a:t> </a:t>
+            </a:r>
+            <a:r>
+              <a:rPr lang="en-US" dirty="0" err="1"/>
+              <a:t>mẽ</a:t>
+            </a:r>
+            <a:endParaRPr lang="en-US" dirty="0"/>
+          </a:p>
+        </p:txBody>
+      </p:sp>
+    </p:spTree>
+    <p:extLst>
+      <p:ext uri="{BB962C8B-B14F-4D97-AF65-F5344CB8AC3E}">
+        <p14:creationId xmlns:p14="http://schemas.microsoft.com/office/powerpoint/2010/main" val="2093487955"/>
+      </p:ext>
+    </p:extLst>
+  </p:cSld>
+  <p:clrMapOvr>
+    <a:masterClrMapping/>
+  </p:clrMapOvr>
+  <p:timing>
+    <p:tnLst>
+      <p:par>
+        <p:cTn id="1" dur="indefinite" restart="never" nodeType="tmRoot"/>
+      </p:par>
+    </p:tnLst>
+  </p:timing>
+</p:sld>
+</file>
+
+<file path=ppt/slides/slide12.xml><?xml version="1.0" encoding="utf-8"?>
+<p:sld xmlns:a="http://schemas.openxmlformats.org/drawingml/2006/main" xmlns:r="http://schemas.openxmlformats.org/officeDocument/2006/relationships" xmlns:p="http://schemas.openxmlformats.org/presentationml/2006/main">
+  <p:cSld>
+    <p:spTree>
+      <p:nvGrpSpPr>
+        <p:cNvPr id="1" name=""/>
+        <p:cNvGrpSpPr/>
+        <p:nvPr/>
+      </p:nvGrpSpPr>
+      <p:grpSpPr>
+        <a:xfrm>
+          <a:off x="0" y="0"/>
+          <a:ext cx="0" cy="0"/>
+          <a:chOff x="0" y="0"/>
+          <a:chExt cx="0" cy="0"/>
+        </a:xfrm>
+      </p:grpSpPr>
+      <p:sp>
+        <p:nvSpPr>
+          <p:cNvPr id="4" name="Title 3"/>
+          <p:cNvSpPr>
+            <a:spLocks noGrp="1"/>
+          </p:cNvSpPr>
+          <p:nvPr>
+            <p:ph type="title"/>
+          </p:nvPr>
+        </p:nvSpPr>
+        <p:spPr>
+          <a:xfrm>
+            <a:off x="448964" y="281175"/>
+            <a:ext cx="6566316" cy="763525"/>
+          </a:xfrm>
+        </p:spPr>
+        <p:txBody>
+          <a:bodyPr>
+            <a:normAutofit/>
+          </a:bodyPr>
+          <a:lstStyle/>
+          <a:p>
+            <a:pPr algn="l"/>
+            <a:r>
+              <a:rPr lang="en-US" dirty="0" smtClean="0"/>
+              <a:t>Web interface: </a:t>
+            </a:r>
+            <a:r>
+              <a:rPr lang="en-US" dirty="0" err="1" smtClean="0"/>
+              <a:t>Kibana</a:t>
+            </a:r>
+            <a:endParaRPr lang="en-US" dirty="0"/>
+          </a:p>
+        </p:txBody>
+      </p:sp>
+      <p:pic>
+        <p:nvPicPr>
+          <p:cNvPr id="2" name="Content Placeholder 1"/>
+          <p:cNvPicPr>
+            <a:picLocks noGrp="1" noChangeAspect="1"/>
+          </p:cNvPicPr>
+          <p:nvPr>
+            <p:ph idx="1"/>
+          </p:nvPr>
+        </p:nvPicPr>
+        <p:blipFill>
+          <a:blip r:embed="rId2">
+            <a:extLst>
+              <a:ext uri="{28A0092B-C50C-407E-A947-70E740481C1C}">
+                <a14:useLocalDpi xmlns:a14="http://schemas.microsoft.com/office/drawing/2010/main" val="0"/>
+              </a:ext>
+            </a:extLst>
+          </a:blip>
+          <a:stretch>
+            <a:fillRect/>
+          </a:stretch>
+        </p:blipFill>
+        <p:spPr>
+          <a:xfrm>
+            <a:off x="449263" y="1180783"/>
+            <a:ext cx="6565900" cy="3697922"/>
+          </a:xfrm>
+        </p:spPr>
+      </p:pic>
+    </p:spTree>
+    <p:extLst>
+      <p:ext uri="{BB962C8B-B14F-4D97-AF65-F5344CB8AC3E}">
+        <p14:creationId xmlns:p14="http://schemas.microsoft.com/office/powerpoint/2010/main" val="3173794109"/>
+      </p:ext>
+    </p:extLst>
+  </p:cSld>
+  <p:clrMapOvr>
+    <a:masterClrMapping/>
+  </p:clrMapOvr>
+  <p:timing>
+    <p:tnLst>
+      <p:par>
+        <p:cTn id="1" dur="indefinite" restart="never" nodeType="tmRoot"/>
+      </p:par>
+    </p:tnLst>
+  </p:timing>
+</p:sld>
+</file>
+
+<file path=ppt/slides/slide13.xml><?xml version="1.0" encoding="utf-8"?>
+<p:sld xmlns:a="http://schemas.openxmlformats.org/drawingml/2006/main" xmlns:r="http://schemas.openxmlformats.org/officeDocument/2006/relationships" xmlns:p="http://schemas.openxmlformats.org/presentationml/2006/main">
+  <p:cSld>
+    <p:spTree>
+      <p:nvGrpSpPr>
+        <p:cNvPr id="1" name=""/>
+        <p:cNvGrpSpPr/>
+        <p:nvPr/>
+      </p:nvGrpSpPr>
+      <p:grpSpPr>
+        <a:xfrm>
+          <a:off x="0" y="0"/>
+          <a:ext cx="0" cy="0"/>
+          <a:chOff x="0" y="0"/>
+          <a:chExt cx="0" cy="0"/>
+        </a:xfrm>
+      </p:grpSpPr>
+      <p:sp>
+        <p:nvSpPr>
+          <p:cNvPr id="4" name="Title 3"/>
+          <p:cNvSpPr>
+            <a:spLocks noGrp="1"/>
+          </p:cNvSpPr>
+          <p:nvPr>
+            <p:ph type="title"/>
+          </p:nvPr>
+        </p:nvSpPr>
+        <p:spPr>
+          <a:xfrm>
+            <a:off x="448964" y="281175"/>
+            <a:ext cx="6566316" cy="763525"/>
+          </a:xfrm>
+        </p:spPr>
+        <p:txBody>
+          <a:bodyPr>
+            <a:normAutofit/>
+          </a:bodyPr>
+          <a:lstStyle/>
+          <a:p>
+            <a:pPr algn="l"/>
+            <a:r>
+              <a:rPr lang="en-US" dirty="0" smtClean="0"/>
+              <a:t>Web interface: </a:t>
+            </a:r>
+            <a:r>
+              <a:rPr lang="en-US" dirty="0" err="1" smtClean="0"/>
+              <a:t>Kibana</a:t>
+            </a:r>
+            <a:endParaRPr lang="en-US" dirty="0"/>
+          </a:p>
+        </p:txBody>
+      </p:sp>
+      <p:sp>
+        <p:nvSpPr>
+          <p:cNvPr id="5" name="Content Placeholder 4"/>
+          <p:cNvSpPr>
+            <a:spLocks noGrp="1"/>
+          </p:cNvSpPr>
+          <p:nvPr>
+            <p:ph idx="1"/>
+          </p:nvPr>
+        </p:nvSpPr>
+        <p:spPr>
+          <a:xfrm>
+            <a:off x="448965" y="1044699"/>
+            <a:ext cx="6566315" cy="3970331"/>
+          </a:xfrm>
+        </p:spPr>
+        <p:txBody>
+          <a:bodyPr>
+            <a:normAutofit/>
+          </a:bodyPr>
+          <a:lstStyle/>
+          <a:p>
+            <a:pPr>
+              <a:buFontTx/>
+              <a:buChar char="-"/>
+            </a:pPr>
+            <a:r>
+              <a:rPr lang="en-US" dirty="0" err="1" smtClean="0"/>
+              <a:t>Cung</a:t>
+            </a:r>
+            <a:r>
+              <a:rPr lang="en-US" dirty="0" smtClean="0"/>
+              <a:t> </a:t>
+            </a:r>
+            <a:r>
+              <a:rPr lang="en-US" dirty="0" err="1" smtClean="0"/>
+              <a:t>cấp</a:t>
+            </a:r>
+            <a:r>
+              <a:rPr lang="en-US" dirty="0" smtClean="0"/>
+              <a:t> </a:t>
+            </a:r>
+            <a:r>
+              <a:rPr lang="en-US" dirty="0" err="1" smtClean="0"/>
+              <a:t>giao</a:t>
+            </a:r>
+            <a:r>
+              <a:rPr lang="en-US" dirty="0" smtClean="0"/>
+              <a:t> </a:t>
+            </a:r>
+            <a:r>
+              <a:rPr lang="en-US" dirty="0" err="1" smtClean="0"/>
+              <a:t>diện</a:t>
+            </a:r>
+            <a:r>
+              <a:rPr lang="en-US" dirty="0" smtClean="0"/>
+              <a:t> </a:t>
+            </a:r>
+            <a:r>
+              <a:rPr lang="en-US" dirty="0" err="1" smtClean="0"/>
+              <a:t>người</a:t>
+            </a:r>
+            <a:r>
+              <a:rPr lang="en-US" dirty="0" smtClean="0"/>
+              <a:t> </a:t>
+            </a:r>
+            <a:r>
+              <a:rPr lang="en-US" dirty="0" err="1" smtClean="0"/>
+              <a:t>dùng</a:t>
+            </a:r>
+            <a:endParaRPr lang="en-US" dirty="0" smtClean="0"/>
+          </a:p>
+          <a:p>
+            <a:pPr>
+              <a:buFontTx/>
+              <a:buChar char="-"/>
+            </a:pPr>
+            <a:r>
+              <a:rPr lang="en-US" dirty="0" err="1" smtClean="0"/>
+              <a:t>Phân</a:t>
+            </a:r>
+            <a:r>
+              <a:rPr lang="en-US" dirty="0" smtClean="0"/>
+              <a:t> </a:t>
+            </a:r>
+            <a:r>
+              <a:rPr lang="en-US" dirty="0" err="1" smtClean="0"/>
+              <a:t>tích</a:t>
+            </a:r>
+            <a:r>
+              <a:rPr lang="en-US" dirty="0" smtClean="0"/>
+              <a:t> </a:t>
+            </a:r>
+            <a:r>
+              <a:rPr lang="en-US" dirty="0" err="1" smtClean="0"/>
+              <a:t>cú</a:t>
+            </a:r>
+            <a:r>
+              <a:rPr lang="en-US" dirty="0" smtClean="0"/>
+              <a:t> </a:t>
+            </a:r>
+            <a:r>
+              <a:rPr lang="en-US" dirty="0" err="1" smtClean="0"/>
+              <a:t>pháp</a:t>
+            </a:r>
+            <a:r>
+              <a:rPr lang="en-US" dirty="0" smtClean="0"/>
+              <a:t> </a:t>
+            </a:r>
+            <a:r>
+              <a:rPr lang="en-US" dirty="0" err="1" smtClean="0"/>
+              <a:t>tìm</a:t>
+            </a:r>
+            <a:r>
+              <a:rPr lang="en-US" dirty="0" smtClean="0"/>
+              <a:t> </a:t>
+            </a:r>
+            <a:r>
+              <a:rPr lang="en-US" dirty="0" err="1" smtClean="0"/>
+              <a:t>kiếm</a:t>
+            </a:r>
+            <a:endParaRPr lang="en-US" dirty="0" smtClean="0"/>
+          </a:p>
+          <a:p>
+            <a:pPr>
+              <a:buFontTx/>
+              <a:buChar char="-"/>
+            </a:pPr>
+            <a:r>
+              <a:rPr lang="en-US" dirty="0" err="1" smtClean="0"/>
+              <a:t>Cung</a:t>
+            </a:r>
+            <a:r>
+              <a:rPr lang="en-US" dirty="0" smtClean="0"/>
+              <a:t> </a:t>
+            </a:r>
+            <a:r>
+              <a:rPr lang="en-US" dirty="0" err="1" smtClean="0"/>
+              <a:t>cấp</a:t>
+            </a:r>
+            <a:r>
+              <a:rPr lang="en-US" dirty="0" smtClean="0"/>
+              <a:t> </a:t>
+            </a:r>
+            <a:r>
+              <a:rPr lang="en-US" dirty="0" err="1" smtClean="0"/>
+              <a:t>nhiều</a:t>
+            </a:r>
+            <a:r>
+              <a:rPr lang="en-US" dirty="0" smtClean="0"/>
+              <a:t> </a:t>
+            </a:r>
+            <a:r>
+              <a:rPr lang="en-US" dirty="0" err="1" smtClean="0"/>
+              <a:t>dạng</a:t>
+            </a:r>
+            <a:r>
+              <a:rPr lang="en-US" dirty="0" smtClean="0"/>
+              <a:t> </a:t>
+            </a:r>
+            <a:r>
+              <a:rPr lang="en-US" dirty="0" err="1" smtClean="0"/>
+              <a:t>biểu</a:t>
+            </a:r>
+            <a:r>
+              <a:rPr lang="en-US" dirty="0" smtClean="0"/>
+              <a:t> </a:t>
+            </a:r>
+            <a:r>
+              <a:rPr lang="en-US" dirty="0" err="1" smtClean="0"/>
+              <a:t>đồ</a:t>
+            </a:r>
+            <a:r>
+              <a:rPr lang="en-US" dirty="0" smtClean="0"/>
+              <a:t> </a:t>
+            </a:r>
+            <a:r>
+              <a:rPr lang="en-US" dirty="0" err="1" smtClean="0"/>
+              <a:t>hiển</a:t>
+            </a:r>
+            <a:r>
+              <a:rPr lang="en-US" dirty="0" smtClean="0"/>
+              <a:t> </a:t>
+            </a:r>
+            <a:r>
+              <a:rPr lang="en-US" dirty="0" err="1" smtClean="0"/>
+              <a:t>thị</a:t>
+            </a:r>
+            <a:r>
+              <a:rPr lang="en-US" dirty="0" smtClean="0"/>
+              <a:t> </a:t>
+            </a:r>
+            <a:r>
+              <a:rPr lang="en-US" dirty="0" err="1" smtClean="0"/>
+              <a:t>dữ</a:t>
+            </a:r>
+            <a:r>
+              <a:rPr lang="en-US" dirty="0" smtClean="0"/>
+              <a:t> </a:t>
+            </a:r>
+            <a:r>
+              <a:rPr lang="en-US" dirty="0" err="1" smtClean="0"/>
+              <a:t>liệu</a:t>
+            </a:r>
+            <a:endParaRPr lang="en-US" dirty="0"/>
+          </a:p>
+        </p:txBody>
+      </p:sp>
+    </p:spTree>
+    <p:extLst>
+      <p:ext uri="{BB962C8B-B14F-4D97-AF65-F5344CB8AC3E}">
+        <p14:creationId xmlns:p14="http://schemas.microsoft.com/office/powerpoint/2010/main" val="2055784862"/>
+      </p:ext>
+    </p:extLst>
+  </p:cSld>
+  <p:clrMapOvr>
+    <a:masterClrMapping/>
+  </p:clrMapOvr>
+  <p:timing>
+    <p:tnLst>
+      <p:par>
+        <p:cTn id="1" dur="indefinite" restart="never" nodeType="tmRoot"/>
+      </p:par>
+    </p:tnLst>
+  </p:timing>
+</p:sld>
+</file>
+
+<file path=ppt/slides/slide14.xml><?xml version="1.0" encoding="utf-8"?>
+<p:sld xmlns:a="http://schemas.openxmlformats.org/drawingml/2006/main" xmlns:r="http://schemas.openxmlformats.org/officeDocument/2006/relationships" xmlns:p="http://schemas.openxmlformats.org/presentationml/2006/main">
+  <p:cSld>
+    <p:spTree>
+      <p:nvGrpSpPr>
+        <p:cNvPr id="1" name=""/>
+        <p:cNvGrpSpPr/>
+        <p:nvPr/>
+      </p:nvGrpSpPr>
+      <p:grpSpPr>
+        <a:xfrm>
+          <a:off x="0" y="0"/>
+          <a:ext cx="0" cy="0"/>
+          <a:chOff x="0" y="0"/>
+          <a:chExt cx="0" cy="0"/>
+        </a:xfrm>
+      </p:grpSpPr>
+      <p:sp>
+        <p:nvSpPr>
+          <p:cNvPr id="4" name="Title 3"/>
+          <p:cNvSpPr>
+            <a:spLocks noGrp="1"/>
+          </p:cNvSpPr>
+          <p:nvPr>
+            <p:ph type="title"/>
+          </p:nvPr>
+        </p:nvSpPr>
+        <p:spPr>
+          <a:xfrm>
+            <a:off x="448964" y="281175"/>
+            <a:ext cx="6566316" cy="763525"/>
+          </a:xfrm>
+        </p:spPr>
+        <p:txBody>
+          <a:bodyPr>
+            <a:normAutofit/>
+          </a:bodyPr>
+          <a:lstStyle/>
+          <a:p>
+            <a:pPr algn="l"/>
+            <a:r>
+              <a:rPr lang="en-US" dirty="0" smtClean="0"/>
+              <a:t>Demo</a:t>
+            </a:r>
+            <a:endParaRPr lang="en-US" dirty="0"/>
+          </a:p>
+        </p:txBody>
+      </p:sp>
+      <p:sp>
+        <p:nvSpPr>
+          <p:cNvPr id="5" name="Content Placeholder 4"/>
+          <p:cNvSpPr>
+            <a:spLocks noGrp="1"/>
+          </p:cNvSpPr>
+          <p:nvPr>
+            <p:ph idx="1"/>
+          </p:nvPr>
+        </p:nvSpPr>
+        <p:spPr>
+          <a:xfrm>
+            <a:off x="448965" y="1044699"/>
+            <a:ext cx="6566315" cy="3970331"/>
+          </a:xfrm>
+        </p:spPr>
+        <p:txBody>
+          <a:bodyPr>
+            <a:normAutofit/>
+          </a:bodyPr>
+          <a:lstStyle/>
+          <a:p>
+            <a:pPr marL="0" indent="0">
+              <a:buNone/>
+            </a:pPr>
+            <a:endParaRPr lang="en-US" dirty="0"/>
+          </a:p>
+        </p:txBody>
+      </p:sp>
+    </p:spTree>
+    <p:extLst>
+      <p:ext uri="{BB962C8B-B14F-4D97-AF65-F5344CB8AC3E}">
+        <p14:creationId xmlns:p14="http://schemas.microsoft.com/office/powerpoint/2010/main" val="2672852752"/>
+      </p:ext>
+    </p:extLst>
+  </p:cSld>
+  <p:clrMapOvr>
+    <a:masterClrMapping/>
+  </p:clrMapOvr>
+  <p:timing>
+    <p:tnLst>
+      <p:par>
+        <p:cTn id="1" dur="indefinite" restart="never" nodeType="tmRoot"/>
+      </p:par>
+    </p:tnLst>
+  </p:timing>
+</p:sld>
+</file>
+
+<file path=ppt/slides/slide15.xml><?xml version="1.0" encoding="utf-8"?>
+<p:sld xmlns:a="http://schemas.openxmlformats.org/drawingml/2006/main" xmlns:r="http://schemas.openxmlformats.org/officeDocument/2006/relationships" xmlns:p="http://schemas.openxmlformats.org/presentationml/2006/main">
+  <p:cSld>
+    <p:spTree>
+      <p:nvGrpSpPr>
+        <p:cNvPr id="1" name=""/>
+        <p:cNvGrpSpPr/>
+        <p:nvPr/>
+      </p:nvGrpSpPr>
+      <p:grpSpPr>
+        <a:xfrm>
+          <a:off x="0" y="0"/>
+          <a:ext cx="0" cy="0"/>
+          <a:chOff x="0" y="0"/>
+          <a:chExt cx="0" cy="0"/>
+        </a:xfrm>
+      </p:grpSpPr>
+      <p:pic>
+        <p:nvPicPr>
+          <p:cNvPr id="4" name="Picture 3"/>
+          <p:cNvPicPr>
+            <a:picLocks noChangeAspect="1"/>
+          </p:cNvPicPr>
+          <p:nvPr/>
+        </p:nvPicPr>
+        <p:blipFill>
+          <a:blip r:embed="rId3">
+            <a:extLst>
+              <a:ext uri="{28A0092B-C50C-407E-A947-70E740481C1C}">
+                <a14:useLocalDpi xmlns:a14="http://schemas.microsoft.com/office/drawing/2010/main" val="0"/>
+              </a:ext>
+            </a:extLst>
+          </a:blip>
+          <a:stretch>
+            <a:fillRect/>
+          </a:stretch>
+        </p:blipFill>
+        <p:spPr>
+          <a:xfrm>
+            <a:off x="0" y="1044700"/>
+            <a:ext cx="9144000" cy="3557847"/>
+          </a:xfrm>
+          <a:prstGeom prst="rect">
+            <a:avLst/>
+          </a:prstGeom>
+        </p:spPr>
+      </p:pic>
+    </p:spTree>
+    <p:extLst>
+      <p:ext uri="{BB962C8B-B14F-4D97-AF65-F5344CB8AC3E}">
+        <p14:creationId xmlns:p14="http://schemas.microsoft.com/office/powerpoint/2010/main" val="109100692"/>
+      </p:ext>
+    </p:extLst>
+  </p:cSld>
+  <p:clrMapOvr>
+    <a:masterClrMapping/>
+  </p:clrMapOvr>
+  <p:timing>
+    <p:tnLst>
+      <p:par>
+        <p:cTn id="1" dur="indefinite" restart="never" nodeType="tmRoot"/>
+      </p:par>
+    </p:tnLst>
+  </p:timing>
 </p:sld>
 </file>
 
@@ -4251,11 +5506,42 @@
           </a:p>
           <a:p>
             <a:r>
-              <a:rPr lang="en-US" dirty="0" err="1"/>
+              <a:rPr lang="en-US" dirty="0" err="1" smtClean="0"/>
+              <a:t>Thành</a:t>
+            </a:r>
+            <a:r>
+              <a:rPr lang="en-US" dirty="0" smtClean="0"/>
+              <a:t> </a:t>
+            </a:r>
+            <a:r>
+              <a:rPr lang="en-US" dirty="0" err="1" smtClean="0"/>
+              <a:t>phần</a:t>
+            </a:r>
+            <a:r>
+              <a:rPr lang="en-US" dirty="0" smtClean="0"/>
+              <a:t>, </a:t>
+            </a:r>
+            <a:r>
+              <a:rPr lang="en-US" dirty="0" err="1" smtClean="0"/>
+              <a:t>kiến</a:t>
+            </a:r>
+            <a:r>
+              <a:rPr lang="en-US" dirty="0" smtClean="0"/>
+              <a:t> </a:t>
+            </a:r>
+            <a:r>
+              <a:rPr lang="en-US" dirty="0" err="1" smtClean="0"/>
+              <a:t>trúc</a:t>
+            </a:r>
+            <a:endParaRPr lang="en-US" dirty="0" smtClean="0"/>
+          </a:p>
+          <a:p>
+            <a:r>
+              <a:rPr lang="en-US" dirty="0" err="1" smtClean="0"/>
               <a:t>Nguyên</a:t>
             </a:r>
             <a:r>
-              <a:rPr lang="en-US" dirty="0"/>
+              <a:rPr lang="en-US" dirty="0" smtClean="0"/>
               <a:t> </a:t>
             </a:r>
             <a:r>
@@ -4275,70 +5561,15 @@
               <a:t> </a:t>
             </a:r>
             <a:r>
-              <a:rPr lang="en-US" dirty="0" err="1"/>
+              <a:rPr lang="en-US" dirty="0" err="1" smtClean="0"/>
               <a:t>chế</a:t>
             </a:r>
-            <a:endParaRPr lang="en-US" dirty="0"/>
-          </a:p>
-          <a:p>
-            <a:r>
-              <a:rPr lang="en-US" dirty="0" err="1"/>
-              <a:t>Thành</a:t>
-            </a:r>
-            <a:r>
-              <a:rPr lang="en-US" dirty="0"/>
-              <a:t> </a:t>
-            </a:r>
-            <a:r>
-              <a:rPr lang="en-US" dirty="0" err="1"/>
-              <a:t>phần</a:t>
-            </a:r>
-            <a:r>
-              <a:rPr lang="en-US" dirty="0"/>
-              <a:t>, </a:t>
-            </a:r>
-            <a:r>
-              <a:rPr lang="en-US" dirty="0" err="1"/>
-              <a:t>kiến</a:t>
-            </a:r>
-            <a:r>
-              <a:rPr lang="en-US" dirty="0"/>
-              <a:t> </a:t>
-            </a:r>
-            <a:r>
-              <a:rPr lang="en-US" dirty="0" err="1"/>
-              <a:t>trúc</a:t>
-            </a:r>
-            <a:endParaRPr lang="en-US" dirty="0"/>
-          </a:p>
-          <a:p>
-            <a:r>
-              <a:rPr lang="en-US" dirty="0" err="1"/>
-              <a:t>Cài</a:t>
-            </a:r>
-            <a:r>
-              <a:rPr lang="en-US" dirty="0"/>
-              <a:t> </a:t>
-            </a:r>
-            <a:r>
-              <a:rPr lang="en-US" dirty="0" err="1"/>
-              <a:t>đặt</a:t>
-            </a:r>
-            <a:r>
-              <a:rPr lang="en-US" dirty="0"/>
-              <a:t>, </a:t>
-            </a:r>
-            <a:r>
-              <a:rPr lang="en-US" dirty="0" err="1"/>
-              <a:t>sử</a:t>
-            </a:r>
-            <a:r>
-              <a:rPr lang="en-US" dirty="0"/>
-              <a:t> </a:t>
-            </a:r>
-            <a:r>
-              <a:rPr lang="en-US" dirty="0" err="1"/>
-              <a:t>dụng</a:t>
+            <a:endParaRPr lang="en-US" dirty="0" smtClean="0"/>
+          </a:p>
+          <a:p>
+            <a:r>
+              <a:rPr lang="en-US" dirty="0" smtClean="0"/>
+              <a:t>Web interface</a:t>
             </a:r>
             <a:endParaRPr lang="en-US" dirty="0"/>
           </a:p>
@@ -4383,6 +5614,13 @@
   <p:clrMapOvr>
     <a:masterClrMapping/>
   </p:clrMapOvr>
+  <p:timing>
+    <p:tnLst>
+      <p:par>
+        <p:cTn id="1" dur="indefinite" restart="never" nodeType="tmRoot"/>
+      </p:par>
+    </p:tnLst>
+  </p:timing>
 </p:sld>
 </file>
 
@@ -4478,27 +5716,193 @@
           <a:bodyPr/>
           <a:lstStyle/>
           <a:p>
-            <a:r>
-              <a:rPr lang="en-US" dirty="0" err="1"/>
-              <a:t>Giới</a:t>
-            </a:r>
-            <a:r>
-              <a:rPr lang="en-US" dirty="0"/>
-              <a:t> </a:t>
-            </a:r>
-            <a:r>
-              <a:rPr lang="en-US" dirty="0" err="1"/>
-              <a:t>thiệu</a:t>
-            </a:r>
-            <a:r>
-              <a:rPr lang="en-US" dirty="0"/>
-              <a:t>…</a:t>
-            </a:r>
-          </a:p>
-          <a:p>
+            <a:pPr>
+              <a:buFontTx/>
+              <a:buChar char="-"/>
+            </a:pPr>
+            <a:r>
+              <a:rPr lang="en-US" dirty="0" err="1" smtClean="0"/>
+              <a:t>Lịch</a:t>
+            </a:r>
+            <a:r>
+              <a:rPr lang="en-US" dirty="0" smtClean="0"/>
+              <a:t> </a:t>
+            </a:r>
+            <a:r>
+              <a:rPr lang="en-US" dirty="0" err="1" smtClean="0"/>
+              <a:t>sử</a:t>
+            </a:r>
+            <a:r>
+              <a:rPr lang="en-US" dirty="0" smtClean="0"/>
+              <a:t> </a:t>
+            </a:r>
+            <a:r>
+              <a:rPr lang="en-US" dirty="0" err="1" smtClean="0"/>
+              <a:t>hình</a:t>
+            </a:r>
+            <a:r>
+              <a:rPr lang="en-US" dirty="0" smtClean="0"/>
+              <a:t> </a:t>
+            </a:r>
+            <a:r>
+              <a:rPr lang="en-US" dirty="0" err="1" smtClean="0"/>
+              <a:t>thành</a:t>
+            </a:r>
+            <a:r>
+              <a:rPr lang="en-US" dirty="0" smtClean="0"/>
+              <a:t>:</a:t>
+            </a:r>
+          </a:p>
+          <a:p>
+            <a:r>
+              <a:rPr lang="en-US" dirty="0" err="1" smtClean="0"/>
+              <a:t>Tạo</a:t>
+            </a:r>
+            <a:r>
+              <a:rPr lang="en-US" dirty="0" smtClean="0"/>
+              <a:t> </a:t>
+            </a:r>
+            <a:r>
+              <a:rPr lang="en-US" dirty="0" err="1" smtClean="0"/>
+              <a:t>bởi</a:t>
+            </a:r>
+            <a:r>
+              <a:rPr lang="en-US" dirty="0" smtClean="0"/>
+              <a:t> Jordan </a:t>
+            </a:r>
+            <a:r>
+              <a:rPr lang="en-US" dirty="0" err="1" smtClean="0"/>
+              <a:t>Sissel</a:t>
+            </a:r>
             <a:endParaRPr lang="en-US" dirty="0"/>
           </a:p>
           <a:p>
+            <a:r>
+              <a:rPr lang="en-US" dirty="0" err="1" smtClean="0"/>
+              <a:t>Tiếp</a:t>
+            </a:r>
+            <a:r>
+              <a:rPr lang="en-US" dirty="0" smtClean="0"/>
+              <a:t> </a:t>
+            </a:r>
+            <a:r>
+              <a:rPr lang="en-US" dirty="0" err="1" smtClean="0"/>
+              <a:t>tục</a:t>
+            </a:r>
+            <a:r>
+              <a:rPr lang="en-US" dirty="0" smtClean="0"/>
+              <a:t> </a:t>
+            </a:r>
+            <a:r>
+              <a:rPr lang="en-US" dirty="0" err="1" smtClean="0"/>
+              <a:t>phát</a:t>
+            </a:r>
+            <a:r>
+              <a:rPr lang="en-US" dirty="0" smtClean="0"/>
+              <a:t> </a:t>
+            </a:r>
+            <a:r>
+              <a:rPr lang="en-US" dirty="0" err="1" smtClean="0"/>
+              <a:t>triển</a:t>
+            </a:r>
+            <a:r>
+              <a:rPr lang="en-US" dirty="0" smtClean="0"/>
+              <a:t> </a:t>
+            </a:r>
+            <a:r>
+              <a:rPr lang="en-US" dirty="0" err="1" smtClean="0"/>
+              <a:t>với</a:t>
+            </a:r>
+            <a:r>
+              <a:rPr lang="en-US" dirty="0" smtClean="0"/>
+              <a:t> </a:t>
+            </a:r>
+            <a:r>
+              <a:rPr lang="en-US" dirty="0" err="1" smtClean="0"/>
+              <a:t>các</a:t>
+            </a:r>
+            <a:r>
+              <a:rPr lang="en-US" dirty="0" smtClean="0"/>
+              <a:t> </a:t>
+            </a:r>
+            <a:r>
+              <a:rPr lang="en-US" dirty="0" err="1" smtClean="0"/>
+              <a:t>thành</a:t>
+            </a:r>
+            <a:r>
+              <a:rPr lang="en-US" dirty="0" smtClean="0"/>
+              <a:t> </a:t>
+            </a:r>
+            <a:r>
+              <a:rPr lang="en-US" dirty="0" err="1" smtClean="0"/>
+              <a:t>phần</a:t>
+            </a:r>
+            <a:r>
+              <a:rPr lang="en-US" dirty="0" smtClean="0"/>
+              <a:t> </a:t>
+            </a:r>
+            <a:r>
+              <a:rPr lang="en-US" dirty="0" err="1" smtClean="0"/>
+              <a:t>của</a:t>
+            </a:r>
+            <a:r>
+              <a:rPr lang="en-US" dirty="0" smtClean="0"/>
+              <a:t> ELK stack</a:t>
+            </a:r>
+          </a:p>
+          <a:p>
+            <a:pPr>
+              <a:buFontTx/>
+              <a:buChar char="-"/>
+            </a:pPr>
+            <a:r>
+              <a:rPr lang="en-US" dirty="0" err="1" smtClean="0"/>
+              <a:t>Tên</a:t>
+            </a:r>
+            <a:r>
+              <a:rPr lang="en-US" dirty="0" smtClean="0"/>
+              <a:t> </a:t>
+            </a:r>
+            <a:r>
+              <a:rPr lang="en-US" dirty="0" err="1" smtClean="0"/>
+              <a:t>thường</a:t>
+            </a:r>
+            <a:r>
+              <a:rPr lang="en-US" dirty="0" smtClean="0"/>
+              <a:t> </a:t>
+            </a:r>
+            <a:r>
+              <a:rPr lang="en-US" dirty="0" err="1" smtClean="0"/>
+              <a:t>gọi</a:t>
+            </a:r>
+            <a:r>
+              <a:rPr lang="en-US" dirty="0" smtClean="0"/>
+              <a:t>: ELK (</a:t>
+            </a:r>
+            <a:r>
+              <a:rPr lang="en-US" dirty="0" err="1" smtClean="0"/>
+              <a:t>Elasticsearch</a:t>
+            </a:r>
+            <a:r>
+              <a:rPr lang="en-US" dirty="0" smtClean="0"/>
+              <a:t>, </a:t>
+            </a:r>
+            <a:r>
+              <a:rPr lang="en-US" dirty="0" err="1" smtClean="0"/>
+              <a:t>Logstash</a:t>
+            </a:r>
+            <a:r>
+              <a:rPr lang="en-US" dirty="0" smtClean="0"/>
+              <a:t>, </a:t>
+            </a:r>
+            <a:r>
+              <a:rPr lang="en-US" dirty="0" err="1" smtClean="0"/>
+              <a:t>Kibana</a:t>
+            </a:r>
+            <a:r>
+              <a:rPr lang="en-US" smtClean="0"/>
+              <a:t>)</a:t>
+            </a:r>
             <a:endParaRPr lang="en-US" dirty="0"/>
           </a:p>
         </p:txBody>
@@ -4513,6 +5917,13 @@
   <p:clrMapOvr>
     <a:masterClrMapping/>
   </p:clrMapOvr>
+  <p:timing>
+    <p:tnLst>
+      <p:par>
+        <p:cTn id="1" dur="indefinite" restart="never" nodeType="tmRoot"/>
+      </p:par>
+    </p:tnLst>
+  </p:timing>
 </p:sld>
 </file>
 
@@ -4558,31 +5969,31 @@
             <a:pPr algn="l"/>
             <a:r>
               <a:rPr lang="en-US" dirty="0" err="1"/>
-              <a:t>Nguyên</a:t>
-            </a:r>
-            <a:r>
-              <a:rPr lang="en-US" dirty="0"/>
-              <a:t> </a:t>
-            </a:r>
-            <a:r>
-              <a:rPr lang="en-US" dirty="0" err="1"/>
-              <a:t>lý</a:t>
-            </a:r>
-            <a:r>
-              <a:rPr lang="en-US" dirty="0"/>
-              <a:t>, </a:t>
-            </a:r>
-            <a:r>
-              <a:rPr lang="en-US" dirty="0" err="1"/>
-              <a:t>cơ</a:t>
-            </a:r>
-            <a:r>
-              <a:rPr lang="en-US" dirty="0"/>
-              <a:t> </a:t>
-            </a:r>
-            <a:r>
-              <a:rPr lang="en-US" dirty="0" err="1"/>
-              <a:t>chế</a:t>
+              <a:t>Giới</a:t>
+            </a:r>
+            <a:r>
+              <a:rPr lang="en-US" dirty="0"/>
+              <a:t> </a:t>
+            </a:r>
+            <a:r>
+              <a:rPr lang="en-US" dirty="0" err="1"/>
+              <a:t>thiệu</a:t>
+            </a:r>
+            <a:r>
+              <a:rPr lang="en-US" dirty="0"/>
+              <a:t> </a:t>
+            </a:r>
+            <a:r>
+              <a:rPr lang="en-US" dirty="0" err="1"/>
+              <a:t>về</a:t>
+            </a:r>
+            <a:r>
+              <a:rPr lang="en-US" dirty="0"/>
+              <a:t> </a:t>
+            </a:r>
+            <a:r>
+              <a:rPr lang="en-US" dirty="0" err="1"/>
+              <a:t>Logstash</a:t>
             </a:r>
             <a:endParaRPr lang="en-US" dirty="0"/>
           </a:p>
@@ -4605,44 +6016,465 @@
           </a:xfrm>
         </p:spPr>
         <p:txBody>
-          <a:bodyPr/>
+          <a:bodyPr>
+            <a:normAutofit lnSpcReduction="10000"/>
+          </a:bodyPr>
           <a:lstStyle/>
           <a:p>
-            <a:r>
-              <a:rPr lang="en-US" dirty="0"/>
-              <a:t>Make Effective Presentations</a:t>
-            </a:r>
-          </a:p>
-          <a:p>
-            <a:r>
-              <a:rPr lang="en-US" dirty="0"/>
-              <a:t>Using Awesome Backgrounds</a:t>
-            </a:r>
-          </a:p>
-          <a:p>
-            <a:r>
-              <a:rPr lang="en-US" dirty="0"/>
-              <a:t>Engage your Audience</a:t>
-            </a:r>
-          </a:p>
-          <a:p>
-            <a:r>
-              <a:rPr lang="en-US" dirty="0"/>
-              <a:t>Capture Audience Attention</a:t>
-            </a:r>
+            <a:pPr>
+              <a:buFontTx/>
+              <a:buChar char="-"/>
+            </a:pPr>
+            <a:r>
+              <a:rPr lang="en-US" dirty="0" err="1" smtClean="0"/>
+              <a:t>Khái</a:t>
+            </a:r>
+            <a:r>
+              <a:rPr lang="en-US" dirty="0" smtClean="0"/>
+              <a:t> </a:t>
+            </a:r>
+            <a:r>
+              <a:rPr lang="en-US" dirty="0" err="1" smtClean="0"/>
+              <a:t>quát</a:t>
+            </a:r>
+            <a:r>
+              <a:rPr lang="en-US" dirty="0" smtClean="0"/>
+              <a:t>: </a:t>
+            </a:r>
+          </a:p>
+          <a:p>
+            <a:r>
+              <a:rPr lang="en-US" dirty="0" err="1" smtClean="0"/>
+              <a:t>Là</a:t>
+            </a:r>
+            <a:r>
+              <a:rPr lang="en-US" dirty="0" smtClean="0"/>
+              <a:t> </a:t>
+            </a:r>
+            <a:r>
+              <a:rPr lang="en-US" dirty="0" err="1"/>
+              <a:t>một</a:t>
+            </a:r>
+            <a:r>
+              <a:rPr lang="en-US" dirty="0"/>
+              <a:t> </a:t>
+            </a:r>
+            <a:r>
+              <a:rPr lang="en-US" dirty="0" err="1"/>
+              <a:t>công</a:t>
+            </a:r>
+            <a:r>
+              <a:rPr lang="en-US" dirty="0"/>
+              <a:t> </a:t>
+            </a:r>
+            <a:r>
+              <a:rPr lang="en-US" dirty="0" err="1"/>
+              <a:t>cụ</a:t>
+            </a:r>
+            <a:r>
+              <a:rPr lang="en-US" dirty="0"/>
+              <a:t> </a:t>
+            </a:r>
+            <a:r>
+              <a:rPr lang="en-US" dirty="0" err="1"/>
+              <a:t>mã</a:t>
+            </a:r>
+            <a:r>
+              <a:rPr lang="en-US" dirty="0"/>
+              <a:t> </a:t>
+            </a:r>
+            <a:r>
+              <a:rPr lang="en-US" dirty="0" err="1"/>
+              <a:t>nguồn</a:t>
+            </a:r>
+            <a:r>
+              <a:rPr lang="en-US" dirty="0"/>
+              <a:t> </a:t>
+            </a:r>
+            <a:r>
+              <a:rPr lang="en-US" dirty="0" err="1"/>
+              <a:t>mở</a:t>
+            </a:r>
+            <a:r>
+              <a:rPr lang="en-US" dirty="0"/>
+              <a:t> </a:t>
+            </a:r>
+            <a:r>
+              <a:rPr lang="en-US" dirty="0" err="1"/>
+              <a:t>thu</a:t>
+            </a:r>
+            <a:r>
+              <a:rPr lang="en-US" dirty="0"/>
+              <a:t> </a:t>
+            </a:r>
+            <a:r>
+              <a:rPr lang="en-US" dirty="0" err="1"/>
+              <a:t>thập</a:t>
+            </a:r>
+            <a:r>
+              <a:rPr lang="en-US" dirty="0"/>
+              <a:t> </a:t>
+            </a:r>
+            <a:r>
+              <a:rPr lang="en-US" dirty="0" err="1"/>
+              <a:t>dữ</a:t>
+            </a:r>
+            <a:r>
+              <a:rPr lang="en-US" dirty="0"/>
+              <a:t> </a:t>
+            </a:r>
+            <a:r>
+              <a:rPr lang="en-US" dirty="0" err="1"/>
+              <a:t>liệu</a:t>
+            </a:r>
+            <a:r>
+              <a:rPr lang="en-US" dirty="0"/>
+              <a:t> </a:t>
+            </a:r>
+            <a:r>
+              <a:rPr lang="en-US" dirty="0" err="1"/>
+              <a:t>có</a:t>
+            </a:r>
+            <a:r>
+              <a:rPr lang="en-US" dirty="0"/>
+              <a:t> </a:t>
+            </a:r>
+            <a:r>
+              <a:rPr lang="en-US" dirty="0" err="1"/>
+              <a:t>khả</a:t>
+            </a:r>
+            <a:r>
+              <a:rPr lang="en-US" dirty="0"/>
+              <a:t> </a:t>
+            </a:r>
+            <a:r>
+              <a:rPr lang="en-US" dirty="0" err="1"/>
+              <a:t>năng</a:t>
+            </a:r>
+            <a:r>
+              <a:rPr lang="en-US" dirty="0"/>
+              <a:t> </a:t>
+            </a:r>
+            <a:r>
+              <a:rPr lang="en-US" dirty="0" err="1"/>
+              <a:t>liên</a:t>
+            </a:r>
+            <a:r>
+              <a:rPr lang="en-US" dirty="0"/>
+              <a:t> </a:t>
+            </a:r>
+            <a:r>
+              <a:rPr lang="en-US" dirty="0" err="1"/>
+              <a:t>hợp</a:t>
+            </a:r>
+            <a:r>
+              <a:rPr lang="en-US" dirty="0"/>
+              <a:t> </a:t>
+            </a:r>
+            <a:r>
+              <a:rPr lang="en-US" dirty="0" err="1"/>
+              <a:t>theo</a:t>
+            </a:r>
+            <a:r>
+              <a:rPr lang="en-US" dirty="0"/>
+              <a:t> </a:t>
+            </a:r>
+            <a:r>
+              <a:rPr lang="en-US" dirty="0" err="1"/>
+              <a:t>thời</a:t>
+            </a:r>
+            <a:r>
+              <a:rPr lang="en-US" dirty="0"/>
+              <a:t> </a:t>
+            </a:r>
+            <a:r>
+              <a:rPr lang="en-US" dirty="0" err="1"/>
+              <a:t>gian</a:t>
+            </a:r>
+            <a:r>
+              <a:rPr lang="en-US" dirty="0"/>
+              <a:t> </a:t>
+            </a:r>
+            <a:r>
+              <a:rPr lang="en-US" dirty="0" err="1"/>
+              <a:t>thực</a:t>
+            </a:r>
+            <a:endParaRPr lang="en-US" dirty="0" smtClean="0"/>
+          </a:p>
+          <a:p>
+            <a:r>
+              <a:rPr lang="en-US" dirty="0" err="1"/>
+              <a:t>C</a:t>
+            </a:r>
+            <a:r>
+              <a:rPr lang="en-US" dirty="0" err="1" smtClean="0"/>
+              <a:t>ung</a:t>
+            </a:r>
+            <a:r>
+              <a:rPr lang="en-US" dirty="0" smtClean="0"/>
+              <a:t> </a:t>
+            </a:r>
+            <a:r>
+              <a:rPr lang="en-US" dirty="0" err="1"/>
+              <a:t>cấp</a:t>
+            </a:r>
+            <a:r>
+              <a:rPr lang="en-US" dirty="0"/>
+              <a:t> </a:t>
+            </a:r>
+            <a:r>
+              <a:rPr lang="en-US" dirty="0" err="1"/>
+              <a:t>một</a:t>
+            </a:r>
+            <a:r>
+              <a:rPr lang="en-US" dirty="0"/>
+              <a:t> Framework </a:t>
+            </a:r>
+            <a:r>
+              <a:rPr lang="en-US" dirty="0" err="1"/>
+              <a:t>tích</a:t>
+            </a:r>
+            <a:r>
+              <a:rPr lang="en-US" dirty="0"/>
+              <a:t> </a:t>
+            </a:r>
+            <a:r>
+              <a:rPr lang="en-US" dirty="0" err="1"/>
+              <a:t>hợp</a:t>
+            </a:r>
+            <a:r>
+              <a:rPr lang="en-US" dirty="0"/>
+              <a:t> </a:t>
+            </a:r>
+            <a:r>
+              <a:rPr lang="en-US" dirty="0" err="1"/>
+              <a:t>cho</a:t>
+            </a:r>
+            <a:r>
+              <a:rPr lang="en-US" dirty="0"/>
+              <a:t> </a:t>
+            </a:r>
+            <a:r>
+              <a:rPr lang="en-US" dirty="0" err="1"/>
+              <a:t>việc</a:t>
+            </a:r>
+            <a:r>
+              <a:rPr lang="en-US" dirty="0"/>
+              <a:t> </a:t>
+            </a:r>
+            <a:r>
+              <a:rPr lang="en-US" dirty="0" err="1"/>
+              <a:t>thực</a:t>
+            </a:r>
+            <a:r>
+              <a:rPr lang="en-US" dirty="0"/>
+              <a:t> </a:t>
+            </a:r>
+            <a:r>
+              <a:rPr lang="en-US" dirty="0" err="1"/>
+              <a:t>hiện</a:t>
+            </a:r>
+            <a:r>
+              <a:rPr lang="en-US" dirty="0"/>
+              <a:t> </a:t>
+            </a:r>
+            <a:r>
+              <a:rPr lang="en-US" dirty="0" err="1"/>
+              <a:t>các</a:t>
+            </a:r>
+            <a:r>
+              <a:rPr lang="en-US" dirty="0"/>
+              <a:t> </a:t>
+            </a:r>
+            <a:r>
+              <a:rPr lang="en-US" dirty="0" err="1"/>
+              <a:t>công</a:t>
+            </a:r>
+            <a:r>
+              <a:rPr lang="en-US" dirty="0"/>
+              <a:t> </a:t>
+            </a:r>
+            <a:r>
+              <a:rPr lang="en-US" dirty="0" err="1"/>
+              <a:t>việc</a:t>
+            </a:r>
+            <a:r>
+              <a:rPr lang="en-US" dirty="0"/>
+              <a:t> </a:t>
+            </a:r>
+            <a:r>
+              <a:rPr lang="en-US" dirty="0" err="1"/>
+              <a:t>liên</a:t>
+            </a:r>
+            <a:r>
+              <a:rPr lang="en-US" dirty="0"/>
+              <a:t> </a:t>
+            </a:r>
+            <a:r>
+              <a:rPr lang="en-US" dirty="0" err="1"/>
+              <a:t>quan</a:t>
+            </a:r>
+            <a:r>
+              <a:rPr lang="en-US" dirty="0"/>
+              <a:t> </a:t>
+            </a:r>
+            <a:r>
+              <a:rPr lang="en-US" dirty="0" err="1"/>
+              <a:t>đến</a:t>
+            </a:r>
+            <a:r>
+              <a:rPr lang="en-US" dirty="0"/>
+              <a:t> </a:t>
+            </a:r>
+            <a:r>
+              <a:rPr lang="en-US" dirty="0" err="1"/>
+              <a:t>thu</a:t>
+            </a:r>
+            <a:r>
+              <a:rPr lang="en-US" dirty="0"/>
+              <a:t> </a:t>
+            </a:r>
+            <a:r>
+              <a:rPr lang="en-US" dirty="0" err="1"/>
+              <a:t>thập</a:t>
+            </a:r>
+            <a:r>
+              <a:rPr lang="en-US" dirty="0"/>
+              <a:t> log, </a:t>
+            </a:r>
+            <a:r>
+              <a:rPr lang="en-US" dirty="0" err="1"/>
+              <a:t>tập</a:t>
+            </a:r>
+            <a:r>
+              <a:rPr lang="en-US" dirty="0"/>
+              <a:t> </a:t>
+            </a:r>
+            <a:r>
+              <a:rPr lang="en-US" dirty="0" err="1"/>
+              <a:t>trung</a:t>
+            </a:r>
+            <a:r>
+              <a:rPr lang="en-US" dirty="0"/>
+              <a:t> log, </a:t>
+            </a:r>
+            <a:r>
+              <a:rPr lang="en-US" dirty="0" err="1"/>
+              <a:t>phân</a:t>
+            </a:r>
+            <a:r>
+              <a:rPr lang="en-US" dirty="0"/>
+              <a:t> </a:t>
+            </a:r>
+            <a:r>
+              <a:rPr lang="en-US" dirty="0" err="1"/>
+              <a:t>tích</a:t>
+            </a:r>
+            <a:r>
+              <a:rPr lang="en-US" dirty="0"/>
+              <a:t> </a:t>
+            </a:r>
+            <a:r>
+              <a:rPr lang="en-US" dirty="0" err="1"/>
+              <a:t>các</a:t>
+            </a:r>
+            <a:r>
+              <a:rPr lang="en-US" dirty="0"/>
+              <a:t> </a:t>
+            </a:r>
+            <a:r>
+              <a:rPr lang="en-US" dirty="0" err="1"/>
+              <a:t>thành</a:t>
+            </a:r>
+            <a:r>
+              <a:rPr lang="en-US" dirty="0"/>
+              <a:t> </a:t>
+            </a:r>
+            <a:r>
+              <a:rPr lang="en-US" dirty="0" err="1"/>
+              <a:t>phần</a:t>
+            </a:r>
+            <a:r>
+              <a:rPr lang="en-US" dirty="0"/>
+              <a:t> </a:t>
+            </a:r>
+            <a:r>
+              <a:rPr lang="en-US" dirty="0" err="1"/>
+              <a:t>trong</a:t>
+            </a:r>
+            <a:r>
+              <a:rPr lang="en-US" dirty="0"/>
+              <a:t> log, </a:t>
+            </a:r>
+            <a:r>
+              <a:rPr lang="en-US" dirty="0" err="1"/>
+              <a:t>lưu</a:t>
+            </a:r>
+            <a:r>
+              <a:rPr lang="en-US" dirty="0"/>
+              <a:t> </a:t>
+            </a:r>
+            <a:r>
+              <a:rPr lang="en-US" dirty="0" err="1"/>
+              <a:t>trữ</a:t>
+            </a:r>
+            <a:r>
+              <a:rPr lang="en-US" dirty="0"/>
+              <a:t> log, </a:t>
+            </a:r>
+            <a:r>
+              <a:rPr lang="en-US" dirty="0" err="1"/>
+              <a:t>và</a:t>
+            </a:r>
+            <a:r>
+              <a:rPr lang="en-US" dirty="0"/>
+              <a:t> </a:t>
+            </a:r>
+            <a:r>
+              <a:rPr lang="en-US" dirty="0" err="1"/>
+              <a:t>tìm</a:t>
+            </a:r>
+            <a:r>
+              <a:rPr lang="en-US" dirty="0"/>
+              <a:t> </a:t>
+            </a:r>
+            <a:r>
+              <a:rPr lang="en-US" dirty="0" err="1"/>
+              <a:t>kiếm</a:t>
+            </a:r>
+            <a:r>
+              <a:rPr lang="en-US" dirty="0"/>
+              <a:t> </a:t>
+            </a:r>
+            <a:r>
+              <a:rPr lang="en-US" dirty="0" err="1"/>
+              <a:t>trong</a:t>
+            </a:r>
+            <a:r>
+              <a:rPr lang="en-US" dirty="0"/>
+              <a:t> log.</a:t>
+            </a:r>
+            <a:endParaRPr lang="en-US" dirty="0" smtClean="0"/>
           </a:p>
         </p:txBody>
       </p:sp>
     </p:spTree>
     <p:extLst>
       <p:ext uri="{BB962C8B-B14F-4D97-AF65-F5344CB8AC3E}">
-        <p14:creationId xmlns:p14="http://schemas.microsoft.com/office/powerpoint/2010/main" val="1101633878"/>
+        <p14:creationId xmlns:p14="http://schemas.microsoft.com/office/powerpoint/2010/main" val="899253060"/>
       </p:ext>
     </p:extLst>
   </p:cSld>
   <p:clrMapOvr>
     <a:masterClrMapping/>
   </p:clrMapOvr>
+  <p:timing>
+    <p:tnLst>
+      <p:par>
+        <p:cTn id="1" dur="indefinite" restart="never" nodeType="tmRoot"/>
+      </p:par>
+    </p:tnLst>
+  </p:timing>
 </p:sld>
 </file>
 
@@ -4675,8 +6507,8 @@
         </p:nvSpPr>
         <p:spPr>
           <a:xfrm>
-            <a:off x="601670" y="891995"/>
-            <a:ext cx="8093365" cy="763525"/>
+            <a:off x="448964" y="281175"/>
+            <a:ext cx="6566316" cy="763525"/>
           </a:xfrm>
         </p:spPr>
         <p:txBody>
@@ -4685,155 +6517,416 @@
           </a:bodyPr>
           <a:lstStyle/>
           <a:p>
-            <a:r>
-              <a:rPr lang="en-US" dirty="0"/>
-              <a:t>Slide Title</a:t>
-            </a:r>
-          </a:p>
-        </p:txBody>
-      </p:sp>
-      <p:sp>
-        <p:nvSpPr>
-          <p:cNvPr id="5" name="Text Placeholder 4"/>
-          <p:cNvSpPr>
-            <a:spLocks noGrp="1"/>
-          </p:cNvSpPr>
-          <p:nvPr>
-            <p:ph type="body" idx="1"/>
+            <a:pPr algn="l"/>
+            <a:r>
+              <a:rPr lang="en-US" dirty="0" err="1" smtClean="0"/>
+              <a:t>Giới</a:t>
+            </a:r>
+            <a:r>
+              <a:rPr lang="en-US" dirty="0" smtClean="0"/>
+              <a:t> </a:t>
+            </a:r>
+            <a:r>
+              <a:rPr lang="en-US" dirty="0" err="1" smtClean="0"/>
+              <a:t>thiệu</a:t>
+            </a:r>
+            <a:r>
+              <a:rPr lang="en-US" dirty="0" smtClean="0"/>
+              <a:t> </a:t>
+            </a:r>
+            <a:r>
+              <a:rPr lang="en-US" dirty="0" err="1" smtClean="0"/>
+              <a:t>về</a:t>
+            </a:r>
+            <a:r>
+              <a:rPr lang="en-US" dirty="0" smtClean="0"/>
+              <a:t> </a:t>
+            </a:r>
+            <a:r>
+              <a:rPr lang="en-US" dirty="0" err="1" smtClean="0"/>
+              <a:t>Logstash</a:t>
+            </a:r>
+            <a:endParaRPr lang="en-US" dirty="0"/>
+          </a:p>
+        </p:txBody>
+      </p:sp>
+      <p:sp>
+        <p:nvSpPr>
+          <p:cNvPr id="5" name="Content Placeholder 4"/>
+          <p:cNvSpPr>
+            <a:spLocks noGrp="1"/>
+          </p:cNvSpPr>
+          <p:nvPr>
+            <p:ph idx="1"/>
           </p:nvPr>
         </p:nvSpPr>
         <p:spPr>
           <a:xfrm>
-            <a:off x="536880" y="1960930"/>
-            <a:ext cx="4040188" cy="479822"/>
+            <a:off x="448965" y="1044699"/>
+            <a:ext cx="6566315" cy="3970331"/>
           </a:xfrm>
         </p:spPr>
         <p:txBody>
-          <a:bodyPr/>
+          <a:bodyPr>
+            <a:normAutofit/>
+          </a:bodyPr>
           <a:lstStyle/>
           <a:p>
-            <a:r>
-              <a:rPr lang="en-US" dirty="0"/>
-              <a:t>Product A</a:t>
-            </a:r>
-          </a:p>
-        </p:txBody>
-      </p:sp>
-      <p:sp>
-        <p:nvSpPr>
-          <p:cNvPr id="6" name="Content Placeholder 5"/>
-          <p:cNvSpPr>
-            <a:spLocks noGrp="1"/>
-          </p:cNvSpPr>
-          <p:nvPr>
-            <p:ph sz="half" idx="2"/>
-          </p:nvPr>
-        </p:nvSpPr>
-        <p:spPr>
-          <a:xfrm>
-            <a:off x="536880" y="2433327"/>
-            <a:ext cx="4040188" cy="2276294"/>
-          </a:xfrm>
-        </p:spPr>
-        <p:txBody>
-          <a:bodyPr/>
-          <a:lstStyle/>
-          <a:p>
-            <a:r>
-              <a:rPr lang="en-US" dirty="0"/>
-              <a:t>Feature 1</a:t>
-            </a:r>
-          </a:p>
-          <a:p>
-            <a:r>
-              <a:rPr lang="en-US" dirty="0"/>
-              <a:t>Feature 2</a:t>
-            </a:r>
-          </a:p>
-          <a:p>
-            <a:r>
-              <a:rPr lang="en-US" dirty="0"/>
-              <a:t>Feature 3</a:t>
-            </a:r>
-          </a:p>
-        </p:txBody>
-      </p:sp>
-      <p:sp>
-        <p:nvSpPr>
-          <p:cNvPr id="7" name="Text Placeholder 6"/>
-          <p:cNvSpPr>
-            <a:spLocks noGrp="1"/>
-          </p:cNvSpPr>
-          <p:nvPr>
-            <p:ph type="body" sz="quarter" idx="3"/>
-          </p:nvPr>
-        </p:nvSpPr>
-        <p:spPr>
-          <a:xfrm>
-            <a:off x="4572001" y="1960930"/>
-            <a:ext cx="4041775" cy="479822"/>
-          </a:xfrm>
-        </p:spPr>
-        <p:txBody>
-          <a:bodyPr/>
-          <a:lstStyle/>
-          <a:p>
-            <a:r>
-              <a:rPr lang="en-US"/>
-              <a:t>Product B</a:t>
-            </a:r>
-          </a:p>
-        </p:txBody>
-      </p:sp>
-      <p:sp>
-        <p:nvSpPr>
-          <p:cNvPr id="8" name="Content Placeholder 7"/>
-          <p:cNvSpPr>
-            <a:spLocks noGrp="1"/>
-          </p:cNvSpPr>
-          <p:nvPr>
-            <p:ph sz="quarter" idx="4"/>
-          </p:nvPr>
-        </p:nvSpPr>
-        <p:spPr>
-          <a:xfrm>
-            <a:off x="4572001" y="2433327"/>
-            <a:ext cx="4041775" cy="2276294"/>
-          </a:xfrm>
-        </p:spPr>
-        <p:txBody>
-          <a:bodyPr/>
-          <a:lstStyle/>
-          <a:p>
-            <a:r>
-              <a:rPr lang="en-US"/>
-              <a:t>Feature 1</a:t>
-            </a:r>
-          </a:p>
-          <a:p>
-            <a:r>
-              <a:rPr lang="en-US"/>
-              <a:t>Feature 2</a:t>
-            </a:r>
-          </a:p>
-          <a:p>
-            <a:r>
-              <a:rPr lang="en-US"/>
-              <a:t>Feature 3</a:t>
-            </a:r>
+            <a:pPr>
+              <a:buFontTx/>
+              <a:buChar char="-"/>
+            </a:pPr>
+            <a:r>
+              <a:rPr lang="en-US" dirty="0" err="1" smtClean="0"/>
+              <a:t>Thích</a:t>
+            </a:r>
+            <a:r>
+              <a:rPr lang="en-US" dirty="0" smtClean="0"/>
+              <a:t> </a:t>
+            </a:r>
+            <a:r>
+              <a:rPr lang="en-US" dirty="0" err="1" smtClean="0"/>
+              <a:t>hợp</a:t>
+            </a:r>
+            <a:r>
+              <a:rPr lang="en-US" dirty="0" smtClean="0"/>
+              <a:t> </a:t>
+            </a:r>
+            <a:r>
+              <a:rPr lang="en-US" dirty="0" err="1" smtClean="0"/>
+              <a:t>với</a:t>
+            </a:r>
+            <a:r>
+              <a:rPr lang="en-US" dirty="0" smtClean="0"/>
+              <a:t> </a:t>
+            </a:r>
+            <a:r>
+              <a:rPr lang="en-US" dirty="0" err="1" smtClean="0"/>
+              <a:t>những</a:t>
+            </a:r>
+            <a:r>
+              <a:rPr lang="en-US" dirty="0" smtClean="0"/>
+              <a:t> </a:t>
+            </a:r>
+            <a:r>
+              <a:rPr lang="en-US" dirty="0" err="1" smtClean="0"/>
+              <a:t>ứng</a:t>
+            </a:r>
+            <a:r>
+              <a:rPr lang="en-US" dirty="0" smtClean="0"/>
+              <a:t> </a:t>
+            </a:r>
+            <a:r>
+              <a:rPr lang="en-US" dirty="0" err="1" smtClean="0"/>
+              <a:t>dụng</a:t>
+            </a:r>
+            <a:r>
+              <a:rPr lang="en-US" dirty="0" smtClean="0"/>
+              <a:t>:</a:t>
+            </a:r>
+          </a:p>
+          <a:p>
+            <a:r>
+              <a:rPr lang="en-US" dirty="0" err="1" smtClean="0"/>
+              <a:t>Cần</a:t>
+            </a:r>
+            <a:r>
+              <a:rPr lang="en-US" dirty="0" smtClean="0"/>
+              <a:t> </a:t>
+            </a:r>
+            <a:r>
+              <a:rPr lang="en-US" dirty="0" err="1" smtClean="0"/>
+              <a:t>theo</a:t>
+            </a:r>
+            <a:r>
+              <a:rPr lang="en-US" dirty="0" smtClean="0"/>
+              <a:t> </a:t>
+            </a:r>
+            <a:r>
+              <a:rPr lang="en-US" dirty="0" err="1" smtClean="0"/>
+              <a:t>dõi</a:t>
+            </a:r>
+            <a:r>
+              <a:rPr lang="en-US" dirty="0" smtClean="0"/>
+              <a:t> </a:t>
+            </a:r>
+            <a:r>
+              <a:rPr lang="en-US" dirty="0" err="1" smtClean="0"/>
+              <a:t>thường</a:t>
+            </a:r>
+            <a:r>
+              <a:rPr lang="en-US" dirty="0" smtClean="0"/>
+              <a:t> </a:t>
+            </a:r>
+            <a:r>
+              <a:rPr lang="en-US" dirty="0" err="1" smtClean="0"/>
+              <a:t>xuyên</a:t>
+            </a:r>
+            <a:r>
+              <a:rPr lang="en-US" dirty="0" smtClean="0"/>
+              <a:t> </a:t>
+            </a:r>
+            <a:r>
+              <a:rPr lang="en-US" dirty="0" err="1" smtClean="0"/>
+              <a:t>các</a:t>
+            </a:r>
+            <a:r>
+              <a:rPr lang="en-US" dirty="0" smtClean="0"/>
+              <a:t> </a:t>
+            </a:r>
+            <a:r>
+              <a:rPr lang="en-US" dirty="0" err="1" smtClean="0"/>
+              <a:t>hoạt</a:t>
+            </a:r>
+            <a:r>
+              <a:rPr lang="en-US" dirty="0" smtClean="0"/>
+              <a:t> </a:t>
+            </a:r>
+            <a:r>
+              <a:rPr lang="en-US" dirty="0" err="1" smtClean="0"/>
+              <a:t>động</a:t>
+            </a:r>
+            <a:r>
+              <a:rPr lang="en-US" dirty="0" smtClean="0"/>
+              <a:t> </a:t>
+            </a:r>
+            <a:r>
+              <a:rPr lang="en-US" dirty="0" err="1" smtClean="0"/>
+              <a:t>của</a:t>
+            </a:r>
+            <a:r>
+              <a:rPr lang="en-US" dirty="0" smtClean="0"/>
+              <a:t> </a:t>
+            </a:r>
+            <a:r>
+              <a:rPr lang="en-US" dirty="0" err="1" smtClean="0"/>
+              <a:t>hệ</a:t>
+            </a:r>
+            <a:r>
+              <a:rPr lang="en-US" dirty="0" smtClean="0"/>
+              <a:t> </a:t>
+            </a:r>
+            <a:r>
+              <a:rPr lang="en-US" dirty="0" err="1" smtClean="0"/>
+              <a:t>thống</a:t>
+            </a:r>
+            <a:r>
+              <a:rPr lang="en-US" dirty="0" smtClean="0"/>
+              <a:t>.</a:t>
+            </a:r>
+          </a:p>
+          <a:p>
+            <a:r>
+              <a:rPr lang="en-US" dirty="0" err="1" smtClean="0"/>
+              <a:t>Cần</a:t>
+            </a:r>
+            <a:r>
+              <a:rPr lang="en-US" dirty="0" smtClean="0"/>
+              <a:t> </a:t>
+            </a:r>
+            <a:r>
+              <a:rPr lang="en-US" dirty="0" err="1" smtClean="0"/>
+              <a:t>phân</a:t>
+            </a:r>
+            <a:r>
+              <a:rPr lang="en-US" dirty="0" smtClean="0"/>
+              <a:t> </a:t>
+            </a:r>
+            <a:r>
+              <a:rPr lang="en-US" dirty="0" err="1" smtClean="0"/>
+              <a:t>tích</a:t>
+            </a:r>
+            <a:r>
+              <a:rPr lang="en-US" dirty="0" smtClean="0"/>
+              <a:t> LOG </a:t>
+            </a:r>
+            <a:r>
+              <a:rPr lang="en-US" dirty="0" err="1" smtClean="0"/>
+              <a:t>để</a:t>
+            </a:r>
+            <a:r>
+              <a:rPr lang="en-US" dirty="0" smtClean="0"/>
+              <a:t> </a:t>
+            </a:r>
+            <a:r>
+              <a:rPr lang="en-US" dirty="0" err="1" smtClean="0"/>
+              <a:t>khắc</a:t>
+            </a:r>
+            <a:r>
+              <a:rPr lang="en-US" dirty="0" smtClean="0"/>
+              <a:t> </a:t>
+            </a:r>
+            <a:r>
+              <a:rPr lang="en-US" dirty="0" err="1" smtClean="0"/>
+              <a:t>phục</a:t>
+            </a:r>
+            <a:r>
+              <a:rPr lang="en-US" dirty="0" smtClean="0"/>
+              <a:t> </a:t>
+            </a:r>
+            <a:r>
+              <a:rPr lang="en-US" dirty="0" err="1" smtClean="0"/>
+              <a:t>sự</a:t>
+            </a:r>
+            <a:r>
+              <a:rPr lang="en-US" dirty="0" smtClean="0"/>
+              <a:t> </a:t>
+            </a:r>
+            <a:r>
+              <a:rPr lang="en-US" dirty="0" err="1" smtClean="0"/>
+              <a:t>cố</a:t>
+            </a:r>
+            <a:r>
+              <a:rPr lang="en-US" dirty="0" smtClean="0"/>
+              <a:t>.</a:t>
+            </a:r>
+          </a:p>
+          <a:p>
+            <a:r>
+              <a:rPr lang="en-US" dirty="0" err="1" smtClean="0"/>
+              <a:t>Sử</a:t>
+            </a:r>
+            <a:r>
+              <a:rPr lang="en-US" dirty="0" smtClean="0"/>
+              <a:t> </a:t>
+            </a:r>
+            <a:r>
+              <a:rPr lang="en-US" dirty="0" err="1" smtClean="0"/>
+              <a:t>dụng</a:t>
+            </a:r>
+            <a:r>
+              <a:rPr lang="en-US" dirty="0" smtClean="0"/>
+              <a:t> LOG </a:t>
+            </a:r>
+            <a:r>
+              <a:rPr lang="en-US" dirty="0" err="1" smtClean="0"/>
+              <a:t>để</a:t>
+            </a:r>
+            <a:r>
+              <a:rPr lang="en-US" dirty="0" smtClean="0"/>
+              <a:t> </a:t>
+            </a:r>
+            <a:r>
+              <a:rPr lang="en-US" dirty="0" err="1" smtClean="0"/>
+              <a:t>nghiên</a:t>
+            </a:r>
+            <a:r>
+              <a:rPr lang="en-US" dirty="0" smtClean="0"/>
+              <a:t> </a:t>
+            </a:r>
+            <a:r>
+              <a:rPr lang="en-US" dirty="0" err="1" smtClean="0"/>
+              <a:t>cứu</a:t>
+            </a:r>
+            <a:r>
+              <a:rPr lang="en-US" dirty="0" smtClean="0"/>
+              <a:t>, </a:t>
+            </a:r>
+            <a:r>
+              <a:rPr lang="en-US" dirty="0" err="1" smtClean="0"/>
+              <a:t>phát</a:t>
+            </a:r>
+            <a:r>
+              <a:rPr lang="en-US" dirty="0" smtClean="0"/>
+              <a:t> </a:t>
+            </a:r>
+            <a:r>
+              <a:rPr lang="en-US" dirty="0" err="1" smtClean="0"/>
+              <a:t>hiện</a:t>
+            </a:r>
+            <a:r>
+              <a:rPr lang="en-US" dirty="0" smtClean="0"/>
+              <a:t> </a:t>
+            </a:r>
+            <a:r>
+              <a:rPr lang="en-US" dirty="0" err="1" smtClean="0"/>
+              <a:t>và</a:t>
+            </a:r>
+            <a:r>
+              <a:rPr lang="en-US" dirty="0" smtClean="0"/>
+              <a:t> </a:t>
+            </a:r>
+            <a:r>
+              <a:rPr lang="en-US" dirty="0" err="1" smtClean="0"/>
+              <a:t>dự</a:t>
+            </a:r>
+            <a:r>
+              <a:rPr lang="en-US" dirty="0" smtClean="0"/>
+              <a:t> </a:t>
+            </a:r>
+            <a:r>
+              <a:rPr lang="en-US" dirty="0" err="1" smtClean="0"/>
+              <a:t>đoán</a:t>
+            </a:r>
+            <a:r>
+              <a:rPr lang="en-US" dirty="0" smtClean="0"/>
+              <a:t> </a:t>
+            </a:r>
+            <a:r>
+              <a:rPr lang="en-US" dirty="0" err="1" smtClean="0"/>
+              <a:t>vấn</a:t>
+            </a:r>
+            <a:r>
+              <a:rPr lang="en-US" dirty="0" smtClean="0"/>
+              <a:t> </a:t>
+            </a:r>
+            <a:r>
+              <a:rPr lang="en-US" dirty="0" err="1" smtClean="0"/>
+              <a:t>đề</a:t>
+            </a:r>
+            <a:r>
+              <a:rPr lang="en-US" dirty="0" smtClean="0"/>
+              <a:t> </a:t>
+            </a:r>
+            <a:r>
+              <a:rPr lang="en-US" dirty="0" err="1" smtClean="0"/>
+              <a:t>có</a:t>
+            </a:r>
+            <a:r>
+              <a:rPr lang="en-US" dirty="0" smtClean="0"/>
+              <a:t> </a:t>
+            </a:r>
+            <a:r>
+              <a:rPr lang="en-US" dirty="0" err="1" smtClean="0"/>
+              <a:t>thể</a:t>
+            </a:r>
+            <a:r>
+              <a:rPr lang="en-US" dirty="0" smtClean="0"/>
+              <a:t> </a:t>
+            </a:r>
+            <a:r>
+              <a:rPr lang="en-US" dirty="0" err="1" smtClean="0"/>
+              <a:t>xảy</a:t>
+            </a:r>
+            <a:r>
+              <a:rPr lang="en-US" dirty="0" smtClean="0"/>
+              <a:t> </a:t>
+            </a:r>
+            <a:r>
+              <a:rPr lang="en-US" dirty="0" err="1" smtClean="0"/>
+              <a:t>ra.</a:t>
+            </a:r>
+            <a:endParaRPr lang="en-US" dirty="0" smtClean="0"/>
           </a:p>
         </p:txBody>
       </p:sp>
     </p:spTree>
     <p:extLst>
       <p:ext uri="{BB962C8B-B14F-4D97-AF65-F5344CB8AC3E}">
-        <p14:creationId xmlns:p14="http://schemas.microsoft.com/office/powerpoint/2010/main" val="4170783713"/>
+        <p14:creationId xmlns:p14="http://schemas.microsoft.com/office/powerpoint/2010/main" val="3136898403"/>
       </p:ext>
     </p:extLst>
   </p:cSld>
   <p:clrMapOvr>
     <a:masterClrMapping/>
   </p:clrMapOvr>
+  <p:timing>
+    <p:tnLst>
+      <p:par>
+        <p:cTn id="1" dur="indefinite" restart="never" nodeType="tmRoot"/>
+      </p:par>
+    </p:tnLst>
+  </p:timing>
 </p:sld>
 </file>
 
@@ -4854,73 +6947,165 @@
           <a:chExt cx="0" cy="0"/>
         </a:xfrm>
       </p:grpSpPr>
-      <p:pic>
-        <p:nvPicPr>
-          <p:cNvPr id="3" name="Picture 2" descr="E:\websites\free-power-point-templates\2012\logos.png"/>
-          <p:cNvPicPr>
-            <a:picLocks noChangeAspect="1" noChangeArrowheads="1"/>
-          </p:cNvPicPr>
-          <p:nvPr/>
-        </p:nvPicPr>
-        <p:blipFill>
-          <a:blip r:embed="rId3">
-            <a:extLst>
-              <a:ext uri="{28A0092B-C50C-407E-A947-70E740481C1C}">
-                <a14:useLocalDpi xmlns:a14="http://schemas.microsoft.com/office/drawing/2010/main" val="0"/>
-              </a:ext>
-            </a:extLst>
-          </a:blip>
-          <a:stretch>
-            <a:fillRect/>
-          </a:stretch>
-        </p:blipFill>
-        <p:spPr bwMode="auto">
+      <p:sp>
+        <p:nvSpPr>
+          <p:cNvPr id="4" name="Title 3"/>
+          <p:cNvSpPr>
+            <a:spLocks noGrp="1"/>
+          </p:cNvSpPr>
+          <p:nvPr>
+            <p:ph type="title"/>
+          </p:nvPr>
+        </p:nvSpPr>
+        <p:spPr>
           <a:xfrm>
-            <a:off x="3918306" y="2326213"/>
-            <a:ext cx="1463784" cy="526961"/>
+            <a:off x="448964" y="281175"/>
+            <a:ext cx="6566316" cy="763525"/>
           </a:xfrm>
-          <a:prstGeom prst="rect">
-            <a:avLst/>
-          </a:prstGeom>
-          <a:noFill/>
-          <a:ln>
-            <a:noFill/>
-          </a:ln>
-          <a:extLst>
-            <a:ext uri="{909E8E84-426E-40DD-AFC4-6F175D3DCCD1}">
-              <a14:hiddenFill xmlns:a14="http://schemas.microsoft.com/office/drawing/2010/main">
-                <a:solidFill>
-                  <a:srgbClr val="FFFFFF"/>
-                </a:solidFill>
-              </a14:hiddenFill>
-            </a:ext>
-          </a:extLst>
         </p:spPr>
-      </p:pic>
+        <p:txBody>
+          <a:bodyPr>
+            <a:normAutofit/>
+          </a:bodyPr>
+          <a:lstStyle/>
+          <a:p>
+            <a:pPr algn="l"/>
+            <a:r>
+              <a:rPr lang="en-US" dirty="0" err="1" smtClean="0"/>
+              <a:t>Giới</a:t>
+            </a:r>
+            <a:r>
+              <a:rPr lang="en-US" dirty="0" smtClean="0"/>
+              <a:t> </a:t>
+            </a:r>
+            <a:r>
+              <a:rPr lang="en-US" dirty="0" err="1" smtClean="0"/>
+              <a:t>thiệu</a:t>
+            </a:r>
+            <a:r>
+              <a:rPr lang="en-US" dirty="0" smtClean="0"/>
+              <a:t> </a:t>
+            </a:r>
+            <a:r>
+              <a:rPr lang="en-US" dirty="0" err="1" smtClean="0"/>
+              <a:t>về</a:t>
+            </a:r>
+            <a:r>
+              <a:rPr lang="en-US" dirty="0" smtClean="0"/>
+              <a:t> </a:t>
+            </a:r>
+            <a:r>
+              <a:rPr lang="en-US" dirty="0" err="1" smtClean="0"/>
+              <a:t>Logstash</a:t>
+            </a:r>
+            <a:endParaRPr lang="en-US" dirty="0"/>
+          </a:p>
+        </p:txBody>
+      </p:sp>
+      <p:sp>
+        <p:nvSpPr>
+          <p:cNvPr id="5" name="Content Placeholder 4"/>
+          <p:cNvSpPr>
+            <a:spLocks noGrp="1"/>
+          </p:cNvSpPr>
+          <p:nvPr>
+            <p:ph idx="1"/>
+          </p:nvPr>
+        </p:nvSpPr>
+        <p:spPr>
+          <a:xfrm>
+            <a:off x="448965" y="1044699"/>
+            <a:ext cx="6566315" cy="3970331"/>
+          </a:xfrm>
+        </p:spPr>
+        <p:txBody>
+          <a:bodyPr>
+            <a:normAutofit/>
+          </a:bodyPr>
+          <a:lstStyle/>
+          <a:p>
+            <a:pPr>
+              <a:buFontTx/>
+              <a:buChar char="-"/>
+            </a:pPr>
+            <a:r>
+              <a:rPr lang="en-US" dirty="0" err="1" smtClean="0"/>
+              <a:t>Cài</a:t>
+            </a:r>
+            <a:r>
+              <a:rPr lang="en-US" dirty="0" smtClean="0"/>
+              <a:t> </a:t>
+            </a:r>
+            <a:r>
+              <a:rPr lang="en-US" dirty="0" err="1" smtClean="0"/>
+              <a:t>đặt</a:t>
+            </a:r>
+            <a:r>
+              <a:rPr lang="en-US" dirty="0" smtClean="0"/>
+              <a:t>:</a:t>
+            </a:r>
+          </a:p>
+          <a:p>
+            <a:r>
+              <a:rPr lang="en-US" dirty="0" smtClean="0"/>
+              <a:t>Java.</a:t>
+            </a:r>
+          </a:p>
+          <a:p>
+            <a:r>
+              <a:rPr lang="en-US" dirty="0" err="1" smtClean="0"/>
+              <a:t>Logstash</a:t>
+            </a:r>
+            <a:r>
+              <a:rPr lang="en-US" dirty="0" smtClean="0"/>
+              <a:t>.</a:t>
+            </a:r>
+          </a:p>
+          <a:p>
+            <a:r>
+              <a:rPr lang="en-US" dirty="0" err="1"/>
+              <a:t>Elasticsearch</a:t>
+            </a:r>
+            <a:r>
+              <a:rPr lang="en-US" dirty="0" smtClean="0"/>
+              <a:t>.</a:t>
+            </a:r>
+          </a:p>
+          <a:p>
+            <a:r>
+              <a:rPr lang="en-US" dirty="0" err="1" smtClean="0"/>
+              <a:t>Kibana</a:t>
+            </a:r>
+            <a:endParaRPr lang="en-US" dirty="0" smtClean="0"/>
+          </a:p>
+          <a:p>
+            <a:endParaRPr lang="en-US" dirty="0" smtClean="0"/>
+          </a:p>
+        </p:txBody>
+      </p:sp>
     </p:spTree>
     <p:extLst>
       <p:ext uri="{BB962C8B-B14F-4D97-AF65-F5344CB8AC3E}">
-        <p14:creationId xmlns:p14="http://schemas.microsoft.com/office/powerpoint/2010/main" val="109100692"/>
+        <p14:creationId xmlns:p14="http://schemas.microsoft.com/office/powerpoint/2010/main" val="1555383438"/>
       </p:ext>
     </p:extLst>
   </p:cSld>
   <p:clrMapOvr>
     <a:masterClrMapping/>
   </p:clrMapOvr>
+  <p:timing>
+    <p:tnLst>
+      <p:par>
+        <p:cTn id="1" dur="indefinite" restart="never" nodeType="tmRoot"/>
+      </p:par>
+    </p:tnLst>
+  </p:timing>
 </p:sld>
 </file>
 
 <file path=ppt/slides/slide7.xml><?xml version="1.0" encoding="utf-8"?>
 <p:sld xmlns:a="http://schemas.openxmlformats.org/drawingml/2006/main" xmlns:r="http://schemas.openxmlformats.org/officeDocument/2006/relationships" xmlns:p="http://schemas.openxmlformats.org/presentationml/2006/main">
   <p:cSld>
-    <p:bg>
-      <p:bgPr>
-        <a:solidFill>
-          <a:schemeClr val="bg1"/>
-        </a:solidFill>
-        <a:effectLst/>
-      </p:bgPr>
-    </p:bg>
     <p:spTree>
       <p:nvGrpSpPr>
         <p:cNvPr id="1" name=""/>
@@ -4935,15 +7120,158 @@
           <a:chExt cx="0" cy="0"/>
         </a:xfrm>
       </p:grpSpPr>
+      <p:sp>
+        <p:nvSpPr>
+          <p:cNvPr id="4" name="Title 3"/>
+          <p:cNvSpPr>
+            <a:spLocks noGrp="1"/>
+          </p:cNvSpPr>
+          <p:nvPr>
+            <p:ph type="title"/>
+          </p:nvPr>
+        </p:nvSpPr>
+        <p:spPr>
+          <a:xfrm>
+            <a:off x="448964" y="281175"/>
+            <a:ext cx="6566316" cy="763525"/>
+          </a:xfrm>
+        </p:spPr>
+        <p:txBody>
+          <a:bodyPr>
+            <a:normAutofit/>
+          </a:bodyPr>
+          <a:lstStyle/>
+          <a:p>
+            <a:pPr algn="l"/>
+            <a:r>
+              <a:rPr lang="en-US" dirty="0" err="1" smtClean="0"/>
+              <a:t>Thành</a:t>
+            </a:r>
+            <a:r>
+              <a:rPr lang="en-US" dirty="0" smtClean="0"/>
+              <a:t> </a:t>
+            </a:r>
+            <a:r>
+              <a:rPr lang="en-US" dirty="0" err="1" smtClean="0"/>
+              <a:t>phần</a:t>
+            </a:r>
+            <a:r>
+              <a:rPr lang="en-US" dirty="0" smtClean="0"/>
+              <a:t>, </a:t>
+            </a:r>
+            <a:r>
+              <a:rPr lang="en-US" dirty="0" err="1" smtClean="0"/>
+              <a:t>kiến</a:t>
+            </a:r>
+            <a:r>
+              <a:rPr lang="en-US" dirty="0" smtClean="0"/>
+              <a:t> </a:t>
+            </a:r>
+            <a:r>
+              <a:rPr lang="en-US" dirty="0" err="1" smtClean="0"/>
+              <a:t>trúc</a:t>
+            </a:r>
+            <a:endParaRPr lang="en-US" dirty="0"/>
+          </a:p>
+        </p:txBody>
+      </p:sp>
+      <p:sp>
+        <p:nvSpPr>
+          <p:cNvPr id="5" name="Content Placeholder 4"/>
+          <p:cNvSpPr>
+            <a:spLocks noGrp="1"/>
+          </p:cNvSpPr>
+          <p:nvPr>
+            <p:ph idx="1"/>
+          </p:nvPr>
+        </p:nvSpPr>
+        <p:spPr>
+          <a:xfrm>
+            <a:off x="448965" y="1044699"/>
+            <a:ext cx="6566315" cy="3970331"/>
+          </a:xfrm>
+        </p:spPr>
+        <p:txBody>
+          <a:bodyPr>
+            <a:normAutofit/>
+          </a:bodyPr>
+          <a:lstStyle/>
+          <a:p>
+            <a:pPr marL="0" indent="0">
+              <a:buNone/>
+            </a:pPr>
+            <a:endParaRPr lang="en-US" dirty="0" smtClean="0"/>
+          </a:p>
+          <a:p>
+            <a:endParaRPr lang="en-US" dirty="0" smtClean="0"/>
+          </a:p>
+          <a:p>
+            <a:pPr>
+              <a:buFontTx/>
+              <a:buChar char="-"/>
+            </a:pPr>
+            <a:endParaRPr lang="en-US" dirty="0" smtClean="0"/>
+          </a:p>
+          <a:p>
+            <a:pPr>
+              <a:buFontTx/>
+              <a:buChar char="-"/>
+            </a:pPr>
+            <a:endParaRPr lang="en-US" dirty="0"/>
+          </a:p>
+          <a:p>
+            <a:pPr>
+              <a:buFontTx/>
+              <a:buChar char="-"/>
+            </a:pPr>
+            <a:endParaRPr lang="en-US" dirty="0" smtClean="0"/>
+          </a:p>
+          <a:p>
+            <a:pPr>
+              <a:buFontTx/>
+              <a:buChar char="-"/>
+            </a:pPr>
+            <a:endParaRPr lang="en-US" dirty="0"/>
+          </a:p>
+          <a:p>
+            <a:pPr marL="0" indent="0" algn="ctr">
+              <a:buNone/>
+            </a:pPr>
+            <a:r>
+              <a:rPr lang="en-US" dirty="0" err="1" smtClean="0"/>
+              <a:t>Kiến</a:t>
+            </a:r>
+            <a:r>
+              <a:rPr lang="en-US" dirty="0" smtClean="0"/>
+              <a:t> </a:t>
+            </a:r>
+            <a:r>
+              <a:rPr lang="en-US" dirty="0" err="1" smtClean="0"/>
+              <a:t>trúc</a:t>
+            </a:r>
+            <a:r>
+              <a:rPr lang="en-US" dirty="0" smtClean="0"/>
+              <a:t> </a:t>
+            </a:r>
+            <a:r>
+              <a:rPr lang="en-US" dirty="0" err="1" smtClean="0"/>
+              <a:t>tổng</a:t>
+            </a:r>
+            <a:r>
+              <a:rPr lang="en-US" dirty="0" smtClean="0"/>
+              <a:t> </a:t>
+            </a:r>
+            <a:r>
+              <a:rPr lang="en-US" dirty="0" err="1" smtClean="0"/>
+              <a:t>quan</a:t>
+            </a:r>
+            <a:endParaRPr lang="en-US" dirty="0" smtClean="0"/>
+          </a:p>
+        </p:txBody>
+      </p:sp>
       <p:pic>
         <p:nvPicPr>
-          <p:cNvPr id="10" name="Picture 9">
-            <a:extLst>
-              <a:ext uri="{FF2B5EF4-FFF2-40B4-BE49-F238E27FC236}">
-                <a16:creationId xmlns:a16="http://schemas.microsoft.com/office/drawing/2014/main" id="{7F39020D-C7D2-485D-B018-746A60C66729}"/>
-              </a:ext>
-            </a:extLst>
-          </p:cNvPr>
+          <p:cNvPr id="2" name="Picture 1"/>
           <p:cNvPicPr>
             <a:picLocks noChangeAspect="1"/>
           </p:cNvPicPr>
@@ -4963,44 +7291,8 @@
         </p:blipFill>
         <p:spPr>
           <a:xfrm>
-            <a:off x="1400175" y="561975"/>
-            <a:ext cx="6343650" cy="4019550"/>
-          </a:xfrm>
-          <a:prstGeom prst="rect">
-            <a:avLst/>
-          </a:prstGeom>
-        </p:spPr>
-      </p:pic>
-      <p:pic>
-        <p:nvPicPr>
-          <p:cNvPr id="12" name="Picture 11">
-            <a:extLst>
-              <a:ext uri="{FF2B5EF4-FFF2-40B4-BE49-F238E27FC236}">
-                <a16:creationId xmlns:a16="http://schemas.microsoft.com/office/drawing/2014/main" id="{39449F7E-0E2F-4BCC-96C6-B20232BD304E}"/>
-              </a:ext>
-            </a:extLst>
-          </p:cNvPr>
-          <p:cNvPicPr>
-            <a:picLocks noChangeAspect="1"/>
-          </p:cNvPicPr>
-          <p:nvPr/>
-        </p:nvPicPr>
-        <p:blipFill>
-          <a:blip r:embed="rId3">
-            <a:extLst>
-              <a:ext uri="{28A0092B-C50C-407E-A947-70E740481C1C}">
-                <a14:useLocalDpi xmlns:a14="http://schemas.microsoft.com/office/drawing/2010/main" val="0"/>
-              </a:ext>
-            </a:extLst>
-          </a:blip>
-          <a:stretch>
-            <a:fillRect/>
-          </a:stretch>
-        </p:blipFill>
-        <p:spPr>
-          <a:xfrm>
-            <a:off x="1400175" y="561975"/>
-            <a:ext cx="6343650" cy="4019550"/>
+            <a:off x="473312" y="1197405"/>
+            <a:ext cx="6871726" cy="2672673"/>
           </a:xfrm>
           <a:prstGeom prst="rect">
             <a:avLst/>
@@ -5010,158 +7302,17 @@
     </p:spTree>
     <p:extLst>
       <p:ext uri="{BB962C8B-B14F-4D97-AF65-F5344CB8AC3E}">
-        <p14:creationId xmlns:p14="http://schemas.microsoft.com/office/powerpoint/2010/main" val="2444902669"/>
+        <p14:creationId xmlns:p14="http://schemas.microsoft.com/office/powerpoint/2010/main" val="3500192894"/>
       </p:ext>
     </p:extLst>
   </p:cSld>
   <p:clrMapOvr>
     <a:masterClrMapping/>
   </p:clrMapOvr>
-  <mc:AlternateContent xmlns:mc="http://schemas.openxmlformats.org/markup-compatibility/2006" xmlns:p159="http://schemas.microsoft.com/office/powerpoint/2015/09/main">
-    <mc:Choice Requires="p159">
-      <p:transition xmlns:p14="http://schemas.microsoft.com/office/powerpoint/2010/main" spd="slow" p14:dur="2000">
-        <p159:morph option="byObject"/>
-      </p:transition>
-    </mc:Choice>
-    <mc:Fallback xmlns="">
-      <p:transition spd="slow">
-        <p:fade/>
-      </p:transition>
-    </mc:Fallback>
-  </mc:AlternateContent>
   <p:timing>
     <p:tnLst>
       <p:par>
-        <p:cTn id="1" dur="indefinite" restart="never" nodeType="tmRoot">
-          <p:childTnLst>
-            <p:seq concurrent="1" nextAc="seek">
-              <p:cTn id="2" dur="indefinite" nodeType="mainSeq">
-                <p:childTnLst>
-                  <p:par>
-                    <p:cTn id="3" fill="hold">
-                      <p:stCondLst>
-                        <p:cond delay="indefinite"/>
-                      </p:stCondLst>
-                      <p:childTnLst>
-                        <p:par>
-                          <p:cTn id="4" fill="hold">
-                            <p:stCondLst>
-                              <p:cond delay="0"/>
-                            </p:stCondLst>
-                            <p:childTnLst>
-                              <p:par>
-                                <p:cTn id="5" presetID="10" presetClass="entr" presetSubtype="0" fill="hold" nodeType="clickEffect">
-                                  <p:stCondLst>
-                                    <p:cond delay="0"/>
-                                  </p:stCondLst>
-                                  <p:childTnLst>
-                                    <p:set>
-                                      <p:cBhvr>
-                                        <p:cTn id="6" dur="1" fill="hold">
-                                          <p:stCondLst>
-                                            <p:cond delay="0"/>
-                                          </p:stCondLst>
-                                        </p:cTn>
-                                        <p:tgtEl>
-                                          <p:spTgt spid="10"/>
-                                        </p:tgtEl>
-                                        <p:attrNameLst>
-                                          <p:attrName>style.visibility</p:attrName>
-                                        </p:attrNameLst>
-                                      </p:cBhvr>
-                                      <p:to>
-                                        <p:strVal val="visible"/>
-                                      </p:to>
-                                    </p:set>
-                                    <p:animEffect transition="in" filter="fade">
-                                      <p:cBhvr>
-                                        <p:cTn id="7" dur="500"/>
-                                        <p:tgtEl>
-                                          <p:spTgt spid="10"/>
-                                        </p:tgtEl>
-                                      </p:cBhvr>
-                                    </p:animEffect>
-                                  </p:childTnLst>
-                                </p:cTn>
-                              </p:par>
-                            </p:childTnLst>
-                          </p:cTn>
-                        </p:par>
-                      </p:childTnLst>
-                    </p:cTn>
-                  </p:par>
-                  <p:par>
-                    <p:cTn id="8" fill="hold">
-                      <p:stCondLst>
-                        <p:cond delay="indefinite"/>
-                      </p:stCondLst>
-                      <p:childTnLst>
-                        <p:par>
-                          <p:cTn id="9" fill="hold">
-                            <p:stCondLst>
-                              <p:cond delay="0"/>
-                            </p:stCondLst>
-                            <p:childTnLst>
-                              <p:par>
-                                <p:cTn id="10" presetID="10" presetClass="entr" presetSubtype="0" fill="hold" nodeType="clickEffect">
-                                  <p:stCondLst>
-                                    <p:cond delay="0"/>
-                                  </p:stCondLst>
-                                  <p:childTnLst>
-                                    <p:set>
-                                      <p:cBhvr>
-                                        <p:cTn id="11" dur="1" fill="hold">
-                                          <p:stCondLst>
-                                            <p:cond delay="0"/>
-                                          </p:stCondLst>
-                                        </p:cTn>
-                                        <p:tgtEl>
-                                          <p:spTgt spid="12"/>
-                                        </p:tgtEl>
-                                        <p:attrNameLst>
-                                          <p:attrName>style.visibility</p:attrName>
-                                        </p:attrNameLst>
-                                      </p:cBhvr>
-                                      <p:to>
-                                        <p:strVal val="visible"/>
-                                      </p:to>
-                                    </p:set>
-                                    <p:animEffect transition="in" filter="fade">
-                                      <p:cBhvr>
-                                        <p:cTn id="12" dur="500"/>
-                                        <p:tgtEl>
-                                          <p:spTgt spid="12"/>
-                                        </p:tgtEl>
-                                      </p:cBhvr>
-                                    </p:animEffect>
-                                  </p:childTnLst>
-                                </p:cTn>
-                              </p:par>
-                            </p:childTnLst>
-                          </p:cTn>
-                        </p:par>
-                      </p:childTnLst>
-                    </p:cTn>
-                  </p:par>
-                </p:childTnLst>
-              </p:cTn>
-              <p:prevCondLst>
-                <p:cond evt="onPrev" delay="0">
-                  <p:tgtEl>
-                    <p:sldTgt/>
-                  </p:tgtEl>
-                </p:cond>
-              </p:prevCondLst>
-              <p:nextCondLst>
-                <p:cond evt="onNext" delay="0">
-                  <p:tgtEl>
-                    <p:sldTgt/>
-                  </p:tgtEl>
-                </p:cond>
-              </p:nextCondLst>
-            </p:seq>
-          </p:childTnLst>
-        </p:cTn>
+        <p:cTn id="1" dur="indefinite" restart="never" nodeType="tmRoot"/>
       </p:par>
     </p:tnLst>
   </p:timing>
@@ -5171,14 +7322,6 @@
 <file path=ppt/slides/slide8.xml><?xml version="1.0" encoding="utf-8"?>
 <p:sld xmlns:a="http://schemas.openxmlformats.org/drawingml/2006/main" xmlns:r="http://schemas.openxmlformats.org/officeDocument/2006/relationships" xmlns:p="http://schemas.openxmlformats.org/presentationml/2006/main">
   <p:cSld>
-    <p:bg>
-      <p:bgPr>
-        <a:solidFill>
-          <a:schemeClr val="bg1"/>
-        </a:solidFill>
-        <a:effectLst/>
-      </p:bgPr>
-    </p:bg>
     <p:spTree>
       <p:nvGrpSpPr>
         <p:cNvPr id="1" name=""/>
@@ -5193,15 +7336,158 @@
           <a:chExt cx="0" cy="0"/>
         </a:xfrm>
       </p:grpSpPr>
+      <p:sp>
+        <p:nvSpPr>
+          <p:cNvPr id="4" name="Title 3"/>
+          <p:cNvSpPr>
+            <a:spLocks noGrp="1"/>
+          </p:cNvSpPr>
+          <p:nvPr>
+            <p:ph type="title"/>
+          </p:nvPr>
+        </p:nvSpPr>
+        <p:spPr>
+          <a:xfrm>
+            <a:off x="448964" y="281175"/>
+            <a:ext cx="6566316" cy="763525"/>
+          </a:xfrm>
+        </p:spPr>
+        <p:txBody>
+          <a:bodyPr>
+            <a:normAutofit/>
+          </a:bodyPr>
+          <a:lstStyle/>
+          <a:p>
+            <a:pPr algn="l"/>
+            <a:r>
+              <a:rPr lang="en-US" dirty="0" err="1" smtClean="0"/>
+              <a:t>Thành</a:t>
+            </a:r>
+            <a:r>
+              <a:rPr lang="en-US" dirty="0" smtClean="0"/>
+              <a:t> </a:t>
+            </a:r>
+            <a:r>
+              <a:rPr lang="en-US" dirty="0" err="1" smtClean="0"/>
+              <a:t>phần</a:t>
+            </a:r>
+            <a:r>
+              <a:rPr lang="en-US" dirty="0" smtClean="0"/>
+              <a:t>, </a:t>
+            </a:r>
+            <a:r>
+              <a:rPr lang="en-US" dirty="0" err="1" smtClean="0"/>
+              <a:t>kiến</a:t>
+            </a:r>
+            <a:r>
+              <a:rPr lang="en-US" dirty="0" smtClean="0"/>
+              <a:t> </a:t>
+            </a:r>
+            <a:r>
+              <a:rPr lang="en-US" dirty="0" err="1" smtClean="0"/>
+              <a:t>trúc</a:t>
+            </a:r>
+            <a:endParaRPr lang="en-US" dirty="0"/>
+          </a:p>
+        </p:txBody>
+      </p:sp>
+      <p:sp>
+        <p:nvSpPr>
+          <p:cNvPr id="5" name="Content Placeholder 4"/>
+          <p:cNvSpPr>
+            <a:spLocks noGrp="1"/>
+          </p:cNvSpPr>
+          <p:nvPr>
+            <p:ph idx="1"/>
+          </p:nvPr>
+        </p:nvSpPr>
+        <p:spPr>
+          <a:xfrm>
+            <a:off x="448965" y="1044699"/>
+            <a:ext cx="6566315" cy="3970331"/>
+          </a:xfrm>
+        </p:spPr>
+        <p:txBody>
+          <a:bodyPr>
+            <a:normAutofit/>
+          </a:bodyPr>
+          <a:lstStyle/>
+          <a:p>
+            <a:pPr marL="0" indent="0">
+              <a:buNone/>
+            </a:pPr>
+            <a:endParaRPr lang="en-US" dirty="0" smtClean="0"/>
+          </a:p>
+          <a:p>
+            <a:endParaRPr lang="en-US" dirty="0" smtClean="0"/>
+          </a:p>
+          <a:p>
+            <a:pPr>
+              <a:buFontTx/>
+              <a:buChar char="-"/>
+            </a:pPr>
+            <a:endParaRPr lang="en-US" dirty="0" smtClean="0"/>
+          </a:p>
+          <a:p>
+            <a:pPr>
+              <a:buFontTx/>
+              <a:buChar char="-"/>
+            </a:pPr>
+            <a:endParaRPr lang="en-US" dirty="0"/>
+          </a:p>
+          <a:p>
+            <a:pPr>
+              <a:buFontTx/>
+              <a:buChar char="-"/>
+            </a:pPr>
+            <a:endParaRPr lang="en-US" dirty="0" smtClean="0"/>
+          </a:p>
+          <a:p>
+            <a:pPr>
+              <a:buFontTx/>
+              <a:buChar char="-"/>
+            </a:pPr>
+            <a:endParaRPr lang="en-US" dirty="0"/>
+          </a:p>
+          <a:p>
+            <a:pPr marL="0" indent="0" algn="ctr">
+              <a:buNone/>
+            </a:pPr>
+            <a:r>
+              <a:rPr lang="en-US" dirty="0" err="1" smtClean="0"/>
+              <a:t>Kiến</a:t>
+            </a:r>
+            <a:r>
+              <a:rPr lang="en-US" dirty="0" smtClean="0"/>
+              <a:t> </a:t>
+            </a:r>
+            <a:r>
+              <a:rPr lang="en-US" dirty="0" err="1" smtClean="0"/>
+              <a:t>trúc</a:t>
+            </a:r>
+            <a:r>
+              <a:rPr lang="en-US" dirty="0" smtClean="0"/>
+              <a:t> </a:t>
+            </a:r>
+            <a:r>
+              <a:rPr lang="en-US" dirty="0" err="1" smtClean="0"/>
+              <a:t>phân</a:t>
+            </a:r>
+            <a:r>
+              <a:rPr lang="en-US" dirty="0" smtClean="0"/>
+              <a:t> </a:t>
+            </a:r>
+            <a:r>
+              <a:rPr lang="en-US" dirty="0" err="1" smtClean="0"/>
+              <a:t>lớp</a:t>
+            </a:r>
+            <a:endParaRPr lang="en-US" dirty="0" smtClean="0"/>
+          </a:p>
+        </p:txBody>
+      </p:sp>
       <p:pic>
         <p:nvPicPr>
-          <p:cNvPr id="6" name="Picture 5">
-            <a:extLst>
-              <a:ext uri="{FF2B5EF4-FFF2-40B4-BE49-F238E27FC236}">
-                <a16:creationId xmlns:a16="http://schemas.microsoft.com/office/drawing/2014/main" id="{AF1E8148-0324-4F3C-A702-BDA474DA65D9}"/>
-              </a:ext>
-            </a:extLst>
-          </p:cNvPr>
+          <p:cNvPr id="3" name="Picture 2"/>
           <p:cNvPicPr>
             <a:picLocks noChangeAspect="1"/>
           </p:cNvPicPr>
@@ -5221,116 +7507,8 @@
         </p:blipFill>
         <p:spPr>
           <a:xfrm>
-            <a:off x="1951726" y="0"/>
-            <a:ext cx="5240547" cy="5143500"/>
-          </a:xfrm>
-          <a:prstGeom prst="rect">
-            <a:avLst/>
-          </a:prstGeom>
-        </p:spPr>
-      </p:pic>
-      <p:pic>
-        <p:nvPicPr>
-          <p:cNvPr id="8" name="Picture 7">
-            <a:extLst>
-              <a:ext uri="{FF2B5EF4-FFF2-40B4-BE49-F238E27FC236}">
-                <a16:creationId xmlns:a16="http://schemas.microsoft.com/office/drawing/2014/main" id="{1408544E-99B3-47FD-8886-D39897453999}"/>
-              </a:ext>
-            </a:extLst>
-          </p:cNvPr>
-          <p:cNvPicPr>
-            <a:picLocks noChangeAspect="1"/>
-          </p:cNvPicPr>
-          <p:nvPr/>
-        </p:nvPicPr>
-        <p:blipFill>
-          <a:blip r:embed="rId3">
-            <a:extLst>
-              <a:ext uri="{28A0092B-C50C-407E-A947-70E740481C1C}">
-                <a14:useLocalDpi xmlns:a14="http://schemas.microsoft.com/office/drawing/2010/main" val="0"/>
-              </a:ext>
-            </a:extLst>
-          </a:blip>
-          <a:stretch>
-            <a:fillRect/>
-          </a:stretch>
-        </p:blipFill>
-        <p:spPr>
-          <a:xfrm>
-            <a:off x="2078397" y="0"/>
-            <a:ext cx="4987206" cy="5143500"/>
-          </a:xfrm>
-          <a:prstGeom prst="rect">
-            <a:avLst/>
-          </a:prstGeom>
-        </p:spPr>
-      </p:pic>
-      <p:pic>
-        <p:nvPicPr>
-          <p:cNvPr id="10" name="Picture 9">
-            <a:extLst>
-              <a:ext uri="{FF2B5EF4-FFF2-40B4-BE49-F238E27FC236}">
-                <a16:creationId xmlns:a16="http://schemas.microsoft.com/office/drawing/2014/main" id="{035D9FB2-90DB-4D82-9226-9BCDE0E3709C}"/>
-              </a:ext>
-            </a:extLst>
-          </p:cNvPr>
-          <p:cNvPicPr>
-            <a:picLocks noChangeAspect="1"/>
-          </p:cNvPicPr>
-          <p:nvPr/>
-        </p:nvPicPr>
-        <p:blipFill>
-          <a:blip r:embed="rId4">
-            <a:extLst>
-              <a:ext uri="{28A0092B-C50C-407E-A947-70E740481C1C}">
-                <a14:useLocalDpi xmlns:a14="http://schemas.microsoft.com/office/drawing/2010/main" val="0"/>
-              </a:ext>
-            </a:extLst>
-          </a:blip>
-          <a:stretch>
-            <a:fillRect/>
-          </a:stretch>
-        </p:blipFill>
-        <p:spPr>
-          <a:xfrm>
-            <a:off x="1951726" y="0"/>
-            <a:ext cx="5240547" cy="5143500"/>
-          </a:xfrm>
-          <a:prstGeom prst="rect">
-            <a:avLst/>
-          </a:prstGeom>
-        </p:spPr>
-      </p:pic>
-      <p:pic>
-        <p:nvPicPr>
-          <p:cNvPr id="12" name="Picture 11">
-            <a:extLst>
-              <a:ext uri="{FF2B5EF4-FFF2-40B4-BE49-F238E27FC236}">
-                <a16:creationId xmlns:a16="http://schemas.microsoft.com/office/drawing/2014/main" id="{2A1D945B-4927-4AB0-80B4-8490EC728FB3}"/>
-              </a:ext>
-            </a:extLst>
-          </p:cNvPr>
-          <p:cNvPicPr>
-            <a:picLocks noChangeAspect="1"/>
-          </p:cNvPicPr>
-          <p:nvPr/>
-        </p:nvPicPr>
-        <p:blipFill>
-          <a:blip r:embed="rId5">
-            <a:extLst>
-              <a:ext uri="{28A0092B-C50C-407E-A947-70E740481C1C}">
-                <a14:useLocalDpi xmlns:a14="http://schemas.microsoft.com/office/drawing/2010/main" val="0"/>
-              </a:ext>
-            </a:extLst>
-          </a:blip>
-          <a:stretch>
-            <a:fillRect/>
-          </a:stretch>
-        </p:blipFill>
-        <p:spPr>
-          <a:xfrm>
-            <a:off x="1951726" y="0"/>
-            <a:ext cx="5240547" cy="5143500"/>
+            <a:off x="349178" y="1197405"/>
+            <a:ext cx="6971512" cy="2748690"/>
           </a:xfrm>
           <a:prstGeom prst="rect">
             <a:avLst/>
@@ -5340,211 +7518,17 @@
     </p:spTree>
     <p:extLst>
       <p:ext uri="{BB962C8B-B14F-4D97-AF65-F5344CB8AC3E}">
-        <p14:creationId xmlns:p14="http://schemas.microsoft.com/office/powerpoint/2010/main" val="2017727271"/>
+        <p14:creationId xmlns:p14="http://schemas.microsoft.com/office/powerpoint/2010/main" val="3502985101"/>
       </p:ext>
     </p:extLst>
   </p:cSld>
   <p:clrMapOvr>
     <a:masterClrMapping/>
   </p:clrMapOvr>
-  <mc:AlternateContent xmlns:mc="http://schemas.openxmlformats.org/markup-compatibility/2006" xmlns:p159="http://schemas.microsoft.com/office/powerpoint/2015/09/main">
-    <mc:Choice Requires="p159">
-      <p:transition xmlns:p14="http://schemas.microsoft.com/office/powerpoint/2010/main" spd="slow" p14:dur="2000">
-        <p159:morph option="byObject"/>
-      </p:transition>
-    </mc:Choice>
-    <mc:Fallback xmlns="">
-      <p:transition spd="slow">
-        <p:fade/>
-      </p:transition>
-    </mc:Fallback>
-  </mc:AlternateContent>
   <p:timing>
     <p:tnLst>
       <p:par>
-        <p:cTn id="1" dur="indefinite" restart="never" nodeType="tmRoot">
-          <p:childTnLst>
-            <p:seq concurrent="1" nextAc="seek">
-              <p:cTn id="2" dur="indefinite" nodeType="mainSeq">
-                <p:childTnLst>
-                  <p:par>
-                    <p:cTn id="3" fill="hold">
-                      <p:stCondLst>
-                        <p:cond delay="indefinite"/>
-                      </p:stCondLst>
-                      <p:childTnLst>
-                        <p:par>
-                          <p:cTn id="4" fill="hold">
-                            <p:stCondLst>
-                              <p:cond delay="0"/>
-                            </p:stCondLst>
-                            <p:childTnLst>
-                              <p:par>
-                                <p:cTn id="5" presetID="10" presetClass="entr" presetSubtype="0" fill="hold" nodeType="clickEffect">
-                                  <p:stCondLst>
-                                    <p:cond delay="0"/>
-                                  </p:stCondLst>
-                                  <p:childTnLst>
-                                    <p:set>
-                                      <p:cBhvr>
-                                        <p:cTn id="6" dur="1" fill="hold">
-                                          <p:stCondLst>
-                                            <p:cond delay="0"/>
-                                          </p:stCondLst>
-                                        </p:cTn>
-                                        <p:tgtEl>
-                                          <p:spTgt spid="8"/>
-                                        </p:tgtEl>
-                                        <p:attrNameLst>
-                                          <p:attrName>style.visibility</p:attrName>
-                                        </p:attrNameLst>
-                                      </p:cBhvr>
-                                      <p:to>
-                                        <p:strVal val="visible"/>
-                                      </p:to>
-                                    </p:set>
-                                    <p:animEffect transition="in" filter="fade">
-                                      <p:cBhvr>
-                                        <p:cTn id="7" dur="500"/>
-                                        <p:tgtEl>
-                                          <p:spTgt spid="8"/>
-                                        </p:tgtEl>
-                                      </p:cBhvr>
-                                    </p:animEffect>
-                                  </p:childTnLst>
-                                </p:cTn>
-                              </p:par>
-                            </p:childTnLst>
-                          </p:cTn>
-                        </p:par>
-                      </p:childTnLst>
-                    </p:cTn>
-                  </p:par>
-                  <p:par>
-                    <p:cTn id="8" fill="hold">
-                      <p:stCondLst>
-                        <p:cond delay="indefinite"/>
-                      </p:stCondLst>
-                      <p:childTnLst>
-                        <p:par>
-                          <p:cTn id="9" fill="hold">
-                            <p:stCondLst>
-                              <p:cond delay="0"/>
-                            </p:stCondLst>
-                            <p:childTnLst>
-                              <p:par>
-                                <p:cTn id="10" presetID="10" presetClass="entr" presetSubtype="0" fill="hold" nodeType="clickEffect">
-                                  <p:stCondLst>
-                                    <p:cond delay="0"/>
-                                  </p:stCondLst>
-                                  <p:childTnLst>
-                                    <p:set>
-                                      <p:cBhvr>
-                                        <p:cTn id="11" dur="1" fill="hold">
-                                          <p:stCondLst>
-                                            <p:cond delay="0"/>
-                                          </p:stCondLst>
-                                        </p:cTn>
-                                        <p:tgtEl>
-                                          <p:spTgt spid="10"/>
-                                        </p:tgtEl>
-                                        <p:attrNameLst>
-                                          <p:attrName>style.visibility</p:attrName>
-                                        </p:attrNameLst>
-                                      </p:cBhvr>
-                                      <p:to>
-                                        <p:strVal val="visible"/>
-                                      </p:to>
-                                    </p:set>
-                                    <p:animEffect transition="in" filter="fade">
-                                      <p:cBhvr>
-                                        <p:cTn id="12" dur="500"/>
-                                        <p:tgtEl>
-                                          <p:spTgt spid="10"/>
-                                        </p:tgtEl>
-                                      </p:cBhvr>
-                                    </p:animEffect>
-                                  </p:childTnLst>
-                                </p:cTn>
-                              </p:par>
-                            </p:childTnLst>
-                          </p:cTn>
-                        </p:par>
-                      </p:childTnLst>
-                    </p:cTn>
-                  </p:par>
-                  <p:par>
-                    <p:cTn id="13" fill="hold">
-                      <p:stCondLst>
-                        <p:cond delay="indefinite"/>
-                      </p:stCondLst>
-                      <p:childTnLst>
-                        <p:par>
-                          <p:cTn id="14" fill="hold">
-                            <p:stCondLst>
-                              <p:cond delay="0"/>
-                            </p:stCondLst>
-                            <p:childTnLst>
-                              <p:par>
-                                <p:cTn id="15" presetID="10" presetClass="entr" presetSubtype="0" fill="hold" nodeType="clickEffect">
-                                  <p:stCondLst>
-                                    <p:cond delay="0"/>
-                                  </p:stCondLst>
-                                  <p:childTnLst>
-                                    <p:set>
-                                      <p:cBhvr>
-                                        <p:cTn id="16" dur="1" fill="hold">
-                                          <p:stCondLst>
-                                            <p:cond delay="0"/>
-                                          </p:stCondLst>
-                                        </p:cTn>
-                                        <p:tgtEl>
-                                          <p:spTgt spid="12"/>
-                                        </p:tgtEl>
-                                        <p:attrNameLst>
-                                          <p:attrName>style.visibility</p:attrName>
-                                        </p:attrNameLst>
-                                      </p:cBhvr>
-                                      <p:to>
-                                        <p:strVal val="visible"/>
-                                      </p:to>
-                                    </p:set>
-                                    <p:animEffect transition="in" filter="fade">
-                                      <p:cBhvr>
-                                        <p:cTn id="17" dur="500"/>
-                                        <p:tgtEl>
-                                          <p:spTgt spid="12"/>
-                                        </p:tgtEl>
-                                      </p:cBhvr>
-                                    </p:animEffect>
-                                  </p:childTnLst>
-                                </p:cTn>
-                              </p:par>
-                            </p:childTnLst>
-                          </p:cTn>
-                        </p:par>
-                      </p:childTnLst>
-                    </p:cTn>
-                  </p:par>
-                </p:childTnLst>
-              </p:cTn>
-              <p:prevCondLst>
-                <p:cond evt="onPrev" delay="0">
-                  <p:tgtEl>
-                    <p:sldTgt/>
-                  </p:tgtEl>
-                </p:cond>
-              </p:prevCondLst>
-              <p:nextCondLst>
-                <p:cond evt="onNext" delay="0">
-                  <p:tgtEl>
-                    <p:sldTgt/>
-                  </p:tgtEl>
-                </p:cond>
-              </p:nextCondLst>
-            </p:seq>
-          </p:childTnLst>
-        </p:cTn>
+        <p:cTn id="1" dur="indefinite" restart="never" nodeType="tmRoot"/>
       </p:par>
     </p:tnLst>
   </p:timing>
@@ -5554,14 +7538,6 @@
 <file path=ppt/slides/slide9.xml><?xml version="1.0" encoding="utf-8"?>
 <p:sld xmlns:a="http://schemas.openxmlformats.org/drawingml/2006/main" xmlns:r="http://schemas.openxmlformats.org/officeDocument/2006/relationships" xmlns:p="http://schemas.openxmlformats.org/presentationml/2006/main">
   <p:cSld>
-    <p:bg>
-      <p:bgPr>
-        <a:solidFill>
-          <a:schemeClr val="bg1"/>
-        </a:solidFill>
-        <a:effectLst/>
-      </p:bgPr>
-    </p:bg>
     <p:spTree>
       <p:nvGrpSpPr>
         <p:cNvPr id="1" name=""/>
@@ -5576,269 +7552,207 @@
           <a:chExt cx="0" cy="0"/>
         </a:xfrm>
       </p:grpSpPr>
-      <p:pic>
-        <p:nvPicPr>
-          <p:cNvPr id="5" name="Picture 4">
-            <a:extLst>
-              <a:ext uri="{FF2B5EF4-FFF2-40B4-BE49-F238E27FC236}">
-                <a16:creationId xmlns:a16="http://schemas.microsoft.com/office/drawing/2014/main" id="{A765E5BE-583B-4858-B69C-B8517BA51A3B}"/>
-              </a:ext>
-            </a:extLst>
-          </p:cNvPr>
-          <p:cNvPicPr>
-            <a:picLocks noChangeAspect="1"/>
-          </p:cNvPicPr>
-          <p:nvPr/>
-        </p:nvPicPr>
-        <p:blipFill>
-          <a:blip r:embed="rId2">
-            <a:extLst>
-              <a:ext uri="{28A0092B-C50C-407E-A947-70E740481C1C}">
-                <a14:useLocalDpi xmlns:a14="http://schemas.microsoft.com/office/drawing/2010/main" val="0"/>
-              </a:ext>
-            </a:extLst>
-          </a:blip>
-          <a:stretch>
-            <a:fillRect/>
-          </a:stretch>
-        </p:blipFill>
+      <p:sp>
+        <p:nvSpPr>
+          <p:cNvPr id="4" name="Title 3"/>
+          <p:cNvSpPr>
+            <a:spLocks noGrp="1"/>
+          </p:cNvSpPr>
+          <p:nvPr>
+            <p:ph type="title"/>
+          </p:nvPr>
+        </p:nvSpPr>
         <p:spPr>
           <a:xfrm>
-            <a:off x="1400175" y="561975"/>
-            <a:ext cx="6343650" cy="4019550"/>
+            <a:off x="448964" y="281175"/>
+            <a:ext cx="6566316" cy="763525"/>
           </a:xfrm>
-          <a:prstGeom prst="rect">
-            <a:avLst/>
-          </a:prstGeom>
         </p:spPr>
-      </p:pic>
-      <p:pic>
-        <p:nvPicPr>
-          <p:cNvPr id="7" name="Picture 6">
-            <a:extLst>
-              <a:ext uri="{FF2B5EF4-FFF2-40B4-BE49-F238E27FC236}">
-                <a16:creationId xmlns:a16="http://schemas.microsoft.com/office/drawing/2014/main" id="{37C2DB10-1AA5-4FB6-BEF0-A435242A227F}"/>
-              </a:ext>
-            </a:extLst>
-          </p:cNvPr>
-          <p:cNvPicPr>
-            <a:picLocks noChangeAspect="1"/>
-          </p:cNvPicPr>
-          <p:nvPr/>
-        </p:nvPicPr>
-        <p:blipFill>
-          <a:blip r:embed="rId3">
-            <a:extLst>
-              <a:ext uri="{28A0092B-C50C-407E-A947-70E740481C1C}">
-                <a14:useLocalDpi xmlns:a14="http://schemas.microsoft.com/office/drawing/2010/main" val="0"/>
-              </a:ext>
-            </a:extLst>
-          </a:blip>
-          <a:stretch>
-            <a:fillRect/>
-          </a:stretch>
-        </p:blipFill>
+        <p:txBody>
+          <a:bodyPr>
+            <a:normAutofit/>
+          </a:bodyPr>
+          <a:lstStyle/>
+          <a:p>
+            <a:pPr algn="l"/>
+            <a:r>
+              <a:rPr lang="en-US" dirty="0" err="1" smtClean="0"/>
+              <a:t>Nguyên</a:t>
+            </a:r>
+            <a:r>
+              <a:rPr lang="en-US" dirty="0" smtClean="0"/>
+              <a:t> </a:t>
+            </a:r>
+            <a:r>
+              <a:rPr lang="en-US" dirty="0" err="1" smtClean="0"/>
+              <a:t>lý</a:t>
+            </a:r>
+            <a:r>
+              <a:rPr lang="en-US" dirty="0" smtClean="0"/>
+              <a:t>, </a:t>
+            </a:r>
+            <a:r>
+              <a:rPr lang="en-US" dirty="0" err="1" smtClean="0"/>
+              <a:t>cơ</a:t>
+            </a:r>
+            <a:r>
+              <a:rPr lang="en-US" dirty="0" smtClean="0"/>
+              <a:t> </a:t>
+            </a:r>
+            <a:r>
+              <a:rPr lang="en-US" dirty="0" err="1" smtClean="0"/>
+              <a:t>chế</a:t>
+            </a:r>
+            <a:endParaRPr lang="en-US" dirty="0"/>
+          </a:p>
+        </p:txBody>
+      </p:sp>
+      <p:sp>
+        <p:nvSpPr>
+          <p:cNvPr id="5" name="Content Placeholder 4"/>
+          <p:cNvSpPr>
+            <a:spLocks noGrp="1"/>
+          </p:cNvSpPr>
+          <p:nvPr>
+            <p:ph idx="1"/>
+          </p:nvPr>
+        </p:nvSpPr>
         <p:spPr>
           <a:xfrm>
-            <a:off x="1400175" y="561975"/>
-            <a:ext cx="6343650" cy="4019550"/>
+            <a:off x="448965" y="1044699"/>
+            <a:ext cx="6566315" cy="3970331"/>
           </a:xfrm>
-          <a:prstGeom prst="rect">
-            <a:avLst/>
-          </a:prstGeom>
         </p:spPr>
-      </p:pic>
-      <p:pic>
-        <p:nvPicPr>
-          <p:cNvPr id="9" name="Picture 8">
-            <a:extLst>
-              <a:ext uri="{FF2B5EF4-FFF2-40B4-BE49-F238E27FC236}">
-                <a16:creationId xmlns:a16="http://schemas.microsoft.com/office/drawing/2014/main" id="{D54281B1-A50E-4CD3-932D-8052D2382E98}"/>
-              </a:ext>
-            </a:extLst>
-          </p:cNvPr>
-          <p:cNvPicPr>
-            <a:picLocks noChangeAspect="1"/>
-          </p:cNvPicPr>
-          <p:nvPr/>
-        </p:nvPicPr>
-        <p:blipFill>
-          <a:blip r:embed="rId4">
-            <a:extLst>
-              <a:ext uri="{28A0092B-C50C-407E-A947-70E740481C1C}">
-                <a14:useLocalDpi xmlns:a14="http://schemas.microsoft.com/office/drawing/2010/main" val="0"/>
-              </a:ext>
-            </a:extLst>
-          </a:blip>
-          <a:stretch>
-            <a:fillRect/>
-          </a:stretch>
-        </p:blipFill>
-        <p:spPr>
-          <a:xfrm>
-            <a:off x="1400175" y="561975"/>
-            <a:ext cx="6343650" cy="4019550"/>
-          </a:xfrm>
-          <a:prstGeom prst="rect">
-            <a:avLst/>
-          </a:prstGeom>
-        </p:spPr>
-      </p:pic>
+        <p:txBody>
+          <a:bodyPr>
+            <a:normAutofit/>
+          </a:bodyPr>
+          <a:lstStyle/>
+          <a:p>
+            <a:pPr>
+              <a:buFontTx/>
+              <a:buChar char="-"/>
+            </a:pPr>
+            <a:r>
+              <a:rPr lang="en-US" sz="3200" b="1" dirty="0"/>
+              <a:t>Shipper</a:t>
+            </a:r>
+            <a:r>
+              <a:rPr lang="en-US" dirty="0"/>
+              <a:t>: </a:t>
+            </a:r>
+            <a:r>
+              <a:rPr lang="en-US" dirty="0" err="1"/>
+              <a:t>gửi</a:t>
+            </a:r>
+            <a:r>
+              <a:rPr lang="en-US" dirty="0"/>
+              <a:t> </a:t>
+            </a:r>
+            <a:r>
+              <a:rPr lang="en-US" dirty="0" err="1"/>
+              <a:t>dữ</a:t>
+            </a:r>
+            <a:r>
+              <a:rPr lang="en-US" dirty="0"/>
+              <a:t> </a:t>
+            </a:r>
+            <a:r>
+              <a:rPr lang="en-US" dirty="0" err="1"/>
+              <a:t>liệu</a:t>
+            </a:r>
+            <a:r>
+              <a:rPr lang="en-US" dirty="0"/>
+              <a:t> </a:t>
+            </a:r>
+            <a:r>
+              <a:rPr lang="en-US" dirty="0" err="1"/>
+              <a:t>từ</a:t>
+            </a:r>
+            <a:r>
+              <a:rPr lang="en-US" dirty="0"/>
+              <a:t> client </a:t>
+            </a:r>
+            <a:r>
+              <a:rPr lang="en-US" dirty="0" err="1"/>
+              <a:t>tới</a:t>
+            </a:r>
+            <a:r>
+              <a:rPr lang="en-US" dirty="0"/>
+              <a:t> ELK </a:t>
+            </a:r>
+            <a:r>
+              <a:rPr lang="en-US" dirty="0" smtClean="0"/>
+              <a:t>server</a:t>
+            </a:r>
+          </a:p>
+          <a:p>
+            <a:r>
+              <a:rPr lang="en-US" dirty="0" err="1"/>
+              <a:t>Sử</a:t>
+            </a:r>
+            <a:r>
+              <a:rPr lang="en-US" dirty="0"/>
+              <a:t> </a:t>
+            </a:r>
+            <a:r>
+              <a:rPr lang="en-US" dirty="0" err="1"/>
+              <a:t>dụng</a:t>
+            </a:r>
+            <a:r>
+              <a:rPr lang="en-US" dirty="0"/>
+              <a:t> </a:t>
+            </a:r>
+            <a:r>
+              <a:rPr lang="en-US" dirty="0" smtClean="0"/>
+              <a:t>Beats: </a:t>
+            </a:r>
+            <a:r>
+              <a:rPr lang="en-US" dirty="0" err="1" smtClean="0"/>
+              <a:t>Filebeat</a:t>
+            </a:r>
+            <a:r>
+              <a:rPr lang="en-US" dirty="0" smtClean="0"/>
+              <a:t>, </a:t>
+            </a:r>
+            <a:r>
+              <a:rPr lang="en-US" dirty="0" err="1" smtClean="0"/>
+              <a:t>Packetbeat</a:t>
+            </a:r>
+            <a:r>
+              <a:rPr lang="en-US" dirty="0" smtClean="0"/>
+              <a:t>, </a:t>
+            </a:r>
+            <a:r>
+              <a:rPr lang="en-US" dirty="0" err="1" smtClean="0"/>
+              <a:t>Topbeat</a:t>
+            </a:r>
+            <a:r>
+              <a:rPr lang="en-US" dirty="0" smtClean="0"/>
+              <a:t>, </a:t>
+            </a:r>
+            <a:r>
+              <a:rPr lang="en-US" dirty="0" err="1"/>
+              <a:t>Winlobeat</a:t>
+            </a:r>
+            <a:endParaRPr lang="en-US" dirty="0"/>
+          </a:p>
+        </p:txBody>
+      </p:sp>
     </p:spTree>
     <p:extLst>
       <p:ext uri="{BB962C8B-B14F-4D97-AF65-F5344CB8AC3E}">
-        <p14:creationId xmlns:p14="http://schemas.microsoft.com/office/powerpoint/2010/main" val="1790160083"/>
+        <p14:creationId xmlns:p14="http://schemas.microsoft.com/office/powerpoint/2010/main" val="2168345422"/>
       </p:ext>
     </p:extLst>
   </p:cSld>
   <p:clrMapOvr>
     <a:masterClrMapping/>
   </p:clrMapOvr>
-  <mc:AlternateContent xmlns:mc="http://schemas.openxmlformats.org/markup-compatibility/2006" xmlns:p159="http://schemas.microsoft.com/office/powerpoint/2015/09/main">
-    <mc:Choice Requires="p159">
-      <p:transition xmlns:p14="http://schemas.microsoft.com/office/powerpoint/2010/main" spd="slow" p14:dur="2000">
-        <p159:morph option="byObject"/>
-      </p:transition>
-    </mc:Choice>
-    <mc:Fallback xmlns="">
-      <p:transition spd="slow">
-        <p:fade/>
-      </p:transition>
-    </mc:Fallback>
-  </mc:AlternateContent>
   <p:timing>
     <p:tnLst>
       <p:par>
-        <p:cTn id="1" dur="indefinite" restart="never" nodeType="tmRoot">
-          <p:childTnLst>
-            <p:seq concurrent="1" nextAc="seek">
-              <p:cTn id="2" dur="indefinite" nodeType="mainSeq">
-                <p:childTnLst>
-                  <p:par>
-                    <p:cTn id="3" fill="hold">
-                      <p:stCondLst>
-                        <p:cond delay="indefinite"/>
-                      </p:stCondLst>
-                      <p:childTnLst>
-                        <p:par>
-                          <p:cTn id="4" fill="hold">
-                            <p:stCondLst>
-                              <p:cond delay="0"/>
-                            </p:stCondLst>
-                            <p:childTnLst>
-                              <p:par>
-                                <p:cTn id="5" presetID="10" presetClass="entr" presetSubtype="0" fill="hold" nodeType="clickEffect">
-                                  <p:stCondLst>
-                                    <p:cond delay="0"/>
-                                  </p:stCondLst>
-                                  <p:childTnLst>
-                                    <p:set>
-                                      <p:cBhvr>
-                                        <p:cTn id="6" dur="1" fill="hold">
-                                          <p:stCondLst>
-                                            <p:cond delay="0"/>
-                                          </p:stCondLst>
-                                        </p:cTn>
-                                        <p:tgtEl>
-                                          <p:spTgt spid="7"/>
-                                        </p:tgtEl>
-                                        <p:attrNameLst>
-                                          <p:attrName>style.visibility</p:attrName>
-                                        </p:attrNameLst>
-                                      </p:cBhvr>
-                                      <p:to>
-                                        <p:strVal val="visible"/>
-                                      </p:to>
-                                    </p:set>
-                                    <p:animEffect transition="in" filter="fade">
-                                      <p:cBhvr>
-                                        <p:cTn id="7" dur="500"/>
-                                        <p:tgtEl>
-                                          <p:spTgt spid="7"/>
-                                        </p:tgtEl>
-                                      </p:cBhvr>
-                                    </p:animEffect>
-                                  </p:childTnLst>
-                                </p:cTn>
-                              </p:par>
-                            </p:childTnLst>
-                          </p:cTn>
-                        </p:par>
-                      </p:childTnLst>
-                    </p:cTn>
-                  </p:par>
-                  <p:par>
-                    <p:cTn id="8" fill="hold">
-                      <p:stCondLst>
-                        <p:cond delay="indefinite"/>
-                      </p:stCondLst>
-                      <p:childTnLst>
-                        <p:par>
-                          <p:cTn id="9" fill="hold">
-                            <p:stCondLst>
-                              <p:cond delay="0"/>
-                            </p:stCondLst>
-                            <p:childTnLst>
-                              <p:par>
-                                <p:cTn id="10" presetID="10" presetClass="entr" presetSubtype="0" fill="hold" nodeType="clickEffect">
-                                  <p:stCondLst>
-                                    <p:cond delay="0"/>
-                                  </p:stCondLst>
-                                  <p:childTnLst>
-                                    <p:set>
-                                      <p:cBhvr>
-                                        <p:cTn id="11" dur="1" fill="hold">
-                                          <p:stCondLst>
-                                            <p:cond delay="0"/>
-                                          </p:stCondLst>
-                                        </p:cTn>
-                                        <p:tgtEl>
-                                          <p:spTgt spid="9"/>
-                                        </p:tgtEl>
-                                        <p:attrNameLst>
-                                          <p:attrName>style.visibility</p:attrName>
-                                        </p:attrNameLst>
-                                      </p:cBhvr>
-                                      <p:to>
-                                        <p:strVal val="visible"/>
-                                      </p:to>
-                                    </p:set>
-                                    <p:animEffect transition="in" filter="fade">
-                                      <p:cBhvr>
-                                        <p:cTn id="12" dur="500"/>
-                                        <p:tgtEl>
-                                          <p:spTgt spid="9"/>
-                                        </p:tgtEl>
-                                      </p:cBhvr>
-                                    </p:animEffect>
-                                  </p:childTnLst>
-                                </p:cTn>
-                              </p:par>
-                            </p:childTnLst>
-                          </p:cTn>
-                        </p:par>
-                      </p:childTnLst>
-                    </p:cTn>
-                  </p:par>
-                </p:childTnLst>
-              </p:cTn>
-              <p:prevCondLst>
-                <p:cond evt="onPrev" delay="0">
-                  <p:tgtEl>
-                    <p:sldTgt/>
-                  </p:tgtEl>
-                </p:cond>
-              </p:prevCondLst>
-              <p:nextCondLst>
-                <p:cond evt="onNext" delay="0">
-                  <p:tgtEl>
-                    <p:sldTgt/>
-                  </p:tgtEl>
-                </p:cond>
-              </p:nextCondLst>
-            </p:seq>
-          </p:childTnLst>
-        </p:cTn>
+        <p:cTn id="1" dur="indefinite" restart="never" nodeType="tmRoot"/>
       </p:par>
     </p:tnLst>
   </p:timing>
